--- a/Docs/Презентация решения.pptx
+++ b/Docs/Презентация решения.pptx
@@ -8,6 +8,7 @@
     <p:sldId id="256" r:id="rId2"/>
     <p:sldId id="257" r:id="rId3"/>
     <p:sldId id="258" r:id="rId4"/>
+    <p:sldId id="259" r:id="rId5"/>
   </p:sldIdLst>
   <p:sldSz cx="9144000" cy="6858000" type="screen4x3"/>
   <p:notesSz cx="6858000" cy="9144000"/>
@@ -3650,9 +3651,16 @@
             <p:ph type="title"/>
           </p:nvPr>
         </p:nvSpPr>
-        <p:spPr/>
-        <p:txBody>
-          <a:bodyPr/>
+        <p:spPr>
+          <a:xfrm>
+            <a:off x="457200" y="274638"/>
+            <a:ext cx="8229600" cy="562074"/>
+          </a:xfrm>
+        </p:spPr>
+        <p:txBody>
+          <a:bodyPr>
+            <a:normAutofit fontScale="90000"/>
+          </a:bodyPr>
           <a:lstStyle/>
           <a:p>
             <a:r>
@@ -3689,8 +3697,8 @@
         </p:blipFill>
         <p:spPr>
           <a:xfrm>
-            <a:off x="2248608" y="3232264"/>
-            <a:ext cx="1296144" cy="1296144"/>
+            <a:off x="2111952" y="2908043"/>
+            <a:ext cx="1178313" cy="1178313"/>
           </a:xfrm>
           <a:prstGeom prst="rect">
             <a:avLst/>
@@ -3705,8 +3713,8 @@
         </p:nvCxnSpPr>
         <p:spPr>
           <a:xfrm flipV="1">
-            <a:off x="1451493" y="3860814"/>
-            <a:ext cx="1077791" cy="252"/>
+            <a:off x="1467156" y="3466803"/>
+            <a:ext cx="809760" cy="229"/>
           </a:xfrm>
           <a:prstGeom prst="bentConnector3">
             <a:avLst>
@@ -3743,8 +3751,8 @@
         </p:nvCxnSpPr>
         <p:spPr>
           <a:xfrm rot="5400000" flipH="1" flipV="1">
-            <a:off x="3688694" y="1916908"/>
-            <a:ext cx="523342" cy="2107371"/>
+            <a:off x="3613198" y="1413698"/>
+            <a:ext cx="582256" cy="2406434"/>
           </a:xfrm>
           <a:prstGeom prst="bentConnector2">
             <a:avLst/>
@@ -3779,8 +3787,8 @@
         </p:nvCxnSpPr>
         <p:spPr>
           <a:xfrm rot="5400000" flipH="1" flipV="1">
-            <a:off x="6141572" y="1254155"/>
-            <a:ext cx="144016" cy="1469371"/>
+            <a:off x="6130218" y="977605"/>
+            <a:ext cx="226636" cy="1338827"/>
           </a:xfrm>
           <a:prstGeom prst="bentConnector2">
             <a:avLst/>
@@ -3816,8 +3824,8 @@
         </p:nvCxnSpPr>
         <p:spPr>
           <a:xfrm>
-            <a:off x="3544752" y="3880336"/>
-            <a:ext cx="421974" cy="900843"/>
+            <a:off x="3290265" y="3497200"/>
+            <a:ext cx="676461" cy="1120518"/>
           </a:xfrm>
           <a:prstGeom prst="bentConnector2">
             <a:avLst/>
@@ -3850,8 +3858,8 @@
         </p:nvGrpSpPr>
         <p:grpSpPr>
           <a:xfrm>
-            <a:off x="251519" y="3530504"/>
-            <a:ext cx="1592231" cy="1266648"/>
+            <a:off x="279805" y="3204942"/>
+            <a:ext cx="1592231" cy="1151498"/>
             <a:chOff x="251519" y="3530504"/>
             <a:chExt cx="1592231" cy="1266648"/>
           </a:xfrm>
@@ -3929,7 +3937,7 @@
         </p:nvGrpSpPr>
         <p:grpSpPr>
           <a:xfrm>
-            <a:off x="3318654" y="4522509"/>
+            <a:off x="3318654" y="4359048"/>
             <a:ext cx="4320480" cy="1940119"/>
             <a:chOff x="4355976" y="4538482"/>
             <a:chExt cx="4320480" cy="1940119"/>
@@ -4040,7 +4048,7 @@
                 <p:nvPr/>
               </p:nvPicPr>
               <p:blipFill>
-                <a:blip r:embed="rId2" cstate="print">
+                <a:blip r:embed="rId4" cstate="print">
                   <a:extLst>
                     <a:ext uri="{28A0092B-C50C-407E-A947-70E740481C1C}">
                       <a14:useLocalDpi xmlns:a14="http://schemas.microsoft.com/office/drawing/2010/main" val="0"/>
@@ -4070,7 +4078,7 @@
                 <p:nvPr/>
               </p:nvPicPr>
               <p:blipFill>
-                <a:blip r:embed="rId2" cstate="print">
+                <a:blip r:embed="rId4" cstate="print">
                   <a:extLst>
                     <a:ext uri="{28A0092B-C50C-407E-A947-70E740481C1C}">
                       <a14:useLocalDpi xmlns:a14="http://schemas.microsoft.com/office/drawing/2010/main" val="0"/>
@@ -4100,7 +4108,7 @@
                 <p:nvPr/>
               </p:nvPicPr>
               <p:blipFill>
-                <a:blip r:embed="rId2" cstate="print">
+                <a:blip r:embed="rId4" cstate="print">
                   <a:extLst>
                     <a:ext uri="{28A0092B-C50C-407E-A947-70E740481C1C}">
                       <a14:useLocalDpi xmlns:a14="http://schemas.microsoft.com/office/drawing/2010/main" val="0"/>
@@ -4145,7 +4153,11 @@
                 <a:p>
                   <a:r>
                     <a:rPr lang="ru-RU" dirty="0" smtClean="0"/>
-                    <a:t>Эмитент 1</a:t>
+                    <a:t>Эмитент </a:t>
+                  </a:r>
+                  <a:r>
+                    <a:rPr lang="ru-RU" dirty="0" smtClean="0"/>
+                    <a:t>1</a:t>
                   </a:r>
                   <a:endParaRPr lang="ru-RU" dirty="0"/>
                 </a:p>
@@ -4222,8 +4234,8 @@
         </p:nvGrpSpPr>
         <p:grpSpPr>
           <a:xfrm>
-            <a:off x="4830823" y="2060848"/>
-            <a:ext cx="1296144" cy="1817747"/>
+            <a:off x="4859109" y="1760336"/>
+            <a:ext cx="1296144" cy="1652497"/>
             <a:chOff x="4830823" y="2060848"/>
             <a:chExt cx="1296144" cy="1817747"/>
           </a:xfrm>
@@ -4237,7 +4249,7 @@
             <p:nvPr/>
           </p:nvPicPr>
           <p:blipFill>
-            <a:blip r:embed="rId2" cstate="print">
+            <a:blip r:embed="rId5" cstate="print">
               <a:extLst>
                 <a:ext uri="{28A0092B-C50C-407E-A947-70E740481C1C}">
                   <a14:useLocalDpi xmlns:a14="http://schemas.microsoft.com/office/drawing/2010/main" val="0"/>
@@ -4305,8 +4317,8 @@
         </p:nvGrpSpPr>
         <p:grpSpPr>
           <a:xfrm>
-            <a:off x="6804248" y="1268760"/>
-            <a:ext cx="1296144" cy="1965703"/>
+            <a:off x="6832534" y="974973"/>
+            <a:ext cx="1296144" cy="1787003"/>
             <a:chOff x="6804248" y="1268760"/>
             <a:chExt cx="1296144" cy="1965703"/>
           </a:xfrm>
@@ -4320,7 +4332,7 @@
             <p:nvPr/>
           </p:nvPicPr>
           <p:blipFill>
-            <a:blip r:embed="rId2" cstate="print">
+            <a:blip r:embed="rId5" cstate="print">
               <a:extLst>
                 <a:ext uri="{28A0092B-C50C-407E-A947-70E740481C1C}">
                   <a14:useLocalDpi xmlns:a14="http://schemas.microsoft.com/office/drawing/2010/main" val="0"/>
@@ -4388,7 +4400,7 @@
         </p:nvSpPr>
         <p:spPr>
           <a:xfrm>
-            <a:off x="2317552" y="4538482"/>
+            <a:off x="2105230" y="4522460"/>
             <a:ext cx="1135183" cy="369332"/>
           </a:xfrm>
           <a:prstGeom prst="rect">
@@ -4420,8 +4432,8 @@
         </p:nvCxnSpPr>
         <p:spPr>
           <a:xfrm>
-            <a:off x="8100392" y="1916832"/>
-            <a:ext cx="216024" cy="1224136"/>
+            <a:off x="8128678" y="1618588"/>
+            <a:ext cx="216024" cy="1089165"/>
           </a:xfrm>
           <a:prstGeom prst="bentConnector2">
             <a:avLst/>
@@ -4454,10 +4466,10 @@
         </p:nvGrpSpPr>
         <p:grpSpPr>
           <a:xfrm>
-            <a:off x="7668344" y="3076340"/>
-            <a:ext cx="1296144" cy="1688704"/>
+            <a:off x="7696630" y="2782553"/>
+            <a:ext cx="1296144" cy="1787003"/>
             <a:chOff x="6804248" y="1268760"/>
-            <a:chExt cx="1296144" cy="1688704"/>
+            <a:chExt cx="1296144" cy="1965703"/>
           </a:xfrm>
         </p:grpSpPr>
         <p:pic>
@@ -4469,7 +4481,7 @@
             <p:nvPr/>
           </p:nvPicPr>
           <p:blipFill>
-            <a:blip r:embed="rId2" cstate="print">
+            <a:blip r:embed="rId5" cstate="print">
               <a:extLst>
                 <a:ext uri="{28A0092B-C50C-407E-A947-70E740481C1C}">
                   <a14:useLocalDpi xmlns:a14="http://schemas.microsoft.com/office/drawing/2010/main" val="0"/>
@@ -4498,8 +4510,8 @@
           </p:nvSpPr>
           <p:spPr>
             <a:xfrm>
-              <a:off x="6948240" y="2588132"/>
-              <a:ext cx="1008161" cy="369332"/>
+              <a:off x="6960263" y="2588132"/>
+              <a:ext cx="984116" cy="646331"/>
             </a:xfrm>
             <a:prstGeom prst="rect">
               <a:avLst/>
@@ -4515,12 +4527,105 @@
               <a:pPr algn="ctr"/>
               <a:r>
                 <a:rPr lang="ru-RU" dirty="0" smtClean="0"/>
-                <a:t>Эмитент</a:t>
+                <a:t>Прочий</a:t>
               </a:r>
+              <a:br>
+                <a:rPr lang="ru-RU" dirty="0" smtClean="0"/>
+              </a:br>
+              <a:r>
+                <a:rPr lang="ru-RU" dirty="0" smtClean="0"/>
+                <a:t>э</a:t>
+              </a:r>
+              <a:r>
+                <a:rPr lang="ru-RU" dirty="0" smtClean="0"/>
+                <a:t>митент</a:t>
+              </a:r>
+              <a:endParaRPr lang="ru-RU" dirty="0" smtClean="0"/>
             </a:p>
           </p:txBody>
         </p:sp>
       </p:grpSp>
+      <p:sp>
+        <p:nvSpPr>
+          <p:cNvPr id="3" name="Прямоугольник 2"/>
+          <p:cNvSpPr/>
+          <p:nvPr/>
+        </p:nvSpPr>
+        <p:spPr>
+          <a:xfrm>
+            <a:off x="3346941" y="4256717"/>
+            <a:ext cx="4184024" cy="2026477"/>
+          </a:xfrm>
+          <a:prstGeom prst="rect">
+            <a:avLst/>
+          </a:prstGeom>
+          <a:noFill/>
+          <a:ln>
+            <a:solidFill>
+              <a:schemeClr val="tx1"/>
+            </a:solidFill>
+            <a:prstDash val="dash"/>
+          </a:ln>
+        </p:spPr>
+        <p:style>
+          <a:lnRef idx="2">
+            <a:schemeClr val="accent1">
+              <a:shade val="50000"/>
+            </a:schemeClr>
+          </a:lnRef>
+          <a:fillRef idx="1">
+            <a:schemeClr val="accent1"/>
+          </a:fillRef>
+          <a:effectRef idx="0">
+            <a:schemeClr val="accent1"/>
+          </a:effectRef>
+          <a:fontRef idx="minor">
+            <a:schemeClr val="lt1"/>
+          </a:fontRef>
+        </p:style>
+        <p:txBody>
+          <a:bodyPr rtlCol="0" anchor="ctr"/>
+          <a:lstStyle/>
+          <a:p>
+            <a:pPr algn="ctr"/>
+            <a:endParaRPr lang="ru-RU"/>
+          </a:p>
+        </p:txBody>
+      </p:sp>
+      <p:sp>
+        <p:nvSpPr>
+          <p:cNvPr id="10" name="TextBox 9"/>
+          <p:cNvSpPr txBox="1"/>
+          <p:nvPr/>
+        </p:nvSpPr>
+        <p:spPr>
+          <a:xfrm>
+            <a:off x="4037109" y="6319046"/>
+            <a:ext cx="2759538" cy="369332"/>
+          </a:xfrm>
+          <a:prstGeom prst="rect">
+            <a:avLst/>
+          </a:prstGeom>
+          <a:noFill/>
+        </p:spPr>
+        <p:txBody>
+          <a:bodyPr wrap="none" rtlCol="0">
+            <a:spAutoFit/>
+          </a:bodyPr>
+          <a:lstStyle/>
+          <a:p>
+            <a:r>
+              <a:rPr lang="ru-RU" dirty="0" smtClean="0"/>
+              <a:t>Дружественные </a:t>
+            </a:r>
+            <a:r>
+              <a:rPr lang="ru-RU" dirty="0" err="1" smtClean="0"/>
+              <a:t>эквайеры</a:t>
+            </a:r>
+            <a:endParaRPr lang="ru-RU" dirty="0"/>
+          </a:p>
+        </p:txBody>
+      </p:sp>
     </p:spTree>
     <p:extLst>
       <p:ext uri="{BB962C8B-B14F-4D97-AF65-F5344CB8AC3E}">
@@ -4537,6 +4642,1380 @@
         <p:cTn id="1" dur="indefinite" restart="never" nodeType="tmRoot"/>
       </p:par>
     </p:tnLst>
+  </p:timing>
+</p:sld>
+</file>
+
+<file path=ppt/slides/slide4.xml><?xml version="1.0" encoding="utf-8"?>
+<p:sld xmlns:a="http://schemas.openxmlformats.org/drawingml/2006/main" xmlns:r="http://schemas.openxmlformats.org/officeDocument/2006/relationships" xmlns:p="http://schemas.openxmlformats.org/presentationml/2006/main">
+  <p:cSld>
+    <p:spTree>
+      <p:nvGrpSpPr>
+        <p:cNvPr id="1" name=""/>
+        <p:cNvGrpSpPr/>
+        <p:nvPr/>
+      </p:nvGrpSpPr>
+      <p:grpSpPr>
+        <a:xfrm>
+          <a:off x="0" y="0"/>
+          <a:ext cx="0" cy="0"/>
+          <a:chOff x="0" y="0"/>
+          <a:chExt cx="0" cy="0"/>
+        </a:xfrm>
+      </p:grpSpPr>
+      <p:sp>
+        <p:nvSpPr>
+          <p:cNvPr id="4" name="Заголовок 3"/>
+          <p:cNvSpPr>
+            <a:spLocks noGrp="1"/>
+          </p:cNvSpPr>
+          <p:nvPr>
+            <p:ph type="title"/>
+          </p:nvPr>
+        </p:nvSpPr>
+        <p:spPr>
+          <a:xfrm>
+            <a:off x="457200" y="274638"/>
+            <a:ext cx="8229600" cy="994122"/>
+          </a:xfrm>
+        </p:spPr>
+        <p:txBody>
+          <a:bodyPr>
+            <a:normAutofit/>
+          </a:bodyPr>
+          <a:lstStyle/>
+          <a:p>
+            <a:r>
+              <a:rPr lang="ru-RU" dirty="0" smtClean="0"/>
+              <a:t>Функционирование оператора</a:t>
+            </a:r>
+            <a:endParaRPr lang="ru-RU" dirty="0"/>
+          </a:p>
+        </p:txBody>
+      </p:sp>
+      <p:grpSp>
+        <p:nvGrpSpPr>
+          <p:cNvPr id="21" name="Группа 20"/>
+          <p:cNvGrpSpPr/>
+          <p:nvPr/>
+        </p:nvGrpSpPr>
+        <p:grpSpPr>
+          <a:xfrm>
+            <a:off x="410816" y="1655253"/>
+            <a:ext cx="1656184" cy="3360593"/>
+            <a:chOff x="395536" y="1364551"/>
+            <a:chExt cx="1656184" cy="3360593"/>
+          </a:xfrm>
+        </p:grpSpPr>
+        <p:grpSp>
+          <p:nvGrpSpPr>
+            <p:cNvPr id="14" name="Группа 13"/>
+            <p:cNvGrpSpPr/>
+            <p:nvPr/>
+          </p:nvGrpSpPr>
+          <p:grpSpPr>
+            <a:xfrm>
+              <a:off x="495400" y="2240868"/>
+              <a:ext cx="1440160" cy="2304256"/>
+              <a:chOff x="467544" y="2744924"/>
+              <a:chExt cx="1440160" cy="2304256"/>
+            </a:xfrm>
+          </p:grpSpPr>
+          <p:sp>
+            <p:nvSpPr>
+              <p:cNvPr id="6" name="Прямоугольник 5"/>
+              <p:cNvSpPr/>
+              <p:nvPr/>
+            </p:nvSpPr>
+            <p:spPr>
+              <a:xfrm>
+                <a:off x="467544" y="2744924"/>
+                <a:ext cx="1440160" cy="360040"/>
+              </a:xfrm>
+              <a:prstGeom prst="rect">
+                <a:avLst/>
+              </a:prstGeom>
+            </p:spPr>
+            <p:style>
+              <a:lnRef idx="2">
+                <a:schemeClr val="dk1"/>
+              </a:lnRef>
+              <a:fillRef idx="1">
+                <a:schemeClr val="lt1"/>
+              </a:fillRef>
+              <a:effectRef idx="0">
+                <a:schemeClr val="dk1"/>
+              </a:effectRef>
+              <a:fontRef idx="minor">
+                <a:schemeClr val="dk1"/>
+              </a:fontRef>
+            </p:style>
+            <p:txBody>
+              <a:bodyPr rtlCol="0" anchor="ctr"/>
+              <a:lstStyle/>
+              <a:p>
+                <a:pPr algn="ctr"/>
+                <a:r>
+                  <a:rPr lang="ru-RU" dirty="0" smtClean="0"/>
+                  <a:t>Терминал 1</a:t>
+                </a:r>
+                <a:endParaRPr lang="ru-RU" dirty="0"/>
+              </a:p>
+            </p:txBody>
+          </p:sp>
+          <p:sp>
+            <p:nvSpPr>
+              <p:cNvPr id="10" name="Прямоугольник 9"/>
+              <p:cNvSpPr/>
+              <p:nvPr/>
+            </p:nvSpPr>
+            <p:spPr>
+              <a:xfrm>
+                <a:off x="467544" y="3392996"/>
+                <a:ext cx="1440160" cy="360040"/>
+              </a:xfrm>
+              <a:prstGeom prst="rect">
+                <a:avLst/>
+              </a:prstGeom>
+            </p:spPr>
+            <p:style>
+              <a:lnRef idx="2">
+                <a:schemeClr val="dk1"/>
+              </a:lnRef>
+              <a:fillRef idx="1">
+                <a:schemeClr val="lt1"/>
+              </a:fillRef>
+              <a:effectRef idx="0">
+                <a:schemeClr val="dk1"/>
+              </a:effectRef>
+              <a:fontRef idx="minor">
+                <a:schemeClr val="dk1"/>
+              </a:fontRef>
+            </p:style>
+            <p:txBody>
+              <a:bodyPr rtlCol="0" anchor="ctr"/>
+              <a:lstStyle/>
+              <a:p>
+                <a:pPr algn="ctr"/>
+                <a:r>
+                  <a:rPr lang="ru-RU" dirty="0" smtClean="0"/>
+                  <a:t>Терминал 2</a:t>
+                </a:r>
+                <a:endParaRPr lang="ru-RU" dirty="0"/>
+              </a:p>
+            </p:txBody>
+          </p:sp>
+          <p:sp>
+            <p:nvSpPr>
+              <p:cNvPr id="11" name="Прямоугольник 10"/>
+              <p:cNvSpPr/>
+              <p:nvPr/>
+            </p:nvSpPr>
+            <p:spPr>
+              <a:xfrm>
+                <a:off x="467544" y="4041068"/>
+                <a:ext cx="1440160" cy="360040"/>
+              </a:xfrm>
+              <a:prstGeom prst="rect">
+                <a:avLst/>
+              </a:prstGeom>
+            </p:spPr>
+            <p:style>
+              <a:lnRef idx="2">
+                <a:schemeClr val="dk1"/>
+              </a:lnRef>
+              <a:fillRef idx="1">
+                <a:schemeClr val="lt1"/>
+              </a:fillRef>
+              <a:effectRef idx="0">
+                <a:schemeClr val="dk1"/>
+              </a:effectRef>
+              <a:fontRef idx="minor">
+                <a:schemeClr val="dk1"/>
+              </a:fontRef>
+            </p:style>
+            <p:txBody>
+              <a:bodyPr rtlCol="0" anchor="ctr"/>
+              <a:lstStyle/>
+              <a:p>
+                <a:pPr algn="ctr"/>
+                <a:r>
+                  <a:rPr lang="ru-RU" dirty="0" smtClean="0"/>
+                  <a:t>Терминал 3</a:t>
+                </a:r>
+                <a:endParaRPr lang="ru-RU" dirty="0"/>
+              </a:p>
+            </p:txBody>
+          </p:sp>
+          <p:sp>
+            <p:nvSpPr>
+              <p:cNvPr id="12" name="Прямоугольник 11"/>
+              <p:cNvSpPr/>
+              <p:nvPr/>
+            </p:nvSpPr>
+            <p:spPr>
+              <a:xfrm>
+                <a:off x="467544" y="4689140"/>
+                <a:ext cx="1440160" cy="360040"/>
+              </a:xfrm>
+              <a:prstGeom prst="rect">
+                <a:avLst/>
+              </a:prstGeom>
+            </p:spPr>
+            <p:style>
+              <a:lnRef idx="2">
+                <a:schemeClr val="dk1"/>
+              </a:lnRef>
+              <a:fillRef idx="1">
+                <a:schemeClr val="lt1"/>
+              </a:fillRef>
+              <a:effectRef idx="0">
+                <a:schemeClr val="dk1"/>
+              </a:effectRef>
+              <a:fontRef idx="minor">
+                <a:schemeClr val="dk1"/>
+              </a:fontRef>
+            </p:style>
+            <p:txBody>
+              <a:bodyPr rtlCol="0" anchor="ctr"/>
+              <a:lstStyle/>
+              <a:p>
+                <a:pPr algn="ctr"/>
+                <a:r>
+                  <a:rPr lang="ru-RU" dirty="0" smtClean="0"/>
+                  <a:t>Терминал 4</a:t>
+                </a:r>
+                <a:endParaRPr lang="ru-RU" dirty="0"/>
+              </a:p>
+            </p:txBody>
+          </p:sp>
+        </p:grpSp>
+        <p:grpSp>
+          <p:nvGrpSpPr>
+            <p:cNvPr id="17" name="Группа 16"/>
+            <p:cNvGrpSpPr/>
+            <p:nvPr/>
+          </p:nvGrpSpPr>
+          <p:grpSpPr>
+            <a:xfrm>
+              <a:off x="395536" y="1364551"/>
+              <a:ext cx="1656184" cy="3360593"/>
+              <a:chOff x="395536" y="1364551"/>
+              <a:chExt cx="1656184" cy="3360593"/>
+            </a:xfrm>
+          </p:grpSpPr>
+          <p:sp>
+            <p:nvSpPr>
+              <p:cNvPr id="15" name="Прямоугольник 14"/>
+              <p:cNvSpPr/>
+              <p:nvPr/>
+            </p:nvSpPr>
+            <p:spPr>
+              <a:xfrm>
+                <a:off x="395536" y="1988840"/>
+                <a:ext cx="1656184" cy="2736304"/>
+              </a:xfrm>
+              <a:prstGeom prst="rect">
+                <a:avLst/>
+              </a:prstGeom>
+              <a:noFill/>
+              <a:ln>
+                <a:prstDash val="dash"/>
+              </a:ln>
+            </p:spPr>
+            <p:style>
+              <a:lnRef idx="2">
+                <a:schemeClr val="accent1">
+                  <a:shade val="50000"/>
+                </a:schemeClr>
+              </a:lnRef>
+              <a:fillRef idx="1">
+                <a:schemeClr val="accent1"/>
+              </a:fillRef>
+              <a:effectRef idx="0">
+                <a:schemeClr val="accent1"/>
+              </a:effectRef>
+              <a:fontRef idx="minor">
+                <a:schemeClr val="lt1"/>
+              </a:fontRef>
+            </p:style>
+            <p:txBody>
+              <a:bodyPr rtlCol="0" anchor="ctr"/>
+              <a:lstStyle/>
+              <a:p>
+                <a:pPr algn="ctr"/>
+                <a:endParaRPr lang="ru-RU"/>
+              </a:p>
+            </p:txBody>
+          </p:sp>
+          <p:sp>
+            <p:nvSpPr>
+              <p:cNvPr id="16" name="TextBox 15"/>
+              <p:cNvSpPr txBox="1"/>
+              <p:nvPr/>
+            </p:nvSpPr>
+            <p:spPr>
+              <a:xfrm>
+                <a:off x="516562" y="1364551"/>
+                <a:ext cx="1479892" cy="646331"/>
+              </a:xfrm>
+              <a:prstGeom prst="rect">
+                <a:avLst/>
+              </a:prstGeom>
+              <a:noFill/>
+            </p:spPr>
+            <p:txBody>
+              <a:bodyPr wrap="none" rtlCol="0">
+                <a:spAutoFit/>
+              </a:bodyPr>
+              <a:lstStyle/>
+              <a:p>
+                <a:pPr algn="ctr"/>
+                <a:r>
+                  <a:rPr lang="ru-RU" dirty="0" smtClean="0"/>
+                  <a:t>Виртуальные</a:t>
+                </a:r>
+                <a:br>
+                  <a:rPr lang="ru-RU" dirty="0" smtClean="0"/>
+                </a:br>
+                <a:r>
+                  <a:rPr lang="ru-RU" dirty="0" smtClean="0"/>
+                  <a:t>оператора</a:t>
+                </a:r>
+                <a:endParaRPr lang="ru-RU" dirty="0"/>
+              </a:p>
+            </p:txBody>
+          </p:sp>
+        </p:grpSp>
+      </p:grpSp>
+      <p:grpSp>
+        <p:nvGrpSpPr>
+          <p:cNvPr id="38" name="Группа 37"/>
+          <p:cNvGrpSpPr/>
+          <p:nvPr/>
+        </p:nvGrpSpPr>
+        <p:grpSpPr>
+          <a:xfrm>
+            <a:off x="4868180" y="1335303"/>
+            <a:ext cx="1664332" cy="4551395"/>
+            <a:chOff x="3267708" y="1184531"/>
+            <a:chExt cx="1664332" cy="4551395"/>
+          </a:xfrm>
+        </p:grpSpPr>
+        <p:grpSp>
+          <p:nvGrpSpPr>
+            <p:cNvPr id="22" name="Группа 21"/>
+            <p:cNvGrpSpPr/>
+            <p:nvPr/>
+          </p:nvGrpSpPr>
+          <p:grpSpPr>
+            <a:xfrm>
+              <a:off x="3275856" y="1184531"/>
+              <a:ext cx="1656184" cy="2064449"/>
+              <a:chOff x="395536" y="1364551"/>
+              <a:chExt cx="1656184" cy="2064449"/>
+            </a:xfrm>
+          </p:grpSpPr>
+          <p:grpSp>
+            <p:nvGrpSpPr>
+              <p:cNvPr id="23" name="Группа 22"/>
+              <p:cNvGrpSpPr/>
+              <p:nvPr/>
+            </p:nvGrpSpPr>
+            <p:grpSpPr>
+              <a:xfrm>
+                <a:off x="495400" y="2240868"/>
+                <a:ext cx="1440160" cy="1008112"/>
+                <a:chOff x="467544" y="2744924"/>
+                <a:chExt cx="1440160" cy="1008112"/>
+              </a:xfrm>
+            </p:grpSpPr>
+            <p:sp>
+              <p:nvSpPr>
+                <p:cNvPr id="27" name="Прямоугольник 26"/>
+                <p:cNvSpPr/>
+                <p:nvPr/>
+              </p:nvSpPr>
+              <p:spPr>
+                <a:xfrm>
+                  <a:off x="467544" y="2744924"/>
+                  <a:ext cx="1440160" cy="360040"/>
+                </a:xfrm>
+                <a:prstGeom prst="rect">
+                  <a:avLst/>
+                </a:prstGeom>
+              </p:spPr>
+              <p:style>
+                <a:lnRef idx="2">
+                  <a:schemeClr val="dk1"/>
+                </a:lnRef>
+                <a:fillRef idx="1">
+                  <a:schemeClr val="lt1"/>
+                </a:fillRef>
+                <a:effectRef idx="0">
+                  <a:schemeClr val="dk1"/>
+                </a:effectRef>
+                <a:fontRef idx="minor">
+                  <a:schemeClr val="dk1"/>
+                </a:fontRef>
+              </p:style>
+              <p:txBody>
+                <a:bodyPr rtlCol="0" anchor="ctr"/>
+                <a:lstStyle/>
+                <a:p>
+                  <a:pPr algn="ctr"/>
+                  <a:r>
+                    <a:rPr lang="ru-RU" dirty="0" smtClean="0"/>
+                    <a:t>Терминал 1</a:t>
+                  </a:r>
+                  <a:endParaRPr lang="ru-RU" dirty="0"/>
+                </a:p>
+              </p:txBody>
+            </p:sp>
+            <p:sp>
+              <p:nvSpPr>
+                <p:cNvPr id="28" name="Прямоугольник 27"/>
+                <p:cNvSpPr/>
+                <p:nvPr/>
+              </p:nvSpPr>
+              <p:spPr>
+                <a:xfrm>
+                  <a:off x="467544" y="3392996"/>
+                  <a:ext cx="1440160" cy="360040"/>
+                </a:xfrm>
+                <a:prstGeom prst="rect">
+                  <a:avLst/>
+                </a:prstGeom>
+              </p:spPr>
+              <p:style>
+                <a:lnRef idx="2">
+                  <a:schemeClr val="dk1"/>
+                </a:lnRef>
+                <a:fillRef idx="1">
+                  <a:schemeClr val="lt1"/>
+                </a:fillRef>
+                <a:effectRef idx="0">
+                  <a:schemeClr val="dk1"/>
+                </a:effectRef>
+                <a:fontRef idx="minor">
+                  <a:schemeClr val="dk1"/>
+                </a:fontRef>
+              </p:style>
+              <p:txBody>
+                <a:bodyPr rtlCol="0" anchor="ctr"/>
+                <a:lstStyle/>
+                <a:p>
+                  <a:pPr algn="ctr"/>
+                  <a:r>
+                    <a:rPr lang="ru-RU" dirty="0" smtClean="0"/>
+                    <a:t>Терминал 2</a:t>
+                  </a:r>
+                  <a:endParaRPr lang="ru-RU" dirty="0"/>
+                </a:p>
+              </p:txBody>
+            </p:sp>
+          </p:grpSp>
+          <p:grpSp>
+            <p:nvGrpSpPr>
+              <p:cNvPr id="24" name="Группа 23"/>
+              <p:cNvGrpSpPr/>
+              <p:nvPr/>
+            </p:nvGrpSpPr>
+            <p:grpSpPr>
+              <a:xfrm>
+                <a:off x="395536" y="1364551"/>
+                <a:ext cx="1656184" cy="2064449"/>
+                <a:chOff x="395536" y="1364551"/>
+                <a:chExt cx="1656184" cy="2064449"/>
+              </a:xfrm>
+            </p:grpSpPr>
+            <p:sp>
+              <p:nvSpPr>
+                <p:cNvPr id="25" name="Прямоугольник 24"/>
+                <p:cNvSpPr/>
+                <p:nvPr/>
+              </p:nvSpPr>
+              <p:spPr>
+                <a:xfrm>
+                  <a:off x="395536" y="1988840"/>
+                  <a:ext cx="1656184" cy="1440160"/>
+                </a:xfrm>
+                <a:prstGeom prst="rect">
+                  <a:avLst/>
+                </a:prstGeom>
+                <a:noFill/>
+                <a:ln>
+                  <a:prstDash val="dash"/>
+                </a:ln>
+              </p:spPr>
+              <p:style>
+                <a:lnRef idx="2">
+                  <a:schemeClr val="accent1">
+                    <a:shade val="50000"/>
+                  </a:schemeClr>
+                </a:lnRef>
+                <a:fillRef idx="1">
+                  <a:schemeClr val="accent1"/>
+                </a:fillRef>
+                <a:effectRef idx="0">
+                  <a:schemeClr val="accent1"/>
+                </a:effectRef>
+                <a:fontRef idx="minor">
+                  <a:schemeClr val="lt1"/>
+                </a:fontRef>
+              </p:style>
+              <p:txBody>
+                <a:bodyPr rtlCol="0" anchor="ctr"/>
+                <a:lstStyle/>
+                <a:p>
+                  <a:pPr algn="ctr"/>
+                  <a:endParaRPr lang="ru-RU"/>
+                </a:p>
+              </p:txBody>
+            </p:sp>
+            <p:sp>
+              <p:nvSpPr>
+                <p:cNvPr id="26" name="TextBox 25"/>
+                <p:cNvSpPr txBox="1"/>
+                <p:nvPr/>
+              </p:nvSpPr>
+              <p:spPr>
+                <a:xfrm>
+                  <a:off x="516562" y="1364551"/>
+                  <a:ext cx="1479892" cy="646331"/>
+                </a:xfrm>
+                <a:prstGeom prst="rect">
+                  <a:avLst/>
+                </a:prstGeom>
+                <a:noFill/>
+              </p:spPr>
+              <p:txBody>
+                <a:bodyPr wrap="none" rtlCol="0">
+                  <a:spAutoFit/>
+                </a:bodyPr>
+                <a:lstStyle/>
+                <a:p>
+                  <a:pPr algn="ctr"/>
+                  <a:r>
+                    <a:rPr lang="ru-RU" dirty="0" smtClean="0"/>
+                    <a:t>Виртуальные</a:t>
+                  </a:r>
+                  <a:br>
+                    <a:rPr lang="ru-RU" dirty="0" smtClean="0"/>
+                  </a:br>
+                  <a:r>
+                    <a:rPr lang="ru-RU" dirty="0" err="1" smtClean="0"/>
+                    <a:t>эквайера</a:t>
+                  </a:r>
+                  <a:r>
+                    <a:rPr lang="ru-RU" dirty="0" smtClean="0"/>
+                    <a:t> 1</a:t>
+                  </a:r>
+                  <a:endParaRPr lang="ru-RU" dirty="0"/>
+                </a:p>
+              </p:txBody>
+            </p:sp>
+          </p:grpSp>
+        </p:grpSp>
+        <p:grpSp>
+          <p:nvGrpSpPr>
+            <p:cNvPr id="31" name="Группа 30"/>
+            <p:cNvGrpSpPr/>
+            <p:nvPr/>
+          </p:nvGrpSpPr>
+          <p:grpSpPr>
+            <a:xfrm>
+              <a:off x="3267708" y="3671477"/>
+              <a:ext cx="1656184" cy="2064449"/>
+              <a:chOff x="395536" y="1364551"/>
+              <a:chExt cx="1656184" cy="2064449"/>
+            </a:xfrm>
+          </p:grpSpPr>
+          <p:grpSp>
+            <p:nvGrpSpPr>
+              <p:cNvPr id="32" name="Группа 31"/>
+              <p:cNvGrpSpPr/>
+              <p:nvPr/>
+            </p:nvGrpSpPr>
+            <p:grpSpPr>
+              <a:xfrm>
+                <a:off x="495400" y="2240868"/>
+                <a:ext cx="1440160" cy="1008112"/>
+                <a:chOff x="467544" y="2744924"/>
+                <a:chExt cx="1440160" cy="1008112"/>
+              </a:xfrm>
+            </p:grpSpPr>
+            <p:sp>
+              <p:nvSpPr>
+                <p:cNvPr id="36" name="Прямоугольник 35"/>
+                <p:cNvSpPr/>
+                <p:nvPr/>
+              </p:nvSpPr>
+              <p:spPr>
+                <a:xfrm>
+                  <a:off x="467544" y="2744924"/>
+                  <a:ext cx="1440160" cy="360040"/>
+                </a:xfrm>
+                <a:prstGeom prst="rect">
+                  <a:avLst/>
+                </a:prstGeom>
+              </p:spPr>
+              <p:style>
+                <a:lnRef idx="2">
+                  <a:schemeClr val="dk1"/>
+                </a:lnRef>
+                <a:fillRef idx="1">
+                  <a:schemeClr val="lt1"/>
+                </a:fillRef>
+                <a:effectRef idx="0">
+                  <a:schemeClr val="dk1"/>
+                </a:effectRef>
+                <a:fontRef idx="minor">
+                  <a:schemeClr val="dk1"/>
+                </a:fontRef>
+              </p:style>
+              <p:txBody>
+                <a:bodyPr rtlCol="0" anchor="ctr"/>
+                <a:lstStyle/>
+                <a:p>
+                  <a:pPr algn="ctr"/>
+                  <a:r>
+                    <a:rPr lang="ru-RU" dirty="0" smtClean="0"/>
+                    <a:t>Терминал 1</a:t>
+                  </a:r>
+                  <a:endParaRPr lang="ru-RU" dirty="0"/>
+                </a:p>
+              </p:txBody>
+            </p:sp>
+            <p:sp>
+              <p:nvSpPr>
+                <p:cNvPr id="37" name="Прямоугольник 36"/>
+                <p:cNvSpPr/>
+                <p:nvPr/>
+              </p:nvSpPr>
+              <p:spPr>
+                <a:xfrm>
+                  <a:off x="467544" y="3392996"/>
+                  <a:ext cx="1440160" cy="360040"/>
+                </a:xfrm>
+                <a:prstGeom prst="rect">
+                  <a:avLst/>
+                </a:prstGeom>
+              </p:spPr>
+              <p:style>
+                <a:lnRef idx="2">
+                  <a:schemeClr val="dk1"/>
+                </a:lnRef>
+                <a:fillRef idx="1">
+                  <a:schemeClr val="lt1"/>
+                </a:fillRef>
+                <a:effectRef idx="0">
+                  <a:schemeClr val="dk1"/>
+                </a:effectRef>
+                <a:fontRef idx="minor">
+                  <a:schemeClr val="dk1"/>
+                </a:fontRef>
+              </p:style>
+              <p:txBody>
+                <a:bodyPr rtlCol="0" anchor="ctr"/>
+                <a:lstStyle/>
+                <a:p>
+                  <a:pPr algn="ctr"/>
+                  <a:r>
+                    <a:rPr lang="ru-RU" dirty="0" smtClean="0"/>
+                    <a:t>Терминал 2</a:t>
+                  </a:r>
+                  <a:endParaRPr lang="ru-RU" dirty="0"/>
+                </a:p>
+              </p:txBody>
+            </p:sp>
+          </p:grpSp>
+          <p:grpSp>
+            <p:nvGrpSpPr>
+              <p:cNvPr id="33" name="Группа 32"/>
+              <p:cNvGrpSpPr/>
+              <p:nvPr/>
+            </p:nvGrpSpPr>
+            <p:grpSpPr>
+              <a:xfrm>
+                <a:off x="395536" y="1364551"/>
+                <a:ext cx="1656184" cy="2064449"/>
+                <a:chOff x="395536" y="1364551"/>
+                <a:chExt cx="1656184" cy="2064449"/>
+              </a:xfrm>
+            </p:grpSpPr>
+            <p:sp>
+              <p:nvSpPr>
+                <p:cNvPr id="34" name="Прямоугольник 33"/>
+                <p:cNvSpPr/>
+                <p:nvPr/>
+              </p:nvSpPr>
+              <p:spPr>
+                <a:xfrm>
+                  <a:off x="395536" y="1988840"/>
+                  <a:ext cx="1656184" cy="1440160"/>
+                </a:xfrm>
+                <a:prstGeom prst="rect">
+                  <a:avLst/>
+                </a:prstGeom>
+                <a:noFill/>
+                <a:ln>
+                  <a:prstDash val="dash"/>
+                </a:ln>
+              </p:spPr>
+              <p:style>
+                <a:lnRef idx="2">
+                  <a:schemeClr val="accent1">
+                    <a:shade val="50000"/>
+                  </a:schemeClr>
+                </a:lnRef>
+                <a:fillRef idx="1">
+                  <a:schemeClr val="accent1"/>
+                </a:fillRef>
+                <a:effectRef idx="0">
+                  <a:schemeClr val="accent1"/>
+                </a:effectRef>
+                <a:fontRef idx="minor">
+                  <a:schemeClr val="lt1"/>
+                </a:fontRef>
+              </p:style>
+              <p:txBody>
+                <a:bodyPr rtlCol="0" anchor="ctr"/>
+                <a:lstStyle/>
+                <a:p>
+                  <a:pPr algn="ctr"/>
+                  <a:endParaRPr lang="ru-RU"/>
+                </a:p>
+              </p:txBody>
+            </p:sp>
+            <p:sp>
+              <p:nvSpPr>
+                <p:cNvPr id="35" name="TextBox 34"/>
+                <p:cNvSpPr txBox="1"/>
+                <p:nvPr/>
+              </p:nvSpPr>
+              <p:spPr>
+                <a:xfrm>
+                  <a:off x="516562" y="1364551"/>
+                  <a:ext cx="1479892" cy="646331"/>
+                </a:xfrm>
+                <a:prstGeom prst="rect">
+                  <a:avLst/>
+                </a:prstGeom>
+                <a:noFill/>
+              </p:spPr>
+              <p:txBody>
+                <a:bodyPr wrap="none" rtlCol="0">
+                  <a:spAutoFit/>
+                </a:bodyPr>
+                <a:lstStyle/>
+                <a:p>
+                  <a:pPr algn="ctr"/>
+                  <a:r>
+                    <a:rPr lang="ru-RU" dirty="0" smtClean="0"/>
+                    <a:t>Виртуальные</a:t>
+                  </a:r>
+                  <a:br>
+                    <a:rPr lang="ru-RU" dirty="0" smtClean="0"/>
+                  </a:br>
+                  <a:r>
+                    <a:rPr lang="ru-RU" dirty="0" err="1" smtClean="0"/>
+                    <a:t>эквайера</a:t>
+                  </a:r>
+                  <a:r>
+                    <a:rPr lang="ru-RU" dirty="0" smtClean="0"/>
+                    <a:t> 2</a:t>
+                  </a:r>
+                  <a:endParaRPr lang="ru-RU" dirty="0"/>
+                </a:p>
+              </p:txBody>
+            </p:sp>
+          </p:grpSp>
+        </p:grpSp>
+      </p:grpSp>
+      <p:sp>
+        <p:nvSpPr>
+          <p:cNvPr id="39" name="Блок-схема: типовой процесс 38"/>
+          <p:cNvSpPr/>
+          <p:nvPr/>
+        </p:nvSpPr>
+        <p:spPr>
+          <a:xfrm>
+            <a:off x="2771800" y="1346403"/>
+            <a:ext cx="1512167" cy="4657608"/>
+          </a:xfrm>
+          <a:prstGeom prst="flowChartPredefinedProcess">
+            <a:avLst/>
+          </a:prstGeom>
+          <a:noFill/>
+        </p:spPr>
+        <p:style>
+          <a:lnRef idx="2">
+            <a:schemeClr val="accent1">
+              <a:shade val="50000"/>
+            </a:schemeClr>
+          </a:lnRef>
+          <a:fillRef idx="1">
+            <a:schemeClr val="accent1"/>
+          </a:fillRef>
+          <a:effectRef idx="0">
+            <a:schemeClr val="accent1"/>
+          </a:effectRef>
+          <a:fontRef idx="minor">
+            <a:schemeClr val="lt1"/>
+          </a:fontRef>
+        </p:style>
+        <p:txBody>
+          <a:bodyPr vert="vert270" rtlCol="0" anchor="ctr"/>
+          <a:lstStyle/>
+          <a:p>
+            <a:pPr algn="ctr"/>
+            <a:r>
+              <a:rPr lang="ru-RU" sz="3600" dirty="0" smtClean="0">
+                <a:solidFill>
+                  <a:schemeClr val="tx1"/>
+                </a:solidFill>
+              </a:rPr>
+              <a:t>Выбор </a:t>
+            </a:r>
+            <a:r>
+              <a:rPr lang="ru-RU" sz="3600" dirty="0" err="1" smtClean="0">
+                <a:solidFill>
+                  <a:schemeClr val="tx1"/>
+                </a:solidFill>
+              </a:rPr>
+              <a:t>эквайера</a:t>
+            </a:r>
+            <a:endParaRPr lang="ru-RU" sz="3600" dirty="0">
+              <a:solidFill>
+                <a:schemeClr val="tx1"/>
+              </a:solidFill>
+            </a:endParaRPr>
+          </a:p>
+        </p:txBody>
+      </p:sp>
+      <p:sp>
+        <p:nvSpPr>
+          <p:cNvPr id="40" name="Блок-схема: типовой процесс 39"/>
+          <p:cNvSpPr/>
+          <p:nvPr/>
+        </p:nvSpPr>
+        <p:spPr>
+          <a:xfrm>
+            <a:off x="7020272" y="1346403"/>
+            <a:ext cx="1512167" cy="4657608"/>
+          </a:xfrm>
+          <a:prstGeom prst="flowChartPredefinedProcess">
+            <a:avLst/>
+          </a:prstGeom>
+          <a:noFill/>
+        </p:spPr>
+        <p:style>
+          <a:lnRef idx="2">
+            <a:schemeClr val="accent1">
+              <a:shade val="50000"/>
+            </a:schemeClr>
+          </a:lnRef>
+          <a:fillRef idx="1">
+            <a:schemeClr val="accent1"/>
+          </a:fillRef>
+          <a:effectRef idx="0">
+            <a:schemeClr val="accent1"/>
+          </a:effectRef>
+          <a:fontRef idx="minor">
+            <a:schemeClr val="lt1"/>
+          </a:fontRef>
+        </p:style>
+        <p:txBody>
+          <a:bodyPr vert="vert270" rtlCol="0" anchor="ctr"/>
+          <a:lstStyle/>
+          <a:p>
+            <a:pPr algn="ctr"/>
+            <a:r>
+              <a:rPr lang="ru-RU" sz="3600" dirty="0" smtClean="0">
+                <a:solidFill>
+                  <a:schemeClr val="tx1"/>
+                </a:solidFill>
+              </a:rPr>
+              <a:t>Авторизация запроса</a:t>
+            </a:r>
+            <a:endParaRPr lang="ru-RU" sz="3600" dirty="0">
+              <a:solidFill>
+                <a:schemeClr val="tx1"/>
+              </a:solidFill>
+            </a:endParaRPr>
+          </a:p>
+        </p:txBody>
+      </p:sp>
+      <p:cxnSp>
+        <p:nvCxnSpPr>
+          <p:cNvPr id="42" name="Прямая со стрелкой 41"/>
+          <p:cNvCxnSpPr/>
+          <p:nvPr/>
+        </p:nvCxnSpPr>
+        <p:spPr>
+          <a:xfrm>
+            <a:off x="1950840" y="3279436"/>
+            <a:ext cx="820960" cy="0"/>
+          </a:xfrm>
+          <a:prstGeom prst="straightConnector1">
+            <a:avLst/>
+          </a:prstGeom>
+          <a:ln>
+            <a:headEnd type="none"/>
+            <a:tailEnd type="arrow"/>
+          </a:ln>
+        </p:spPr>
+        <p:style>
+          <a:lnRef idx="2">
+            <a:schemeClr val="dk1"/>
+          </a:lnRef>
+          <a:fillRef idx="0">
+            <a:schemeClr val="dk1"/>
+          </a:fillRef>
+          <a:effectRef idx="1">
+            <a:schemeClr val="dk1"/>
+          </a:effectRef>
+          <a:fontRef idx="minor">
+            <a:schemeClr val="tx1"/>
+          </a:fontRef>
+        </p:style>
+      </p:cxnSp>
+      <p:cxnSp>
+        <p:nvCxnSpPr>
+          <p:cNvPr id="44" name="Прямая со стрелкой 43"/>
+          <p:cNvCxnSpPr>
+            <a:stCxn id="25" idx="1"/>
+          </p:cNvCxnSpPr>
+          <p:nvPr/>
+        </p:nvCxnSpPr>
+        <p:spPr>
+          <a:xfrm flipH="1">
+            <a:off x="4283967" y="2679672"/>
+            <a:ext cx="592361" cy="0"/>
+          </a:xfrm>
+          <a:prstGeom prst="straightConnector1">
+            <a:avLst/>
+          </a:prstGeom>
+          <a:ln>
+            <a:headEnd type="arrow"/>
+            <a:tailEnd type="arrow"/>
+          </a:ln>
+        </p:spPr>
+        <p:style>
+          <a:lnRef idx="2">
+            <a:schemeClr val="accent1"/>
+          </a:lnRef>
+          <a:fillRef idx="0">
+            <a:schemeClr val="accent1"/>
+          </a:fillRef>
+          <a:effectRef idx="1">
+            <a:schemeClr val="accent1"/>
+          </a:effectRef>
+          <a:fontRef idx="minor">
+            <a:schemeClr val="tx1"/>
+          </a:fontRef>
+        </p:style>
+      </p:cxnSp>
+      <p:cxnSp>
+        <p:nvCxnSpPr>
+          <p:cNvPr id="46" name="Прямая со стрелкой 45"/>
+          <p:cNvCxnSpPr>
+            <a:stCxn id="34" idx="1"/>
+          </p:cNvCxnSpPr>
+          <p:nvPr/>
+        </p:nvCxnSpPr>
+        <p:spPr>
+          <a:xfrm flipH="1">
+            <a:off x="4283967" y="5166618"/>
+            <a:ext cx="584213" cy="0"/>
+          </a:xfrm>
+          <a:prstGeom prst="straightConnector1">
+            <a:avLst/>
+          </a:prstGeom>
+          <a:ln>
+            <a:headEnd type="arrow"/>
+            <a:tailEnd type="arrow"/>
+          </a:ln>
+        </p:spPr>
+        <p:style>
+          <a:lnRef idx="2">
+            <a:schemeClr val="accent1"/>
+          </a:lnRef>
+          <a:fillRef idx="0">
+            <a:schemeClr val="accent1"/>
+          </a:fillRef>
+          <a:effectRef idx="1">
+            <a:schemeClr val="accent1"/>
+          </a:effectRef>
+          <a:fontRef idx="minor">
+            <a:schemeClr val="tx1"/>
+          </a:fontRef>
+        </p:style>
+      </p:cxnSp>
+      <p:sp>
+        <p:nvSpPr>
+          <p:cNvPr id="48" name="Двойная стрелка влево/вправо 47"/>
+          <p:cNvSpPr/>
+          <p:nvPr/>
+        </p:nvSpPr>
+        <p:spPr>
+          <a:xfrm>
+            <a:off x="4283966" y="3433676"/>
+            <a:ext cx="2736305" cy="493744"/>
+          </a:xfrm>
+          <a:prstGeom prst="leftRightArrow">
+            <a:avLst/>
+          </a:prstGeom>
+        </p:spPr>
+        <p:style>
+          <a:lnRef idx="2">
+            <a:schemeClr val="accent1">
+              <a:shade val="50000"/>
+            </a:schemeClr>
+          </a:lnRef>
+          <a:fillRef idx="1">
+            <a:schemeClr val="accent1"/>
+          </a:fillRef>
+          <a:effectRef idx="0">
+            <a:schemeClr val="accent1"/>
+          </a:effectRef>
+          <a:fontRef idx="minor">
+            <a:schemeClr val="lt1"/>
+          </a:fontRef>
+        </p:style>
+        <p:txBody>
+          <a:bodyPr rtlCol="0" anchor="ctr"/>
+          <a:lstStyle/>
+          <a:p>
+            <a:pPr algn="ctr"/>
+            <a:endParaRPr lang="ru-RU"/>
+          </a:p>
+        </p:txBody>
+      </p:sp>
+      <p:cxnSp>
+        <p:nvCxnSpPr>
+          <p:cNvPr id="49" name="Прямая со стрелкой 48"/>
+          <p:cNvCxnSpPr/>
+          <p:nvPr/>
+        </p:nvCxnSpPr>
+        <p:spPr>
+          <a:xfrm flipH="1">
+            <a:off x="1950840" y="3446750"/>
+            <a:ext cx="820960" cy="0"/>
+          </a:xfrm>
+          <a:prstGeom prst="straightConnector1">
+            <a:avLst/>
+          </a:prstGeom>
+          <a:ln>
+            <a:headEnd type="none"/>
+            <a:tailEnd type="arrow"/>
+          </a:ln>
+        </p:spPr>
+        <p:style>
+          <a:lnRef idx="2">
+            <a:schemeClr val="dk1"/>
+          </a:lnRef>
+          <a:fillRef idx="0">
+            <a:schemeClr val="dk1"/>
+          </a:fillRef>
+          <a:effectRef idx="1">
+            <a:schemeClr val="dk1"/>
+          </a:effectRef>
+          <a:fontRef idx="minor">
+            <a:schemeClr val="tx1"/>
+          </a:fontRef>
+        </p:style>
+      </p:cxnSp>
+    </p:spTree>
+    <p:extLst>
+      <p:ext uri="{BB962C8B-B14F-4D97-AF65-F5344CB8AC3E}">
+        <p14:creationId xmlns:p14="http://schemas.microsoft.com/office/powerpoint/2010/main" val="2474543950"/>
+      </p:ext>
+    </p:extLst>
+  </p:cSld>
+  <p:clrMapOvr>
+    <a:masterClrMapping/>
+  </p:clrMapOvr>
+  <p:timing>
+    <p:tnLst>
+      <p:par>
+        <p:cTn id="1" dur="indefinite" restart="never" nodeType="tmRoot">
+          <p:childTnLst>
+            <p:seq concurrent="1" nextAc="seek">
+              <p:cTn id="2" dur="indefinite" nodeType="mainSeq">
+                <p:childTnLst>
+                  <p:par>
+                    <p:cTn id="3" fill="hold">
+                      <p:stCondLst>
+                        <p:cond delay="indefinite"/>
+                      </p:stCondLst>
+                      <p:childTnLst>
+                        <p:par>
+                          <p:cTn id="4" fill="hold">
+                            <p:stCondLst>
+                              <p:cond delay="0"/>
+                            </p:stCondLst>
+                            <p:childTnLst>
+                              <p:par>
+                                <p:cTn id="5" presetID="22" presetClass="entr" presetSubtype="4" fill="hold" nodeType="clickEffect">
+                                  <p:stCondLst>
+                                    <p:cond delay="0"/>
+                                  </p:stCondLst>
+                                  <p:childTnLst>
+                                    <p:set>
+                                      <p:cBhvr>
+                                        <p:cTn id="6" dur="1" fill="hold">
+                                          <p:stCondLst>
+                                            <p:cond delay="0"/>
+                                          </p:stCondLst>
+                                        </p:cTn>
+                                        <p:tgtEl>
+                                          <p:spTgt spid="42"/>
+                                        </p:tgtEl>
+                                        <p:attrNameLst>
+                                          <p:attrName>style.visibility</p:attrName>
+                                        </p:attrNameLst>
+                                      </p:cBhvr>
+                                      <p:to>
+                                        <p:strVal val="visible"/>
+                                      </p:to>
+                                    </p:set>
+                                    <p:animEffect transition="in" filter="wipe(down)">
+                                      <p:cBhvr>
+                                        <p:cTn id="7" dur="500"/>
+                                        <p:tgtEl>
+                                          <p:spTgt spid="42"/>
+                                        </p:tgtEl>
+                                      </p:cBhvr>
+                                    </p:animEffect>
+                                  </p:childTnLst>
+                                </p:cTn>
+                              </p:par>
+                            </p:childTnLst>
+                          </p:cTn>
+                        </p:par>
+                      </p:childTnLst>
+                    </p:cTn>
+                  </p:par>
+                  <p:par>
+                    <p:cTn id="8" fill="hold">
+                      <p:stCondLst>
+                        <p:cond delay="indefinite"/>
+                      </p:stCondLst>
+                      <p:childTnLst>
+                        <p:par>
+                          <p:cTn id="9" fill="hold">
+                            <p:stCondLst>
+                              <p:cond delay="0"/>
+                            </p:stCondLst>
+                            <p:childTnLst>
+                              <p:par>
+                                <p:cTn id="10" presetID="22" presetClass="entr" presetSubtype="4" fill="hold" nodeType="clickEffect">
+                                  <p:stCondLst>
+                                    <p:cond delay="0"/>
+                                  </p:stCondLst>
+                                  <p:childTnLst>
+                                    <p:set>
+                                      <p:cBhvr>
+                                        <p:cTn id="11" dur="1" fill="hold">
+                                          <p:stCondLst>
+                                            <p:cond delay="0"/>
+                                          </p:stCondLst>
+                                        </p:cTn>
+                                        <p:tgtEl>
+                                          <p:spTgt spid="44"/>
+                                        </p:tgtEl>
+                                        <p:attrNameLst>
+                                          <p:attrName>style.visibility</p:attrName>
+                                        </p:attrNameLst>
+                                      </p:cBhvr>
+                                      <p:to>
+                                        <p:strVal val="visible"/>
+                                      </p:to>
+                                    </p:set>
+                                    <p:animEffect transition="in" filter="wipe(down)">
+                                      <p:cBhvr>
+                                        <p:cTn id="12" dur="500"/>
+                                        <p:tgtEl>
+                                          <p:spTgt spid="44"/>
+                                        </p:tgtEl>
+                                      </p:cBhvr>
+                                    </p:animEffect>
+                                  </p:childTnLst>
+                                </p:cTn>
+                              </p:par>
+                              <p:par>
+                                <p:cTn id="13" presetID="22" presetClass="entr" presetSubtype="4" fill="hold" nodeType="withEffect">
+                                  <p:stCondLst>
+                                    <p:cond delay="0"/>
+                                  </p:stCondLst>
+                                  <p:childTnLst>
+                                    <p:set>
+                                      <p:cBhvr>
+                                        <p:cTn id="14" dur="1" fill="hold">
+                                          <p:stCondLst>
+                                            <p:cond delay="0"/>
+                                          </p:stCondLst>
+                                        </p:cTn>
+                                        <p:tgtEl>
+                                          <p:spTgt spid="46"/>
+                                        </p:tgtEl>
+                                        <p:attrNameLst>
+                                          <p:attrName>style.visibility</p:attrName>
+                                        </p:attrNameLst>
+                                      </p:cBhvr>
+                                      <p:to>
+                                        <p:strVal val="visible"/>
+                                      </p:to>
+                                    </p:set>
+                                    <p:animEffect transition="in" filter="wipe(down)">
+                                      <p:cBhvr>
+                                        <p:cTn id="15" dur="500"/>
+                                        <p:tgtEl>
+                                          <p:spTgt spid="46"/>
+                                        </p:tgtEl>
+                                      </p:cBhvr>
+                                    </p:animEffect>
+                                  </p:childTnLst>
+                                </p:cTn>
+                              </p:par>
+                            </p:childTnLst>
+                          </p:cTn>
+                        </p:par>
+                      </p:childTnLst>
+                    </p:cTn>
+                  </p:par>
+                  <p:par>
+                    <p:cTn id="16" fill="hold">
+                      <p:stCondLst>
+                        <p:cond delay="indefinite"/>
+                      </p:stCondLst>
+                      <p:childTnLst>
+                        <p:par>
+                          <p:cTn id="17" fill="hold">
+                            <p:stCondLst>
+                              <p:cond delay="0"/>
+                            </p:stCondLst>
+                            <p:childTnLst>
+                              <p:par>
+                                <p:cTn id="18" presetID="22" presetClass="entr" presetSubtype="4" fill="hold" grpId="0" nodeType="clickEffect">
+                                  <p:stCondLst>
+                                    <p:cond delay="0"/>
+                                  </p:stCondLst>
+                                  <p:childTnLst>
+                                    <p:set>
+                                      <p:cBhvr>
+                                        <p:cTn id="19" dur="1" fill="hold">
+                                          <p:stCondLst>
+                                            <p:cond delay="0"/>
+                                          </p:stCondLst>
+                                        </p:cTn>
+                                        <p:tgtEl>
+                                          <p:spTgt spid="48"/>
+                                        </p:tgtEl>
+                                        <p:attrNameLst>
+                                          <p:attrName>style.visibility</p:attrName>
+                                        </p:attrNameLst>
+                                      </p:cBhvr>
+                                      <p:to>
+                                        <p:strVal val="visible"/>
+                                      </p:to>
+                                    </p:set>
+                                    <p:animEffect transition="in" filter="wipe(down)">
+                                      <p:cBhvr>
+                                        <p:cTn id="20" dur="500"/>
+                                        <p:tgtEl>
+                                          <p:spTgt spid="48"/>
+                                        </p:tgtEl>
+                                      </p:cBhvr>
+                                    </p:animEffect>
+                                  </p:childTnLst>
+                                </p:cTn>
+                              </p:par>
+                            </p:childTnLst>
+                          </p:cTn>
+                        </p:par>
+                      </p:childTnLst>
+                    </p:cTn>
+                  </p:par>
+                  <p:par>
+                    <p:cTn id="21" fill="hold">
+                      <p:stCondLst>
+                        <p:cond delay="indefinite"/>
+                      </p:stCondLst>
+                      <p:childTnLst>
+                        <p:par>
+                          <p:cTn id="22" fill="hold">
+                            <p:stCondLst>
+                              <p:cond delay="0"/>
+                            </p:stCondLst>
+                            <p:childTnLst>
+                              <p:par>
+                                <p:cTn id="23" presetID="22" presetClass="entr" presetSubtype="4" fill="hold" nodeType="clickEffect">
+                                  <p:stCondLst>
+                                    <p:cond delay="0"/>
+                                  </p:stCondLst>
+                                  <p:childTnLst>
+                                    <p:set>
+                                      <p:cBhvr>
+                                        <p:cTn id="24" dur="1" fill="hold">
+                                          <p:stCondLst>
+                                            <p:cond delay="0"/>
+                                          </p:stCondLst>
+                                        </p:cTn>
+                                        <p:tgtEl>
+                                          <p:spTgt spid="49"/>
+                                        </p:tgtEl>
+                                        <p:attrNameLst>
+                                          <p:attrName>style.visibility</p:attrName>
+                                        </p:attrNameLst>
+                                      </p:cBhvr>
+                                      <p:to>
+                                        <p:strVal val="visible"/>
+                                      </p:to>
+                                    </p:set>
+                                    <p:animEffect transition="in" filter="wipe(down)">
+                                      <p:cBhvr>
+                                        <p:cTn id="25" dur="500"/>
+                                        <p:tgtEl>
+                                          <p:spTgt spid="49"/>
+                                        </p:tgtEl>
+                                      </p:cBhvr>
+                                    </p:animEffect>
+                                  </p:childTnLst>
+                                </p:cTn>
+                              </p:par>
+                            </p:childTnLst>
+                          </p:cTn>
+                        </p:par>
+                      </p:childTnLst>
+                    </p:cTn>
+                  </p:par>
+                </p:childTnLst>
+              </p:cTn>
+              <p:prevCondLst>
+                <p:cond evt="onPrev" delay="0">
+                  <p:tgtEl>
+                    <p:sldTgt/>
+                  </p:tgtEl>
+                </p:cond>
+              </p:prevCondLst>
+              <p:nextCondLst>
+                <p:cond evt="onNext" delay="0">
+                  <p:tgtEl>
+                    <p:sldTgt/>
+                  </p:tgtEl>
+                </p:cond>
+              </p:nextCondLst>
+            </p:seq>
+          </p:childTnLst>
+        </p:cTn>
+      </p:par>
+    </p:tnLst>
+    <p:bldLst>
+      <p:bldP spid="48" grpId="0" animBg="1"/>
+    </p:bldLst>
   </p:timing>
 </p:sld>
 </file>

--- a/Docs/Презентация решения.pptx
+++ b/Docs/Презентация решения.pptx
@@ -9,6 +9,11 @@
     <p:sldId id="257" r:id="rId3"/>
     <p:sldId id="258" r:id="rId4"/>
     <p:sldId id="259" r:id="rId5"/>
+    <p:sldId id="260" r:id="rId6"/>
+    <p:sldId id="261" r:id="rId7"/>
+    <p:sldId id="262" r:id="rId8"/>
+    <p:sldId id="263" r:id="rId9"/>
+    <p:sldId id="264" r:id="rId10"/>
   </p:sldIdLst>
   <p:sldSz cx="9144000" cy="6858000" type="screen4x3"/>
   <p:notesSz cx="6858000" cy="9144000"/>
@@ -2575,9 +2580,21 @@
 <p:sldMaster xmlns:a="http://schemas.openxmlformats.org/drawingml/2006/main" xmlns:r="http://schemas.openxmlformats.org/officeDocument/2006/relationships" xmlns:p="http://schemas.openxmlformats.org/presentationml/2006/main">
   <p:cSld>
     <p:bg>
-      <p:bgRef idx="1001">
-        <a:schemeClr val="bg1"/>
-      </p:bgRef>
+      <p:bgPr>
+        <a:gradFill flip="none" rotWithShape="1">
+          <a:gsLst>
+            <a:gs pos="22000">
+              <a:schemeClr val="bg1"/>
+            </a:gs>
+            <a:gs pos="7000">
+              <a:srgbClr val="92D050"/>
+            </a:gs>
+          </a:gsLst>
+          <a:lin ang="13500000" scaled="1"/>
+          <a:tileRect/>
+        </a:gradFill>
+        <a:effectLst/>
+      </p:bgPr>
     </p:bg>
     <p:spTree>
       <p:nvGrpSpPr>
@@ -3124,7 +3141,7 @@
                   <a:srgbClr val="00B050"/>
                 </a:solidFill>
               </a:rPr>
-              <a:t>Экавайровый</a:t>
+              <a:t>Эквайровый</a:t>
             </a:r>
             <a:r>
               <a:rPr lang="ru-RU" sz="6000" dirty="0" smtClean="0">
@@ -3132,7 +3149,15 @@
                   <a:srgbClr val="00B050"/>
                 </a:solidFill>
               </a:rPr>
-              <a:t> оператор</a:t>
+              <a:t> </a:t>
+            </a:r>
+            <a:r>
+              <a:rPr lang="ru-RU" sz="6000" dirty="0" smtClean="0">
+                <a:solidFill>
+                  <a:srgbClr val="00B050"/>
+                </a:solidFill>
+              </a:rPr>
+              <a:t>оператор</a:t>
             </a:r>
             <a:endParaRPr lang="ru-RU" sz="6000" dirty="0">
               <a:solidFill>
@@ -3168,7 +3193,15 @@
                   <a:schemeClr val="tx1"/>
                 </a:solidFill>
               </a:rPr>
-              <a:t>Команда</a:t>
+              <a:t>Команда </a:t>
+            </a:r>
+            <a:r>
+              <a:rPr lang="en-US" dirty="0" smtClean="0">
+                <a:solidFill>
+                  <a:schemeClr val="tx1"/>
+                </a:solidFill>
+              </a:rPr>
+              <a:t>Consolidation Technologies</a:t>
             </a:r>
             <a:endParaRPr lang="ru-RU" dirty="0">
               <a:solidFill>
@@ -3215,33 +3248,6 @@
           <a:chExt cx="0" cy="0"/>
         </a:xfrm>
       </p:grpSpPr>
-      <p:sp>
-        <p:nvSpPr>
-          <p:cNvPr id="2" name="Заголовок 1"/>
-          <p:cNvSpPr>
-            <a:spLocks noGrp="1"/>
-          </p:cNvSpPr>
-          <p:nvPr>
-            <p:ph type="title"/>
-          </p:nvPr>
-        </p:nvSpPr>
-        <p:spPr/>
-        <p:txBody>
-          <a:bodyPr/>
-          <a:lstStyle/>
-          <a:p>
-            <a:r>
-              <a:rPr lang="ru-RU" dirty="0" smtClean="0"/>
-              <a:t>Классическая схема </a:t>
-            </a:r>
-            <a:r>
-              <a:rPr lang="ru-RU" dirty="0" err="1" smtClean="0"/>
-              <a:t>эквайринга</a:t>
-            </a:r>
-            <a:endParaRPr lang="ru-RU" dirty="0"/>
-          </a:p>
-        </p:txBody>
-      </p:sp>
       <p:pic>
         <p:nvPicPr>
           <p:cNvPr id="6" name="Объект 5"/>
@@ -3271,6 +3277,45 @@
           </a:xfrm>
         </p:spPr>
       </p:pic>
+      <p:sp>
+        <p:nvSpPr>
+          <p:cNvPr id="2" name="Заголовок 1"/>
+          <p:cNvSpPr>
+            <a:spLocks noGrp="1"/>
+          </p:cNvSpPr>
+          <p:nvPr>
+            <p:ph type="title"/>
+          </p:nvPr>
+        </p:nvSpPr>
+        <p:spPr/>
+        <p:txBody>
+          <a:bodyPr/>
+          <a:lstStyle/>
+          <a:p>
+            <a:r>
+              <a:rPr lang="ru-RU" dirty="0" smtClean="0">
+                <a:solidFill>
+                  <a:srgbClr val="00B050"/>
+                </a:solidFill>
+              </a:rPr>
+              <a:t>Классическая схема </a:t>
+            </a:r>
+            <a:r>
+              <a:rPr lang="ru-RU" dirty="0" err="1" smtClean="0">
+                <a:solidFill>
+                  <a:srgbClr val="00B050"/>
+                </a:solidFill>
+              </a:rPr>
+              <a:t>эквайринга</a:t>
+            </a:r>
+            <a:endParaRPr lang="ru-RU" dirty="0">
+              <a:solidFill>
+                <a:srgbClr val="00B050"/>
+              </a:solidFill>
+            </a:endParaRPr>
+          </a:p>
+        </p:txBody>
+      </p:sp>
       <p:pic>
         <p:nvPicPr>
           <p:cNvPr id="7" name="Рисунок 6"/>
@@ -3304,15 +3349,12 @@
       <p:cxnSp>
         <p:nvCxnSpPr>
           <p:cNvPr id="11" name="Соединительная линия уступом 10"/>
-          <p:cNvCxnSpPr>
-            <a:stCxn id="6" idx="3"/>
-            <a:endCxn id="7" idx="1"/>
-          </p:cNvCxnSpPr>
+          <p:cNvCxnSpPr/>
           <p:nvPr/>
         </p:nvCxnSpPr>
         <p:spPr>
           <a:xfrm flipV="1">
-            <a:off x="1506425" y="3775709"/>
+            <a:off x="1619672" y="3775709"/>
             <a:ext cx="1769431" cy="1814"/>
           </a:xfrm>
           <a:prstGeom prst="bentConnector3">
@@ -3604,6 +3646,56 @@
           </a:p>
         </p:txBody>
       </p:sp>
+      <p:sp>
+        <p:nvSpPr>
+          <p:cNvPr id="3" name="TextBox 2"/>
+          <p:cNvSpPr txBox="1"/>
+          <p:nvPr/>
+        </p:nvSpPr>
+        <p:spPr>
+          <a:xfrm>
+            <a:off x="1859133" y="3031853"/>
+            <a:ext cx="1221040" cy="707886"/>
+          </a:xfrm>
+          <a:prstGeom prst="rect">
+            <a:avLst/>
+          </a:prstGeom>
+          <a:noFill/>
+        </p:spPr>
+        <p:txBody>
+          <a:bodyPr wrap="none" rtlCol="0">
+            <a:spAutoFit/>
+          </a:bodyPr>
+          <a:lstStyle/>
+          <a:p>
+            <a:pPr algn="ctr"/>
+            <a:r>
+              <a:rPr lang="ru-RU" sz="2000" b="1" dirty="0" smtClean="0">
+                <a:solidFill>
+                  <a:srgbClr val="FF0000"/>
+                </a:solidFill>
+              </a:rPr>
+              <a:t>Частный</a:t>
+            </a:r>
+          </a:p>
+          <a:p>
+            <a:pPr algn="ctr"/>
+            <a:r>
+              <a:rPr lang="ru-RU" sz="2000" b="1" dirty="0" smtClean="0">
+                <a:solidFill>
+                  <a:srgbClr val="FF0000"/>
+                </a:solidFill>
+              </a:rPr>
+              <a:t>протокол</a:t>
+            </a:r>
+            <a:endParaRPr lang="ru-RU" sz="2000" b="1" dirty="0">
+              <a:solidFill>
+                <a:srgbClr val="FF0000"/>
+              </a:solidFill>
+            </a:endParaRPr>
+          </a:p>
+        </p:txBody>
+      </p:sp>
     </p:spTree>
     <p:extLst>
       <p:ext uri="{BB962C8B-B14F-4D97-AF65-F5344CB8AC3E}">
@@ -3664,14 +3756,26 @@
           <a:lstStyle/>
           <a:p>
             <a:r>
-              <a:rPr lang="ru-RU" dirty="0" err="1" smtClean="0"/>
+              <a:rPr lang="ru-RU" dirty="0" err="1" smtClean="0">
+                <a:solidFill>
+                  <a:srgbClr val="00B050"/>
+                </a:solidFill>
+              </a:rPr>
               <a:t>Эквайринг</a:t>
             </a:r>
             <a:r>
-              <a:rPr lang="ru-RU" dirty="0" smtClean="0"/>
+              <a:rPr lang="ru-RU" dirty="0" smtClean="0">
+                <a:solidFill>
+                  <a:srgbClr val="00B050"/>
+                </a:solidFill>
+              </a:rPr>
               <a:t> через оператора</a:t>
             </a:r>
-            <a:endParaRPr lang="ru-RU" dirty="0"/>
+            <a:endParaRPr lang="ru-RU" dirty="0">
+              <a:solidFill>
+                <a:srgbClr val="00B050"/>
+              </a:solidFill>
+            </a:endParaRPr>
           </a:p>
         </p:txBody>
       </p:sp>
@@ -4153,11 +4257,7 @@
                 <a:p>
                   <a:r>
                     <a:rPr lang="ru-RU" dirty="0" smtClean="0"/>
-                    <a:t>Эмитент </a:t>
-                  </a:r>
-                  <a:r>
-                    <a:rPr lang="ru-RU" dirty="0" smtClean="0"/>
-                    <a:t>1</a:t>
+                    <a:t>Эмитент 1</a:t>
                   </a:r>
                   <a:endParaRPr lang="ru-RU" dirty="0"/>
                 </a:p>
@@ -4400,7 +4500,7 @@
         </p:nvSpPr>
         <p:spPr>
           <a:xfrm>
-            <a:off x="2105230" y="4522460"/>
+            <a:off x="2091220" y="4083683"/>
             <a:ext cx="1135183" cy="369332"/>
           </a:xfrm>
           <a:prstGeom prst="rect">
@@ -4534,13 +4634,8 @@
               </a:br>
               <a:r>
                 <a:rPr lang="ru-RU" dirty="0" smtClean="0"/>
-                <a:t>э</a:t>
+                <a:t>эмитент</a:t>
               </a:r>
-              <a:r>
-                <a:rPr lang="ru-RU" dirty="0" smtClean="0"/>
-                <a:t>митент</a:t>
-              </a:r>
-              <a:endParaRPr lang="ru-RU" dirty="0" smtClean="0"/>
             </a:p>
           </p:txBody>
         </p:sp>
@@ -4562,7 +4657,7 @@
           <a:noFill/>
           <a:ln>
             <a:solidFill>
-              <a:schemeClr val="tx1"/>
+              <a:srgbClr val="0070C0"/>
             </a:solidFill>
             <a:prstDash val="dash"/>
           </a:ln>
@@ -4600,7 +4695,7 @@
         </p:nvSpPr>
         <p:spPr>
           <a:xfrm>
-            <a:off x="4037109" y="6319046"/>
+            <a:off x="4072996" y="3872793"/>
             <a:ext cx="2759538" cy="369332"/>
           </a:xfrm>
           <a:prstGeom prst="rect">
@@ -4615,14 +4710,70 @@
           <a:lstStyle/>
           <a:p>
             <a:r>
-              <a:rPr lang="ru-RU" dirty="0" smtClean="0"/>
+              <a:rPr lang="ru-RU" dirty="0" smtClean="0">
+                <a:solidFill>
+                  <a:srgbClr val="0070C0"/>
+                </a:solidFill>
+              </a:rPr>
               <a:t>Дружественные </a:t>
             </a:r>
             <a:r>
-              <a:rPr lang="ru-RU" dirty="0" err="1" smtClean="0"/>
+              <a:rPr lang="ru-RU" dirty="0" err="1" smtClean="0">
+                <a:solidFill>
+                  <a:srgbClr val="0070C0"/>
+                </a:solidFill>
+              </a:rPr>
               <a:t>эквайеры</a:t>
             </a:r>
-            <a:endParaRPr lang="ru-RU" dirty="0"/>
+            <a:endParaRPr lang="ru-RU" dirty="0">
+              <a:solidFill>
+                <a:srgbClr val="0070C0"/>
+              </a:solidFill>
+            </a:endParaRPr>
+          </a:p>
+        </p:txBody>
+      </p:sp>
+      <p:sp>
+        <p:nvSpPr>
+          <p:cNvPr id="4" name="TextBox 3"/>
+          <p:cNvSpPr txBox="1"/>
+          <p:nvPr/>
+        </p:nvSpPr>
+        <p:spPr>
+          <a:xfrm>
+            <a:off x="1230094" y="2888213"/>
+            <a:ext cx="1240340" cy="461665"/>
+          </a:xfrm>
+          <a:prstGeom prst="rect">
+            <a:avLst/>
+          </a:prstGeom>
+          <a:noFill/>
+        </p:spPr>
+        <p:txBody>
+          <a:bodyPr wrap="none" rtlCol="0">
+            <a:spAutoFit/>
+          </a:bodyPr>
+          <a:lstStyle/>
+          <a:p>
+            <a:r>
+              <a:rPr lang="ru-RU" sz="1200" b="1" dirty="0" smtClean="0">
+                <a:solidFill>
+                  <a:srgbClr val="FF0000"/>
+                </a:solidFill>
+              </a:rPr>
+              <a:t>Универсальный</a:t>
+            </a:r>
+          </a:p>
+          <a:p>
+            <a:pPr algn="ctr"/>
+            <a:r>
+              <a:rPr lang="ru-RU" sz="1200" b="1" dirty="0" smtClean="0">
+                <a:solidFill>
+                  <a:srgbClr val="FF0000"/>
+                </a:solidFill>
+              </a:rPr>
+              <a:t>протокол</a:t>
+            </a:r>
           </a:p>
         </p:txBody>
       </p:sp>
@@ -4686,10 +4837,18 @@
           <a:lstStyle/>
           <a:p>
             <a:r>
-              <a:rPr lang="ru-RU" dirty="0" smtClean="0"/>
+              <a:rPr lang="ru-RU" dirty="0" smtClean="0">
+                <a:solidFill>
+                  <a:srgbClr val="00B050"/>
+                </a:solidFill>
+              </a:rPr>
               <a:t>Функционирование оператора</a:t>
             </a:r>
-            <a:endParaRPr lang="ru-RU" dirty="0"/>
+            <a:endParaRPr lang="ru-RU" dirty="0">
+              <a:solidFill>
+                <a:srgbClr val="00B050"/>
+              </a:solidFill>
+            </a:endParaRPr>
           </a:p>
         </p:txBody>
       </p:sp>
@@ -5471,20 +5630,35 @@
           <a:p>
             <a:pPr algn="ctr"/>
             <a:r>
+              <a:rPr lang="ru-RU" sz="3600" dirty="0" err="1" smtClean="0">
+                <a:solidFill>
+                  <a:schemeClr val="tx1"/>
+                </a:solidFill>
+              </a:rPr>
+              <a:t>Процессирование</a:t>
+            </a:r>
+            <a:r>
+              <a:rPr lang="ru-RU" sz="3600" dirty="0">
+                <a:solidFill>
+                  <a:schemeClr val="tx1"/>
+                </a:solidFill>
+              </a:rPr>
+              <a:t/>
+            </a:r>
+            <a:br>
+              <a:rPr lang="ru-RU" sz="3600" dirty="0">
+                <a:solidFill>
+                  <a:schemeClr val="tx1"/>
+                </a:solidFill>
+              </a:rPr>
+            </a:br>
+            <a:r>
               <a:rPr lang="ru-RU" sz="3600" dirty="0" smtClean="0">
                 <a:solidFill>
                   <a:schemeClr val="tx1"/>
                 </a:solidFill>
               </a:rPr>
-              <a:t>Выбор </a:t>
-            </a:r>
-            <a:r>
-              <a:rPr lang="ru-RU" sz="3600" dirty="0" err="1" smtClean="0">
-                <a:solidFill>
-                  <a:schemeClr val="tx1"/>
-                </a:solidFill>
-              </a:rPr>
-              <a:t>эквайера</a:t>
+              <a:t>запроса</a:t>
             </a:r>
             <a:endParaRPr lang="ru-RU" sz="3600" dirty="0">
               <a:solidFill>
@@ -6020,6 +6194,1893 @@
 </p:sld>
 </file>
 
+<file path=ppt/slides/slide5.xml><?xml version="1.0" encoding="utf-8"?>
+<p:sld xmlns:a="http://schemas.openxmlformats.org/drawingml/2006/main" xmlns:r="http://schemas.openxmlformats.org/officeDocument/2006/relationships" xmlns:p="http://schemas.openxmlformats.org/presentationml/2006/main">
+  <p:cSld>
+    <p:spTree>
+      <p:nvGrpSpPr>
+        <p:cNvPr id="1" name=""/>
+        <p:cNvGrpSpPr/>
+        <p:nvPr/>
+      </p:nvGrpSpPr>
+      <p:grpSpPr>
+        <a:xfrm>
+          <a:off x="0" y="0"/>
+          <a:ext cx="0" cy="0"/>
+          <a:chOff x="0" y="0"/>
+          <a:chExt cx="0" cy="0"/>
+        </a:xfrm>
+      </p:grpSpPr>
+      <p:sp>
+        <p:nvSpPr>
+          <p:cNvPr id="2" name="Заголовок 1"/>
+          <p:cNvSpPr>
+            <a:spLocks noGrp="1"/>
+          </p:cNvSpPr>
+          <p:nvPr>
+            <p:ph type="title"/>
+          </p:nvPr>
+        </p:nvSpPr>
+        <p:spPr/>
+        <p:txBody>
+          <a:bodyPr>
+            <a:normAutofit fontScale="90000"/>
+          </a:bodyPr>
+          <a:lstStyle/>
+          <a:p>
+            <a:r>
+              <a:rPr lang="ru-RU" b="1" dirty="0" smtClean="0">
+                <a:solidFill>
+                  <a:srgbClr val="00B050"/>
+                </a:solidFill>
+              </a:rPr>
+              <a:t>Примерная процедура подключения</a:t>
+            </a:r>
+            <a:endParaRPr lang="ru-RU" b="1" dirty="0">
+              <a:solidFill>
+                <a:srgbClr val="00B050"/>
+              </a:solidFill>
+            </a:endParaRPr>
+          </a:p>
+        </p:txBody>
+      </p:sp>
+      <p:pic>
+        <p:nvPicPr>
+          <p:cNvPr id="3" name="Рисунок 2"/>
+          <p:cNvPicPr>
+            <a:picLocks noChangeAspect="1"/>
+          </p:cNvPicPr>
+          <p:nvPr/>
+        </p:nvPicPr>
+        <p:blipFill>
+          <a:blip r:embed="rId2" cstate="print">
+            <a:extLst>
+              <a:ext uri="{28A0092B-C50C-407E-A947-70E740481C1C}">
+                <a14:useLocalDpi xmlns:a14="http://schemas.microsoft.com/office/drawing/2010/main" val="0"/>
+              </a:ext>
+            </a:extLst>
+          </a:blip>
+          <a:stretch>
+            <a:fillRect/>
+          </a:stretch>
+        </p:blipFill>
+        <p:spPr>
+          <a:xfrm>
+            <a:off x="238841" y="3972088"/>
+            <a:ext cx="1452418" cy="969080"/>
+          </a:xfrm>
+          <a:prstGeom prst="rect">
+            <a:avLst/>
+          </a:prstGeom>
+        </p:spPr>
+      </p:pic>
+      <p:pic>
+        <p:nvPicPr>
+          <p:cNvPr id="4" name="Рисунок 3"/>
+          <p:cNvPicPr>
+            <a:picLocks noChangeAspect="1"/>
+          </p:cNvPicPr>
+          <p:nvPr/>
+        </p:nvPicPr>
+        <p:blipFill>
+          <a:blip r:embed="rId3" cstate="print">
+            <a:extLst>
+              <a:ext uri="{28A0092B-C50C-407E-A947-70E740481C1C}">
+                <a14:useLocalDpi xmlns:a14="http://schemas.microsoft.com/office/drawing/2010/main" val="0"/>
+              </a:ext>
+            </a:extLst>
+          </a:blip>
+          <a:stretch>
+            <a:fillRect/>
+          </a:stretch>
+        </p:blipFill>
+        <p:spPr>
+          <a:xfrm>
+            <a:off x="1979712" y="2452906"/>
+            <a:ext cx="2661935" cy="2498124"/>
+          </a:xfrm>
+          <a:prstGeom prst="rect">
+            <a:avLst/>
+          </a:prstGeom>
+        </p:spPr>
+      </p:pic>
+      <p:pic>
+        <p:nvPicPr>
+          <p:cNvPr id="5" name="Рисунок 4"/>
+          <p:cNvPicPr>
+            <a:picLocks noChangeAspect="1"/>
+          </p:cNvPicPr>
+          <p:nvPr/>
+        </p:nvPicPr>
+        <p:blipFill>
+          <a:blip r:embed="rId4" cstate="print">
+            <a:extLst>
+              <a:ext uri="{28A0092B-C50C-407E-A947-70E740481C1C}">
+                <a14:useLocalDpi xmlns:a14="http://schemas.microsoft.com/office/drawing/2010/main" val="0"/>
+              </a:ext>
+            </a:extLst>
+          </a:blip>
+          <a:stretch>
+            <a:fillRect/>
+          </a:stretch>
+        </p:blipFill>
+        <p:spPr>
+          <a:xfrm>
+            <a:off x="5874024" y="3972088"/>
+            <a:ext cx="1591776" cy="978942"/>
+          </a:xfrm>
+          <a:prstGeom prst="rect">
+            <a:avLst/>
+          </a:prstGeom>
+        </p:spPr>
+      </p:pic>
+      <p:pic>
+        <p:nvPicPr>
+          <p:cNvPr id="6" name="Рисунок 5"/>
+          <p:cNvPicPr>
+            <a:picLocks noChangeAspect="1"/>
+          </p:cNvPicPr>
+          <p:nvPr/>
+        </p:nvPicPr>
+        <p:blipFill>
+          <a:blip r:embed="rId5" cstate="print">
+            <a:extLst>
+              <a:ext uri="{28A0092B-C50C-407E-A947-70E740481C1C}">
+                <a14:useLocalDpi xmlns:a14="http://schemas.microsoft.com/office/drawing/2010/main" val="0"/>
+              </a:ext>
+            </a:extLst>
+          </a:blip>
+          <a:stretch>
+            <a:fillRect/>
+          </a:stretch>
+        </p:blipFill>
+        <p:spPr>
+          <a:xfrm>
+            <a:off x="4807916" y="3972088"/>
+            <a:ext cx="952000" cy="952000"/>
+          </a:xfrm>
+          <a:prstGeom prst="rect">
+            <a:avLst/>
+          </a:prstGeom>
+        </p:spPr>
+      </p:pic>
+      <p:pic>
+        <p:nvPicPr>
+          <p:cNvPr id="7" name="Рисунок 6"/>
+          <p:cNvPicPr>
+            <a:picLocks noChangeAspect="1"/>
+          </p:cNvPicPr>
+          <p:nvPr/>
+        </p:nvPicPr>
+        <p:blipFill>
+          <a:blip r:embed="rId6" cstate="print">
+            <a:extLst>
+              <a:ext uri="{28A0092B-C50C-407E-A947-70E740481C1C}">
+                <a14:useLocalDpi xmlns:a14="http://schemas.microsoft.com/office/drawing/2010/main" val="0"/>
+              </a:ext>
+            </a:extLst>
+          </a:blip>
+          <a:stretch>
+            <a:fillRect/>
+          </a:stretch>
+        </p:blipFill>
+        <p:spPr>
+          <a:xfrm>
+            <a:off x="7596336" y="3972088"/>
+            <a:ext cx="1172766" cy="936700"/>
+          </a:xfrm>
+          <a:prstGeom prst="rect">
+            <a:avLst/>
+          </a:prstGeom>
+        </p:spPr>
+      </p:pic>
+    </p:spTree>
+    <p:extLst>
+      <p:ext uri="{BB962C8B-B14F-4D97-AF65-F5344CB8AC3E}">
+        <p14:creationId xmlns:p14="http://schemas.microsoft.com/office/powerpoint/2010/main" val="1451649792"/>
+      </p:ext>
+    </p:extLst>
+  </p:cSld>
+  <p:clrMapOvr>
+    <a:masterClrMapping/>
+  </p:clrMapOvr>
+  <p:timing>
+    <p:tnLst>
+      <p:par>
+        <p:cTn id="1" dur="indefinite" restart="never" nodeType="tmRoot">
+          <p:childTnLst>
+            <p:seq concurrent="1" nextAc="seek">
+              <p:cTn id="2" dur="indefinite" nodeType="mainSeq">
+                <p:childTnLst>
+                  <p:par>
+                    <p:cTn id="3" fill="hold">
+                      <p:stCondLst>
+                        <p:cond delay="indefinite"/>
+                      </p:stCondLst>
+                      <p:childTnLst>
+                        <p:par>
+                          <p:cTn id="4" fill="hold">
+                            <p:stCondLst>
+                              <p:cond delay="0"/>
+                            </p:stCondLst>
+                            <p:childTnLst>
+                              <p:par>
+                                <p:cTn id="5" presetID="2" presetClass="entr" presetSubtype="4" fill="hold" nodeType="clickEffect">
+                                  <p:stCondLst>
+                                    <p:cond delay="0"/>
+                                  </p:stCondLst>
+                                  <p:childTnLst>
+                                    <p:set>
+                                      <p:cBhvr>
+                                        <p:cTn id="6" dur="1" fill="hold">
+                                          <p:stCondLst>
+                                            <p:cond delay="0"/>
+                                          </p:stCondLst>
+                                        </p:cTn>
+                                        <p:tgtEl>
+                                          <p:spTgt spid="4"/>
+                                        </p:tgtEl>
+                                        <p:attrNameLst>
+                                          <p:attrName>style.visibility</p:attrName>
+                                        </p:attrNameLst>
+                                      </p:cBhvr>
+                                      <p:to>
+                                        <p:strVal val="visible"/>
+                                      </p:to>
+                                    </p:set>
+                                    <p:anim calcmode="lin" valueType="num">
+                                      <p:cBhvr additive="base">
+                                        <p:cTn id="7" dur="500" fill="hold"/>
+                                        <p:tgtEl>
+                                          <p:spTgt spid="4"/>
+                                        </p:tgtEl>
+                                        <p:attrNameLst>
+                                          <p:attrName>ppt_x</p:attrName>
+                                        </p:attrNameLst>
+                                      </p:cBhvr>
+                                      <p:tavLst>
+                                        <p:tav tm="0">
+                                          <p:val>
+                                            <p:strVal val="#ppt_x"/>
+                                          </p:val>
+                                        </p:tav>
+                                        <p:tav tm="100000">
+                                          <p:val>
+                                            <p:strVal val="#ppt_x"/>
+                                          </p:val>
+                                        </p:tav>
+                                      </p:tavLst>
+                                    </p:anim>
+                                    <p:anim calcmode="lin" valueType="num">
+                                      <p:cBhvr additive="base">
+                                        <p:cTn id="8" dur="500" fill="hold"/>
+                                        <p:tgtEl>
+                                          <p:spTgt spid="4"/>
+                                        </p:tgtEl>
+                                        <p:attrNameLst>
+                                          <p:attrName>ppt_y</p:attrName>
+                                        </p:attrNameLst>
+                                      </p:cBhvr>
+                                      <p:tavLst>
+                                        <p:tav tm="0">
+                                          <p:val>
+                                            <p:strVal val="1+#ppt_h/2"/>
+                                          </p:val>
+                                        </p:tav>
+                                        <p:tav tm="100000">
+                                          <p:val>
+                                            <p:strVal val="#ppt_y"/>
+                                          </p:val>
+                                        </p:tav>
+                                      </p:tavLst>
+                                    </p:anim>
+                                  </p:childTnLst>
+                                </p:cTn>
+                              </p:par>
+                            </p:childTnLst>
+                          </p:cTn>
+                        </p:par>
+                      </p:childTnLst>
+                    </p:cTn>
+                  </p:par>
+                  <p:par>
+                    <p:cTn id="9" fill="hold">
+                      <p:stCondLst>
+                        <p:cond delay="indefinite"/>
+                      </p:stCondLst>
+                      <p:childTnLst>
+                        <p:par>
+                          <p:cTn id="10" fill="hold">
+                            <p:stCondLst>
+                              <p:cond delay="0"/>
+                            </p:stCondLst>
+                            <p:childTnLst>
+                              <p:par>
+                                <p:cTn id="11" presetID="22" presetClass="entr" presetSubtype="4" fill="hold" nodeType="clickEffect">
+                                  <p:stCondLst>
+                                    <p:cond delay="0"/>
+                                  </p:stCondLst>
+                                  <p:childTnLst>
+                                    <p:set>
+                                      <p:cBhvr>
+                                        <p:cTn id="12" dur="1" fill="hold">
+                                          <p:stCondLst>
+                                            <p:cond delay="0"/>
+                                          </p:stCondLst>
+                                        </p:cTn>
+                                        <p:tgtEl>
+                                          <p:spTgt spid="6"/>
+                                        </p:tgtEl>
+                                        <p:attrNameLst>
+                                          <p:attrName>style.visibility</p:attrName>
+                                        </p:attrNameLst>
+                                      </p:cBhvr>
+                                      <p:to>
+                                        <p:strVal val="visible"/>
+                                      </p:to>
+                                    </p:set>
+                                    <p:animEffect transition="in" filter="wipe(down)">
+                                      <p:cBhvr>
+                                        <p:cTn id="13" dur="500"/>
+                                        <p:tgtEl>
+                                          <p:spTgt spid="6"/>
+                                        </p:tgtEl>
+                                      </p:cBhvr>
+                                    </p:animEffect>
+                                  </p:childTnLst>
+                                </p:cTn>
+                              </p:par>
+                            </p:childTnLst>
+                          </p:cTn>
+                        </p:par>
+                      </p:childTnLst>
+                    </p:cTn>
+                  </p:par>
+                  <p:par>
+                    <p:cTn id="14" fill="hold">
+                      <p:stCondLst>
+                        <p:cond delay="indefinite"/>
+                      </p:stCondLst>
+                      <p:childTnLst>
+                        <p:par>
+                          <p:cTn id="15" fill="hold">
+                            <p:stCondLst>
+                              <p:cond delay="0"/>
+                            </p:stCondLst>
+                            <p:childTnLst>
+                              <p:par>
+                                <p:cTn id="16" presetID="6" presetClass="entr" presetSubtype="16" fill="hold" nodeType="clickEffect">
+                                  <p:stCondLst>
+                                    <p:cond delay="0"/>
+                                  </p:stCondLst>
+                                  <p:childTnLst>
+                                    <p:set>
+                                      <p:cBhvr>
+                                        <p:cTn id="17" dur="1" fill="hold">
+                                          <p:stCondLst>
+                                            <p:cond delay="0"/>
+                                          </p:stCondLst>
+                                        </p:cTn>
+                                        <p:tgtEl>
+                                          <p:spTgt spid="5"/>
+                                        </p:tgtEl>
+                                        <p:attrNameLst>
+                                          <p:attrName>style.visibility</p:attrName>
+                                        </p:attrNameLst>
+                                      </p:cBhvr>
+                                      <p:to>
+                                        <p:strVal val="visible"/>
+                                      </p:to>
+                                    </p:set>
+                                    <p:animEffect transition="in" filter="circle(in)">
+                                      <p:cBhvr>
+                                        <p:cTn id="18" dur="2000"/>
+                                        <p:tgtEl>
+                                          <p:spTgt spid="5"/>
+                                        </p:tgtEl>
+                                      </p:cBhvr>
+                                    </p:animEffect>
+                                  </p:childTnLst>
+                                </p:cTn>
+                              </p:par>
+                            </p:childTnLst>
+                          </p:cTn>
+                        </p:par>
+                      </p:childTnLst>
+                    </p:cTn>
+                  </p:par>
+                  <p:par>
+                    <p:cTn id="19" fill="hold">
+                      <p:stCondLst>
+                        <p:cond delay="indefinite"/>
+                      </p:stCondLst>
+                      <p:childTnLst>
+                        <p:par>
+                          <p:cTn id="20" fill="hold">
+                            <p:stCondLst>
+                              <p:cond delay="0"/>
+                            </p:stCondLst>
+                            <p:childTnLst>
+                              <p:par>
+                                <p:cTn id="21" presetID="14" presetClass="entr" presetSubtype="10" fill="hold" nodeType="clickEffect">
+                                  <p:stCondLst>
+                                    <p:cond delay="0"/>
+                                  </p:stCondLst>
+                                  <p:childTnLst>
+                                    <p:set>
+                                      <p:cBhvr>
+                                        <p:cTn id="22" dur="1" fill="hold">
+                                          <p:stCondLst>
+                                            <p:cond delay="0"/>
+                                          </p:stCondLst>
+                                        </p:cTn>
+                                        <p:tgtEl>
+                                          <p:spTgt spid="7"/>
+                                        </p:tgtEl>
+                                        <p:attrNameLst>
+                                          <p:attrName>style.visibility</p:attrName>
+                                        </p:attrNameLst>
+                                      </p:cBhvr>
+                                      <p:to>
+                                        <p:strVal val="visible"/>
+                                      </p:to>
+                                    </p:set>
+                                    <p:animEffect transition="in" filter="randombar(horizontal)">
+                                      <p:cBhvr>
+                                        <p:cTn id="23" dur="500"/>
+                                        <p:tgtEl>
+                                          <p:spTgt spid="7"/>
+                                        </p:tgtEl>
+                                      </p:cBhvr>
+                                    </p:animEffect>
+                                  </p:childTnLst>
+                                </p:cTn>
+                              </p:par>
+                            </p:childTnLst>
+                          </p:cTn>
+                        </p:par>
+                      </p:childTnLst>
+                    </p:cTn>
+                  </p:par>
+                </p:childTnLst>
+              </p:cTn>
+              <p:prevCondLst>
+                <p:cond evt="onPrev" delay="0">
+                  <p:tgtEl>
+                    <p:sldTgt/>
+                  </p:tgtEl>
+                </p:cond>
+              </p:prevCondLst>
+              <p:nextCondLst>
+                <p:cond evt="onNext" delay="0">
+                  <p:tgtEl>
+                    <p:sldTgt/>
+                  </p:tgtEl>
+                </p:cond>
+              </p:nextCondLst>
+            </p:seq>
+          </p:childTnLst>
+        </p:cTn>
+      </p:par>
+    </p:tnLst>
+  </p:timing>
+</p:sld>
+</file>
+
+<file path=ppt/slides/slide6.xml><?xml version="1.0" encoding="utf-8"?>
+<p:sld xmlns:a="http://schemas.openxmlformats.org/drawingml/2006/main" xmlns:r="http://schemas.openxmlformats.org/officeDocument/2006/relationships" xmlns:p="http://schemas.openxmlformats.org/presentationml/2006/main">
+  <p:cSld>
+    <p:spTree>
+      <p:nvGrpSpPr>
+        <p:cNvPr id="1" name=""/>
+        <p:cNvGrpSpPr/>
+        <p:nvPr/>
+      </p:nvGrpSpPr>
+      <p:grpSpPr>
+        <a:xfrm>
+          <a:off x="0" y="0"/>
+          <a:ext cx="0" cy="0"/>
+          <a:chOff x="0" y="0"/>
+          <a:chExt cx="0" cy="0"/>
+        </a:xfrm>
+      </p:grpSpPr>
+      <p:sp>
+        <p:nvSpPr>
+          <p:cNvPr id="2" name="Заголовок 1"/>
+          <p:cNvSpPr>
+            <a:spLocks noGrp="1"/>
+          </p:cNvSpPr>
+          <p:nvPr>
+            <p:ph type="title"/>
+          </p:nvPr>
+        </p:nvSpPr>
+        <p:spPr/>
+        <p:txBody>
+          <a:bodyPr>
+            <a:normAutofit fontScale="90000"/>
+          </a:bodyPr>
+          <a:lstStyle/>
+          <a:p>
+            <a:r>
+              <a:rPr lang="ru-RU" b="1" dirty="0">
+                <a:solidFill>
+                  <a:srgbClr val="00B050"/>
+                </a:solidFill>
+              </a:rPr>
+              <a:t>Принцип «Одно окно» при </a:t>
+            </a:r>
+            <a:r>
+              <a:rPr lang="ru-RU" b="1" dirty="0" smtClean="0">
+                <a:solidFill>
+                  <a:srgbClr val="00B050"/>
+                </a:solidFill>
+              </a:rPr>
+              <a:t>подключении</a:t>
+            </a:r>
+            <a:endParaRPr lang="ru-RU" dirty="0"/>
+          </a:p>
+        </p:txBody>
+      </p:sp>
+      <p:pic>
+        <p:nvPicPr>
+          <p:cNvPr id="3" name="Рисунок 2"/>
+          <p:cNvPicPr>
+            <a:picLocks noChangeAspect="1"/>
+          </p:cNvPicPr>
+          <p:nvPr/>
+        </p:nvPicPr>
+        <p:blipFill>
+          <a:blip r:embed="rId2" cstate="print">
+            <a:extLst>
+              <a:ext uri="{28A0092B-C50C-407E-A947-70E740481C1C}">
+                <a14:useLocalDpi xmlns:a14="http://schemas.microsoft.com/office/drawing/2010/main" val="0"/>
+              </a:ext>
+            </a:extLst>
+          </a:blip>
+          <a:stretch>
+            <a:fillRect/>
+          </a:stretch>
+        </p:blipFill>
+        <p:spPr>
+          <a:xfrm>
+            <a:off x="683568" y="2605120"/>
+            <a:ext cx="2747490" cy="1833176"/>
+          </a:xfrm>
+          <a:prstGeom prst="rect">
+            <a:avLst/>
+          </a:prstGeom>
+        </p:spPr>
+      </p:pic>
+      <p:pic>
+        <p:nvPicPr>
+          <p:cNvPr id="4" name="Рисунок 3"/>
+          <p:cNvPicPr>
+            <a:picLocks noChangeAspect="1"/>
+          </p:cNvPicPr>
+          <p:nvPr/>
+        </p:nvPicPr>
+        <p:blipFill>
+          <a:blip r:embed="rId3" cstate="print">
+            <a:extLst>
+              <a:ext uri="{28A0092B-C50C-407E-A947-70E740481C1C}">
+                <a14:useLocalDpi xmlns:a14="http://schemas.microsoft.com/office/drawing/2010/main" val="0"/>
+              </a:ext>
+            </a:extLst>
+          </a:blip>
+          <a:stretch>
+            <a:fillRect/>
+          </a:stretch>
+        </p:blipFill>
+        <p:spPr>
+          <a:xfrm>
+            <a:off x="3923928" y="2769901"/>
+            <a:ext cx="1866326" cy="1631491"/>
+          </a:xfrm>
+          <a:prstGeom prst="rect">
+            <a:avLst/>
+          </a:prstGeom>
+        </p:spPr>
+      </p:pic>
+      <p:pic>
+        <p:nvPicPr>
+          <p:cNvPr id="5" name="Рисунок 4"/>
+          <p:cNvPicPr>
+            <a:picLocks noChangeAspect="1"/>
+          </p:cNvPicPr>
+          <p:nvPr/>
+        </p:nvPicPr>
+        <p:blipFill>
+          <a:blip r:embed="rId4" cstate="print">
+            <a:extLst>
+              <a:ext uri="{28A0092B-C50C-407E-A947-70E740481C1C}">
+                <a14:useLocalDpi xmlns:a14="http://schemas.microsoft.com/office/drawing/2010/main" val="0"/>
+              </a:ext>
+            </a:extLst>
+          </a:blip>
+          <a:stretch>
+            <a:fillRect/>
+          </a:stretch>
+        </p:blipFill>
+        <p:spPr>
+          <a:xfrm>
+            <a:off x="6228185" y="2816032"/>
+            <a:ext cx="1984902" cy="1585360"/>
+          </a:xfrm>
+          <a:prstGeom prst="rect">
+            <a:avLst/>
+          </a:prstGeom>
+        </p:spPr>
+      </p:pic>
+    </p:spTree>
+    <p:extLst>
+      <p:ext uri="{BB962C8B-B14F-4D97-AF65-F5344CB8AC3E}">
+        <p14:creationId xmlns:p14="http://schemas.microsoft.com/office/powerpoint/2010/main" val="2187122701"/>
+      </p:ext>
+    </p:extLst>
+  </p:cSld>
+  <p:clrMapOvr>
+    <a:masterClrMapping/>
+  </p:clrMapOvr>
+  <p:timing>
+    <p:tnLst>
+      <p:par>
+        <p:cTn id="1" dur="indefinite" restart="never" nodeType="tmRoot">
+          <p:childTnLst>
+            <p:seq concurrent="1" nextAc="seek">
+              <p:cTn id="2" dur="indefinite" nodeType="mainSeq">
+                <p:childTnLst>
+                  <p:par>
+                    <p:cTn id="3" fill="hold">
+                      <p:stCondLst>
+                        <p:cond delay="indefinite"/>
+                      </p:stCondLst>
+                      <p:childTnLst>
+                        <p:par>
+                          <p:cTn id="4" fill="hold">
+                            <p:stCondLst>
+                              <p:cond delay="0"/>
+                            </p:stCondLst>
+                            <p:childTnLst>
+                              <p:par>
+                                <p:cTn id="5" presetID="22" presetClass="entr" presetSubtype="4" fill="hold" nodeType="clickEffect">
+                                  <p:stCondLst>
+                                    <p:cond delay="0"/>
+                                  </p:stCondLst>
+                                  <p:childTnLst>
+                                    <p:set>
+                                      <p:cBhvr>
+                                        <p:cTn id="6" dur="1" fill="hold">
+                                          <p:stCondLst>
+                                            <p:cond delay="0"/>
+                                          </p:stCondLst>
+                                        </p:cTn>
+                                        <p:tgtEl>
+                                          <p:spTgt spid="4"/>
+                                        </p:tgtEl>
+                                        <p:attrNameLst>
+                                          <p:attrName>style.visibility</p:attrName>
+                                        </p:attrNameLst>
+                                      </p:cBhvr>
+                                      <p:to>
+                                        <p:strVal val="visible"/>
+                                      </p:to>
+                                    </p:set>
+                                    <p:animEffect transition="in" filter="wipe(down)">
+                                      <p:cBhvr>
+                                        <p:cTn id="7" dur="500"/>
+                                        <p:tgtEl>
+                                          <p:spTgt spid="4"/>
+                                        </p:tgtEl>
+                                      </p:cBhvr>
+                                    </p:animEffect>
+                                  </p:childTnLst>
+                                </p:cTn>
+                              </p:par>
+                            </p:childTnLst>
+                          </p:cTn>
+                        </p:par>
+                      </p:childTnLst>
+                    </p:cTn>
+                  </p:par>
+                  <p:par>
+                    <p:cTn id="8" fill="hold">
+                      <p:stCondLst>
+                        <p:cond delay="indefinite"/>
+                      </p:stCondLst>
+                      <p:childTnLst>
+                        <p:par>
+                          <p:cTn id="9" fill="hold">
+                            <p:stCondLst>
+                              <p:cond delay="0"/>
+                            </p:stCondLst>
+                            <p:childTnLst>
+                              <p:par>
+                                <p:cTn id="10" presetID="14" presetClass="entr" presetSubtype="10" fill="hold" nodeType="clickEffect">
+                                  <p:stCondLst>
+                                    <p:cond delay="0"/>
+                                  </p:stCondLst>
+                                  <p:childTnLst>
+                                    <p:set>
+                                      <p:cBhvr>
+                                        <p:cTn id="11" dur="1" fill="hold">
+                                          <p:stCondLst>
+                                            <p:cond delay="0"/>
+                                          </p:stCondLst>
+                                        </p:cTn>
+                                        <p:tgtEl>
+                                          <p:spTgt spid="5"/>
+                                        </p:tgtEl>
+                                        <p:attrNameLst>
+                                          <p:attrName>style.visibility</p:attrName>
+                                        </p:attrNameLst>
+                                      </p:cBhvr>
+                                      <p:to>
+                                        <p:strVal val="visible"/>
+                                      </p:to>
+                                    </p:set>
+                                    <p:animEffect transition="in" filter="randombar(horizontal)">
+                                      <p:cBhvr>
+                                        <p:cTn id="12" dur="500"/>
+                                        <p:tgtEl>
+                                          <p:spTgt spid="5"/>
+                                        </p:tgtEl>
+                                      </p:cBhvr>
+                                    </p:animEffect>
+                                  </p:childTnLst>
+                                </p:cTn>
+                              </p:par>
+                            </p:childTnLst>
+                          </p:cTn>
+                        </p:par>
+                      </p:childTnLst>
+                    </p:cTn>
+                  </p:par>
+                </p:childTnLst>
+              </p:cTn>
+              <p:prevCondLst>
+                <p:cond evt="onPrev" delay="0">
+                  <p:tgtEl>
+                    <p:sldTgt/>
+                  </p:tgtEl>
+                </p:cond>
+              </p:prevCondLst>
+              <p:nextCondLst>
+                <p:cond evt="onNext" delay="0">
+                  <p:tgtEl>
+                    <p:sldTgt/>
+                  </p:tgtEl>
+                </p:cond>
+              </p:nextCondLst>
+            </p:seq>
+          </p:childTnLst>
+        </p:cTn>
+      </p:par>
+    </p:tnLst>
+  </p:timing>
+</p:sld>
+</file>
+
+<file path=ppt/slides/slide7.xml><?xml version="1.0" encoding="utf-8"?>
+<p:sld xmlns:a="http://schemas.openxmlformats.org/drawingml/2006/main" xmlns:r="http://schemas.openxmlformats.org/officeDocument/2006/relationships" xmlns:p="http://schemas.openxmlformats.org/presentationml/2006/main">
+  <p:cSld>
+    <p:spTree>
+      <p:nvGrpSpPr>
+        <p:cNvPr id="1" name=""/>
+        <p:cNvGrpSpPr/>
+        <p:nvPr/>
+      </p:nvGrpSpPr>
+      <p:grpSpPr>
+        <a:xfrm>
+          <a:off x="0" y="0"/>
+          <a:ext cx="0" cy="0"/>
+          <a:chOff x="0" y="0"/>
+          <a:chExt cx="0" cy="0"/>
+        </a:xfrm>
+      </p:grpSpPr>
+      <p:sp>
+        <p:nvSpPr>
+          <p:cNvPr id="2" name="Заголовок 1"/>
+          <p:cNvSpPr>
+            <a:spLocks noGrp="1"/>
+          </p:cNvSpPr>
+          <p:nvPr>
+            <p:ph type="title"/>
+          </p:nvPr>
+        </p:nvSpPr>
+        <p:spPr/>
+        <p:txBody>
+          <a:bodyPr/>
+          <a:lstStyle/>
+          <a:p>
+            <a:r>
+              <a:rPr lang="ru-RU" dirty="0" smtClean="0">
+                <a:solidFill>
+                  <a:srgbClr val="00B050"/>
+                </a:solidFill>
+              </a:rPr>
+              <a:t>Повышение отказоустойчивости</a:t>
+            </a:r>
+            <a:endParaRPr lang="ru-RU" dirty="0">
+              <a:solidFill>
+                <a:srgbClr val="00B050"/>
+              </a:solidFill>
+            </a:endParaRPr>
+          </a:p>
+        </p:txBody>
+      </p:sp>
+      <p:pic>
+        <p:nvPicPr>
+          <p:cNvPr id="3" name="Рисунок 2"/>
+          <p:cNvPicPr>
+            <a:picLocks noChangeAspect="1"/>
+          </p:cNvPicPr>
+          <p:nvPr/>
+        </p:nvPicPr>
+        <p:blipFill>
+          <a:blip r:embed="rId2" cstate="print">
+            <a:extLst>
+              <a:ext uri="{28A0092B-C50C-407E-A947-70E740481C1C}">
+                <a14:useLocalDpi xmlns:a14="http://schemas.microsoft.com/office/drawing/2010/main" val="0"/>
+              </a:ext>
+            </a:extLst>
+          </a:blip>
+          <a:stretch>
+            <a:fillRect/>
+          </a:stretch>
+        </p:blipFill>
+        <p:spPr>
+          <a:xfrm>
+            <a:off x="2111952" y="2908043"/>
+            <a:ext cx="1178313" cy="1178313"/>
+          </a:xfrm>
+          <a:prstGeom prst="rect">
+            <a:avLst/>
+          </a:prstGeom>
+        </p:spPr>
+      </p:pic>
+      <p:cxnSp>
+        <p:nvCxnSpPr>
+          <p:cNvPr id="4" name="Соединительная линия уступом 3"/>
+          <p:cNvCxnSpPr/>
+          <p:nvPr/>
+        </p:nvCxnSpPr>
+        <p:spPr>
+          <a:xfrm flipV="1">
+            <a:off x="1467156" y="3466803"/>
+            <a:ext cx="809760" cy="229"/>
+          </a:xfrm>
+          <a:prstGeom prst="bentConnector3">
+            <a:avLst>
+              <a:gd name="adj1" fmla="val 50000"/>
+            </a:avLst>
+          </a:prstGeom>
+          <a:ln>
+            <a:headEnd type="arrow"/>
+            <a:tailEnd type="arrow"/>
+          </a:ln>
+        </p:spPr>
+        <p:style>
+          <a:lnRef idx="3">
+            <a:schemeClr val="dk1"/>
+          </a:lnRef>
+          <a:fillRef idx="0">
+            <a:schemeClr val="dk1"/>
+          </a:fillRef>
+          <a:effectRef idx="2">
+            <a:schemeClr val="dk1"/>
+          </a:effectRef>
+          <a:fontRef idx="minor">
+            <a:schemeClr val="tx1"/>
+          </a:fontRef>
+        </p:style>
+      </p:cxnSp>
+      <p:grpSp>
+        <p:nvGrpSpPr>
+          <p:cNvPr id="5" name="Группа 4"/>
+          <p:cNvGrpSpPr/>
+          <p:nvPr/>
+        </p:nvGrpSpPr>
+        <p:grpSpPr>
+          <a:xfrm>
+            <a:off x="279805" y="3204942"/>
+            <a:ext cx="1592231" cy="1151498"/>
+            <a:chOff x="251519" y="3530504"/>
+            <a:chExt cx="1592231" cy="1266648"/>
+          </a:xfrm>
+        </p:grpSpPr>
+        <p:pic>
+          <p:nvPicPr>
+            <p:cNvPr id="6" name="Объект 5"/>
+            <p:cNvPicPr>
+              <a:picLocks noChangeAspect="1"/>
+            </p:cNvPicPr>
+            <p:nvPr/>
+          </p:nvPicPr>
+          <p:blipFill>
+            <a:blip r:embed="rId3" cstate="print">
+              <a:extLst>
+                <a:ext uri="{28A0092B-C50C-407E-A947-70E740481C1C}">
+                  <a14:useLocalDpi xmlns:a14="http://schemas.microsoft.com/office/drawing/2010/main" val="0"/>
+                </a:ext>
+              </a:extLst>
+            </a:blip>
+            <a:stretch>
+              <a:fillRect/>
+            </a:stretch>
+          </p:blipFill>
+          <p:spPr>
+            <a:xfrm>
+              <a:off x="453589" y="3530504"/>
+              <a:ext cx="997904" cy="997904"/>
+            </a:xfrm>
+            <a:prstGeom prst="rect">
+              <a:avLst/>
+            </a:prstGeom>
+          </p:spPr>
+        </p:pic>
+        <p:sp>
+          <p:nvSpPr>
+            <p:cNvPr id="7" name="TextBox 6"/>
+            <p:cNvSpPr txBox="1"/>
+            <p:nvPr/>
+          </p:nvSpPr>
+          <p:spPr>
+            <a:xfrm>
+              <a:off x="251519" y="4427820"/>
+              <a:ext cx="1592231" cy="369332"/>
+            </a:xfrm>
+            <a:prstGeom prst="rect">
+              <a:avLst/>
+            </a:prstGeom>
+            <a:noFill/>
+          </p:spPr>
+          <p:txBody>
+            <a:bodyPr wrap="none" rtlCol="0">
+              <a:spAutoFit/>
+            </a:bodyPr>
+            <a:lstStyle/>
+            <a:p>
+              <a:r>
+                <a:rPr lang="en-US" dirty="0" smtClean="0"/>
+                <a:t>POS-</a:t>
+              </a:r>
+              <a:r>
+                <a:rPr lang="ru-RU" dirty="0" smtClean="0"/>
+                <a:t>Терминал</a:t>
+              </a:r>
+              <a:endParaRPr lang="ru-RU" dirty="0"/>
+            </a:p>
+          </p:txBody>
+        </p:sp>
+      </p:grpSp>
+      <p:sp>
+        <p:nvSpPr>
+          <p:cNvPr id="8" name="TextBox 7"/>
+          <p:cNvSpPr txBox="1"/>
+          <p:nvPr/>
+        </p:nvSpPr>
+        <p:spPr>
+          <a:xfrm>
+            <a:off x="2091220" y="4083683"/>
+            <a:ext cx="1135183" cy="369332"/>
+          </a:xfrm>
+          <a:prstGeom prst="rect">
+            <a:avLst/>
+          </a:prstGeom>
+          <a:noFill/>
+        </p:spPr>
+        <p:txBody>
+          <a:bodyPr wrap="none" rtlCol="0">
+            <a:spAutoFit/>
+          </a:bodyPr>
+          <a:lstStyle/>
+          <a:p>
+            <a:r>
+              <a:rPr lang="ru-RU" dirty="0" smtClean="0"/>
+              <a:t>Оператор</a:t>
+            </a:r>
+            <a:endParaRPr lang="ru-RU" dirty="0"/>
+          </a:p>
+        </p:txBody>
+      </p:sp>
+      <p:pic>
+        <p:nvPicPr>
+          <p:cNvPr id="9" name="Рисунок 8"/>
+          <p:cNvPicPr>
+            <a:picLocks noChangeAspect="1"/>
+          </p:cNvPicPr>
+          <p:nvPr/>
+        </p:nvPicPr>
+        <p:blipFill>
+          <a:blip r:embed="rId2" cstate="print">
+            <a:extLst>
+              <a:ext uri="{28A0092B-C50C-407E-A947-70E740481C1C}">
+                <a14:useLocalDpi xmlns:a14="http://schemas.microsoft.com/office/drawing/2010/main" val="0"/>
+              </a:ext>
+            </a:extLst>
+          </a:blip>
+          <a:stretch>
+            <a:fillRect/>
+          </a:stretch>
+        </p:blipFill>
+        <p:spPr>
+          <a:xfrm>
+            <a:off x="5652120" y="1412776"/>
+            <a:ext cx="1178313" cy="1178313"/>
+          </a:xfrm>
+          <a:prstGeom prst="rect">
+            <a:avLst/>
+          </a:prstGeom>
+        </p:spPr>
+      </p:pic>
+      <p:pic>
+        <p:nvPicPr>
+          <p:cNvPr id="10" name="Рисунок 9"/>
+          <p:cNvPicPr>
+            <a:picLocks noChangeAspect="1"/>
+          </p:cNvPicPr>
+          <p:nvPr/>
+        </p:nvPicPr>
+        <p:blipFill>
+          <a:blip r:embed="rId2" cstate="print">
+            <a:extLst>
+              <a:ext uri="{28A0092B-C50C-407E-A947-70E740481C1C}">
+                <a14:useLocalDpi xmlns:a14="http://schemas.microsoft.com/office/drawing/2010/main" val="0"/>
+              </a:ext>
+            </a:extLst>
+          </a:blip>
+          <a:stretch>
+            <a:fillRect/>
+          </a:stretch>
+        </p:blipFill>
+        <p:spPr>
+          <a:xfrm>
+            <a:off x="5652119" y="4112127"/>
+            <a:ext cx="1178313" cy="1178313"/>
+          </a:xfrm>
+          <a:prstGeom prst="rect">
+            <a:avLst/>
+          </a:prstGeom>
+        </p:spPr>
+      </p:pic>
+      <p:sp>
+        <p:nvSpPr>
+          <p:cNvPr id="11" name="TextBox 10"/>
+          <p:cNvSpPr txBox="1"/>
+          <p:nvPr/>
+        </p:nvSpPr>
+        <p:spPr>
+          <a:xfrm>
+            <a:off x="5695250" y="2591089"/>
+            <a:ext cx="1172116" cy="369332"/>
+          </a:xfrm>
+          <a:prstGeom prst="rect">
+            <a:avLst/>
+          </a:prstGeom>
+          <a:noFill/>
+        </p:spPr>
+        <p:txBody>
+          <a:bodyPr wrap="none" rtlCol="0">
+            <a:spAutoFit/>
+          </a:bodyPr>
+          <a:lstStyle/>
+          <a:p>
+            <a:r>
+              <a:rPr lang="ru-RU" dirty="0" err="1" smtClean="0"/>
+              <a:t>Эквайер</a:t>
+            </a:r>
+            <a:r>
+              <a:rPr lang="ru-RU" dirty="0" smtClean="0"/>
+              <a:t> 1</a:t>
+            </a:r>
+            <a:endParaRPr lang="ru-RU" dirty="0"/>
+          </a:p>
+        </p:txBody>
+      </p:sp>
+      <p:sp>
+        <p:nvSpPr>
+          <p:cNvPr id="12" name="TextBox 11"/>
+          <p:cNvSpPr txBox="1"/>
+          <p:nvPr/>
+        </p:nvSpPr>
+        <p:spPr>
+          <a:xfrm>
+            <a:off x="5695250" y="5355261"/>
+            <a:ext cx="1172116" cy="369332"/>
+          </a:xfrm>
+          <a:prstGeom prst="rect">
+            <a:avLst/>
+          </a:prstGeom>
+          <a:noFill/>
+        </p:spPr>
+        <p:txBody>
+          <a:bodyPr wrap="none" rtlCol="0">
+            <a:spAutoFit/>
+          </a:bodyPr>
+          <a:lstStyle/>
+          <a:p>
+            <a:r>
+              <a:rPr lang="ru-RU" dirty="0" err="1" smtClean="0"/>
+              <a:t>Эквайер</a:t>
+            </a:r>
+            <a:r>
+              <a:rPr lang="ru-RU" dirty="0" smtClean="0"/>
+              <a:t> 2</a:t>
+            </a:r>
+            <a:endParaRPr lang="ru-RU" dirty="0"/>
+          </a:p>
+        </p:txBody>
+      </p:sp>
+      <p:cxnSp>
+        <p:nvCxnSpPr>
+          <p:cNvPr id="14" name="Соединительная линия уступом 13"/>
+          <p:cNvCxnSpPr>
+            <a:stCxn id="3" idx="3"/>
+          </p:cNvCxnSpPr>
+          <p:nvPr/>
+        </p:nvCxnSpPr>
+        <p:spPr>
+          <a:xfrm flipV="1">
+            <a:off x="3290265" y="2001932"/>
+            <a:ext cx="2577879" cy="1495268"/>
+          </a:xfrm>
+          <a:prstGeom prst="bentConnector3">
+            <a:avLst/>
+          </a:prstGeom>
+          <a:ln w="19050">
+            <a:headEnd type="arrow"/>
+            <a:tailEnd type="arrow"/>
+          </a:ln>
+        </p:spPr>
+        <p:style>
+          <a:lnRef idx="1">
+            <a:schemeClr val="accent1"/>
+          </a:lnRef>
+          <a:fillRef idx="0">
+            <a:schemeClr val="accent1"/>
+          </a:fillRef>
+          <a:effectRef idx="0">
+            <a:schemeClr val="accent1"/>
+          </a:effectRef>
+          <a:fontRef idx="minor">
+            <a:schemeClr val="tx1"/>
+          </a:fontRef>
+        </p:style>
+      </p:cxnSp>
+      <p:sp>
+        <p:nvSpPr>
+          <p:cNvPr id="15" name="Умножение 14"/>
+          <p:cNvSpPr/>
+          <p:nvPr/>
+        </p:nvSpPr>
+        <p:spPr>
+          <a:xfrm>
+            <a:off x="4122004" y="2278845"/>
+            <a:ext cx="914400" cy="914400"/>
+          </a:xfrm>
+          <a:prstGeom prst="mathMultiply">
+            <a:avLst/>
+          </a:prstGeom>
+          <a:solidFill>
+            <a:srgbClr val="FF0000"/>
+          </a:solidFill>
+        </p:spPr>
+        <p:style>
+          <a:lnRef idx="2">
+            <a:schemeClr val="accent1">
+              <a:shade val="50000"/>
+            </a:schemeClr>
+          </a:lnRef>
+          <a:fillRef idx="1">
+            <a:schemeClr val="accent1"/>
+          </a:fillRef>
+          <a:effectRef idx="0">
+            <a:schemeClr val="accent1"/>
+          </a:effectRef>
+          <a:fontRef idx="minor">
+            <a:schemeClr val="lt1"/>
+          </a:fontRef>
+        </p:style>
+        <p:txBody>
+          <a:bodyPr rtlCol="0" anchor="ctr"/>
+          <a:lstStyle/>
+          <a:p>
+            <a:pPr algn="ctr"/>
+            <a:endParaRPr lang="ru-RU">
+              <a:solidFill>
+                <a:srgbClr val="FF0000"/>
+              </a:solidFill>
+            </a:endParaRPr>
+          </a:p>
+        </p:txBody>
+      </p:sp>
+      <p:cxnSp>
+        <p:nvCxnSpPr>
+          <p:cNvPr id="19" name="Соединительная линия уступом 18"/>
+          <p:cNvCxnSpPr/>
+          <p:nvPr/>
+        </p:nvCxnSpPr>
+        <p:spPr>
+          <a:xfrm>
+            <a:off x="3290265" y="3658534"/>
+            <a:ext cx="2577879" cy="1042750"/>
+          </a:xfrm>
+          <a:prstGeom prst="bentConnector3">
+            <a:avLst>
+              <a:gd name="adj1" fmla="val 50000"/>
+            </a:avLst>
+          </a:prstGeom>
+          <a:ln w="19050">
+            <a:solidFill>
+              <a:srgbClr val="00B050"/>
+            </a:solidFill>
+            <a:headEnd type="arrow"/>
+            <a:tailEnd type="arrow"/>
+          </a:ln>
+        </p:spPr>
+        <p:style>
+          <a:lnRef idx="1">
+            <a:schemeClr val="accent1"/>
+          </a:lnRef>
+          <a:fillRef idx="0">
+            <a:schemeClr val="accent1"/>
+          </a:fillRef>
+          <a:effectRef idx="0">
+            <a:schemeClr val="accent1"/>
+          </a:effectRef>
+          <a:fontRef idx="minor">
+            <a:schemeClr val="tx1"/>
+          </a:fontRef>
+        </p:style>
+      </p:cxnSp>
+    </p:spTree>
+    <p:extLst>
+      <p:ext uri="{BB962C8B-B14F-4D97-AF65-F5344CB8AC3E}">
+        <p14:creationId xmlns:p14="http://schemas.microsoft.com/office/powerpoint/2010/main" val="2677823215"/>
+      </p:ext>
+    </p:extLst>
+  </p:cSld>
+  <p:clrMapOvr>
+    <a:masterClrMapping/>
+  </p:clrMapOvr>
+  <p:timing>
+    <p:tnLst>
+      <p:par>
+        <p:cTn id="1" dur="indefinite" restart="never" nodeType="tmRoot">
+          <p:childTnLst>
+            <p:seq concurrent="1" nextAc="seek">
+              <p:cTn id="2" dur="indefinite" nodeType="mainSeq">
+                <p:childTnLst>
+                  <p:par>
+                    <p:cTn id="3" fill="hold">
+                      <p:stCondLst>
+                        <p:cond delay="indefinite"/>
+                      </p:stCondLst>
+                      <p:childTnLst>
+                        <p:par>
+                          <p:cTn id="4" fill="hold">
+                            <p:stCondLst>
+                              <p:cond delay="0"/>
+                            </p:stCondLst>
+                            <p:childTnLst>
+                              <p:par>
+                                <p:cTn id="5" presetID="16" presetClass="entr" presetSubtype="21" fill="hold" nodeType="clickEffect">
+                                  <p:stCondLst>
+                                    <p:cond delay="0"/>
+                                  </p:stCondLst>
+                                  <p:childTnLst>
+                                    <p:set>
+                                      <p:cBhvr>
+                                        <p:cTn id="6" dur="1" fill="hold">
+                                          <p:stCondLst>
+                                            <p:cond delay="0"/>
+                                          </p:stCondLst>
+                                        </p:cTn>
+                                        <p:tgtEl>
+                                          <p:spTgt spid="14"/>
+                                        </p:tgtEl>
+                                        <p:attrNameLst>
+                                          <p:attrName>style.visibility</p:attrName>
+                                        </p:attrNameLst>
+                                      </p:cBhvr>
+                                      <p:to>
+                                        <p:strVal val="visible"/>
+                                      </p:to>
+                                    </p:set>
+                                    <p:animEffect transition="in" filter="barn(inVertical)">
+                                      <p:cBhvr>
+                                        <p:cTn id="7" dur="500"/>
+                                        <p:tgtEl>
+                                          <p:spTgt spid="14"/>
+                                        </p:tgtEl>
+                                      </p:cBhvr>
+                                    </p:animEffect>
+                                  </p:childTnLst>
+                                </p:cTn>
+                              </p:par>
+                            </p:childTnLst>
+                          </p:cTn>
+                        </p:par>
+                      </p:childTnLst>
+                    </p:cTn>
+                  </p:par>
+                  <p:par>
+                    <p:cTn id="8" fill="hold">
+                      <p:stCondLst>
+                        <p:cond delay="indefinite"/>
+                      </p:stCondLst>
+                      <p:childTnLst>
+                        <p:par>
+                          <p:cTn id="9" fill="hold">
+                            <p:stCondLst>
+                              <p:cond delay="0"/>
+                            </p:stCondLst>
+                            <p:childTnLst>
+                              <p:par>
+                                <p:cTn id="10" presetID="6" presetClass="entr" presetSubtype="16" fill="hold" grpId="0" nodeType="clickEffect">
+                                  <p:stCondLst>
+                                    <p:cond delay="0"/>
+                                  </p:stCondLst>
+                                  <p:childTnLst>
+                                    <p:set>
+                                      <p:cBhvr>
+                                        <p:cTn id="11" dur="1" fill="hold">
+                                          <p:stCondLst>
+                                            <p:cond delay="0"/>
+                                          </p:stCondLst>
+                                        </p:cTn>
+                                        <p:tgtEl>
+                                          <p:spTgt spid="15"/>
+                                        </p:tgtEl>
+                                        <p:attrNameLst>
+                                          <p:attrName>style.visibility</p:attrName>
+                                        </p:attrNameLst>
+                                      </p:cBhvr>
+                                      <p:to>
+                                        <p:strVal val="visible"/>
+                                      </p:to>
+                                    </p:set>
+                                    <p:animEffect transition="in" filter="circle(in)">
+                                      <p:cBhvr>
+                                        <p:cTn id="12" dur="2000"/>
+                                        <p:tgtEl>
+                                          <p:spTgt spid="15"/>
+                                        </p:tgtEl>
+                                      </p:cBhvr>
+                                    </p:animEffect>
+                                  </p:childTnLst>
+                                </p:cTn>
+                              </p:par>
+                            </p:childTnLst>
+                          </p:cTn>
+                        </p:par>
+                      </p:childTnLst>
+                    </p:cTn>
+                  </p:par>
+                  <p:par>
+                    <p:cTn id="13" fill="hold">
+                      <p:stCondLst>
+                        <p:cond delay="indefinite"/>
+                      </p:stCondLst>
+                      <p:childTnLst>
+                        <p:par>
+                          <p:cTn id="14" fill="hold">
+                            <p:stCondLst>
+                              <p:cond delay="0"/>
+                            </p:stCondLst>
+                            <p:childTnLst>
+                              <p:par>
+                                <p:cTn id="15" presetID="16" presetClass="entr" presetSubtype="21" fill="hold" nodeType="clickEffect">
+                                  <p:stCondLst>
+                                    <p:cond delay="0"/>
+                                  </p:stCondLst>
+                                  <p:childTnLst>
+                                    <p:set>
+                                      <p:cBhvr>
+                                        <p:cTn id="16" dur="1" fill="hold">
+                                          <p:stCondLst>
+                                            <p:cond delay="0"/>
+                                          </p:stCondLst>
+                                        </p:cTn>
+                                        <p:tgtEl>
+                                          <p:spTgt spid="19"/>
+                                        </p:tgtEl>
+                                        <p:attrNameLst>
+                                          <p:attrName>style.visibility</p:attrName>
+                                        </p:attrNameLst>
+                                      </p:cBhvr>
+                                      <p:to>
+                                        <p:strVal val="visible"/>
+                                      </p:to>
+                                    </p:set>
+                                    <p:animEffect transition="in" filter="barn(inVertical)">
+                                      <p:cBhvr>
+                                        <p:cTn id="17" dur="500"/>
+                                        <p:tgtEl>
+                                          <p:spTgt spid="19"/>
+                                        </p:tgtEl>
+                                      </p:cBhvr>
+                                    </p:animEffect>
+                                  </p:childTnLst>
+                                </p:cTn>
+                              </p:par>
+                            </p:childTnLst>
+                          </p:cTn>
+                        </p:par>
+                      </p:childTnLst>
+                    </p:cTn>
+                  </p:par>
+                </p:childTnLst>
+              </p:cTn>
+              <p:prevCondLst>
+                <p:cond evt="onPrev" delay="0">
+                  <p:tgtEl>
+                    <p:sldTgt/>
+                  </p:tgtEl>
+                </p:cond>
+              </p:prevCondLst>
+              <p:nextCondLst>
+                <p:cond evt="onNext" delay="0">
+                  <p:tgtEl>
+                    <p:sldTgt/>
+                  </p:tgtEl>
+                </p:cond>
+              </p:nextCondLst>
+            </p:seq>
+          </p:childTnLst>
+        </p:cTn>
+      </p:par>
+    </p:tnLst>
+    <p:bldLst>
+      <p:bldP spid="15" grpId="0" animBg="1"/>
+    </p:bldLst>
+  </p:timing>
+</p:sld>
+</file>
+
+<file path=ppt/slides/slide8.xml><?xml version="1.0" encoding="utf-8"?>
+<p:sld xmlns:a="http://schemas.openxmlformats.org/drawingml/2006/main" xmlns:r="http://schemas.openxmlformats.org/officeDocument/2006/relationships" xmlns:p="http://schemas.openxmlformats.org/presentationml/2006/main">
+  <p:cSld>
+    <p:spTree>
+      <p:nvGrpSpPr>
+        <p:cNvPr id="1" name=""/>
+        <p:cNvGrpSpPr/>
+        <p:nvPr/>
+      </p:nvGrpSpPr>
+      <p:grpSpPr>
+        <a:xfrm>
+          <a:off x="0" y="0"/>
+          <a:ext cx="0" cy="0"/>
+          <a:chOff x="0" y="0"/>
+          <a:chExt cx="0" cy="0"/>
+        </a:xfrm>
+      </p:grpSpPr>
+      <p:sp>
+        <p:nvSpPr>
+          <p:cNvPr id="2" name="Заголовок 1"/>
+          <p:cNvSpPr>
+            <a:spLocks noGrp="1"/>
+          </p:cNvSpPr>
+          <p:nvPr>
+            <p:ph type="title"/>
+          </p:nvPr>
+        </p:nvSpPr>
+        <p:spPr/>
+        <p:txBody>
+          <a:bodyPr/>
+          <a:lstStyle/>
+          <a:p>
+            <a:r>
+              <a:rPr lang="ru-RU" dirty="0" smtClean="0">
+                <a:solidFill>
+                  <a:srgbClr val="00B050"/>
+                </a:solidFill>
+              </a:rPr>
+              <a:t>Снижение издержек вхождения</a:t>
+            </a:r>
+            <a:endParaRPr lang="ru-RU" dirty="0">
+              <a:solidFill>
+                <a:srgbClr val="00B050"/>
+              </a:solidFill>
+            </a:endParaRPr>
+          </a:p>
+        </p:txBody>
+      </p:sp>
+      <p:sp>
+        <p:nvSpPr>
+          <p:cNvPr id="3" name="TextBox 2"/>
+          <p:cNvSpPr txBox="1"/>
+          <p:nvPr/>
+        </p:nvSpPr>
+        <p:spPr>
+          <a:xfrm>
+            <a:off x="724879" y="2132856"/>
+            <a:ext cx="4762009" cy="461665"/>
+          </a:xfrm>
+          <a:prstGeom prst="rect">
+            <a:avLst/>
+          </a:prstGeom>
+          <a:noFill/>
+        </p:spPr>
+        <p:txBody>
+          <a:bodyPr wrap="none" rtlCol="0">
+            <a:spAutoFit/>
+          </a:bodyPr>
+          <a:lstStyle/>
+          <a:p>
+            <a:r>
+              <a:rPr lang="ru-RU" sz="2400" dirty="0" smtClean="0"/>
+              <a:t>Тиражирование типового решения</a:t>
+            </a:r>
+            <a:endParaRPr lang="ru-RU" sz="2400" dirty="0"/>
+          </a:p>
+        </p:txBody>
+      </p:sp>
+      <p:sp>
+        <p:nvSpPr>
+          <p:cNvPr id="4" name="TextBox 3"/>
+          <p:cNvSpPr txBox="1"/>
+          <p:nvPr/>
+        </p:nvSpPr>
+        <p:spPr>
+          <a:xfrm>
+            <a:off x="724879" y="3140968"/>
+            <a:ext cx="7711022" cy="461665"/>
+          </a:xfrm>
+          <a:prstGeom prst="rect">
+            <a:avLst/>
+          </a:prstGeom>
+          <a:noFill/>
+        </p:spPr>
+        <p:txBody>
+          <a:bodyPr wrap="none" rtlCol="0">
+            <a:spAutoFit/>
+          </a:bodyPr>
+          <a:lstStyle/>
+          <a:p>
+            <a:r>
+              <a:rPr lang="ru-RU" sz="2400" dirty="0" smtClean="0"/>
+              <a:t>Снижение трат на лицензирование вспомогательного ПО</a:t>
+            </a:r>
+            <a:endParaRPr lang="ru-RU" sz="2400" dirty="0"/>
+          </a:p>
+        </p:txBody>
+      </p:sp>
+      <p:sp>
+        <p:nvSpPr>
+          <p:cNvPr id="5" name="TextBox 4"/>
+          <p:cNvSpPr txBox="1"/>
+          <p:nvPr/>
+        </p:nvSpPr>
+        <p:spPr>
+          <a:xfrm>
+            <a:off x="724879" y="4149080"/>
+            <a:ext cx="7358425" cy="830997"/>
+          </a:xfrm>
+          <a:prstGeom prst="rect">
+            <a:avLst/>
+          </a:prstGeom>
+          <a:noFill/>
+        </p:spPr>
+        <p:txBody>
+          <a:bodyPr wrap="none" rtlCol="0">
+            <a:spAutoFit/>
+          </a:bodyPr>
+          <a:lstStyle/>
+          <a:p>
+            <a:r>
+              <a:rPr lang="ru-RU" sz="2400" dirty="0" smtClean="0"/>
+              <a:t>Отсутствие лицензионных отчислений на регистрацию</a:t>
+            </a:r>
+          </a:p>
+          <a:p>
+            <a:r>
+              <a:rPr lang="ru-RU" sz="2400" dirty="0" smtClean="0"/>
+              <a:t>точек в ПЦ </a:t>
+            </a:r>
+            <a:r>
+              <a:rPr lang="ru-RU" sz="2400" dirty="0" err="1" smtClean="0"/>
+              <a:t>эквайеров</a:t>
+            </a:r>
+            <a:endParaRPr lang="ru-RU" sz="2400" dirty="0"/>
+          </a:p>
+        </p:txBody>
+      </p:sp>
+    </p:spTree>
+    <p:extLst>
+      <p:ext uri="{BB962C8B-B14F-4D97-AF65-F5344CB8AC3E}">
+        <p14:creationId xmlns:p14="http://schemas.microsoft.com/office/powerpoint/2010/main" val="620125467"/>
+      </p:ext>
+    </p:extLst>
+  </p:cSld>
+  <p:clrMapOvr>
+    <a:masterClrMapping/>
+  </p:clrMapOvr>
+  <p:timing>
+    <p:tnLst>
+      <p:par>
+        <p:cTn id="1" dur="indefinite" restart="never" nodeType="tmRoot">
+          <p:childTnLst>
+            <p:seq concurrent="1" nextAc="seek">
+              <p:cTn id="2" dur="indefinite" nodeType="mainSeq">
+                <p:childTnLst>
+                  <p:par>
+                    <p:cTn id="3" fill="hold">
+                      <p:stCondLst>
+                        <p:cond delay="indefinite"/>
+                      </p:stCondLst>
+                      <p:childTnLst>
+                        <p:par>
+                          <p:cTn id="4" fill="hold">
+                            <p:stCondLst>
+                              <p:cond delay="0"/>
+                            </p:stCondLst>
+                            <p:childTnLst>
+                              <p:par>
+                                <p:cTn id="5" presetID="10" presetClass="entr" presetSubtype="0" fill="hold" grpId="0" nodeType="clickEffect">
+                                  <p:stCondLst>
+                                    <p:cond delay="0"/>
+                                  </p:stCondLst>
+                                  <p:childTnLst>
+                                    <p:set>
+                                      <p:cBhvr>
+                                        <p:cTn id="6" dur="1" fill="hold">
+                                          <p:stCondLst>
+                                            <p:cond delay="0"/>
+                                          </p:stCondLst>
+                                        </p:cTn>
+                                        <p:tgtEl>
+                                          <p:spTgt spid="3"/>
+                                        </p:tgtEl>
+                                        <p:attrNameLst>
+                                          <p:attrName>style.visibility</p:attrName>
+                                        </p:attrNameLst>
+                                      </p:cBhvr>
+                                      <p:to>
+                                        <p:strVal val="visible"/>
+                                      </p:to>
+                                    </p:set>
+                                    <p:animEffect transition="in" filter="fade">
+                                      <p:cBhvr>
+                                        <p:cTn id="7" dur="500"/>
+                                        <p:tgtEl>
+                                          <p:spTgt spid="3"/>
+                                        </p:tgtEl>
+                                      </p:cBhvr>
+                                    </p:animEffect>
+                                  </p:childTnLst>
+                                </p:cTn>
+                              </p:par>
+                            </p:childTnLst>
+                          </p:cTn>
+                        </p:par>
+                      </p:childTnLst>
+                    </p:cTn>
+                  </p:par>
+                  <p:par>
+                    <p:cTn id="8" fill="hold">
+                      <p:stCondLst>
+                        <p:cond delay="indefinite"/>
+                      </p:stCondLst>
+                      <p:childTnLst>
+                        <p:par>
+                          <p:cTn id="9" fill="hold">
+                            <p:stCondLst>
+                              <p:cond delay="0"/>
+                            </p:stCondLst>
+                            <p:childTnLst>
+                              <p:par>
+                                <p:cTn id="10" presetID="10" presetClass="entr" presetSubtype="0" fill="hold" grpId="0" nodeType="clickEffect">
+                                  <p:stCondLst>
+                                    <p:cond delay="0"/>
+                                  </p:stCondLst>
+                                  <p:childTnLst>
+                                    <p:set>
+                                      <p:cBhvr>
+                                        <p:cTn id="11" dur="1" fill="hold">
+                                          <p:stCondLst>
+                                            <p:cond delay="0"/>
+                                          </p:stCondLst>
+                                        </p:cTn>
+                                        <p:tgtEl>
+                                          <p:spTgt spid="4"/>
+                                        </p:tgtEl>
+                                        <p:attrNameLst>
+                                          <p:attrName>style.visibility</p:attrName>
+                                        </p:attrNameLst>
+                                      </p:cBhvr>
+                                      <p:to>
+                                        <p:strVal val="visible"/>
+                                      </p:to>
+                                    </p:set>
+                                    <p:animEffect transition="in" filter="fade">
+                                      <p:cBhvr>
+                                        <p:cTn id="12" dur="500"/>
+                                        <p:tgtEl>
+                                          <p:spTgt spid="4"/>
+                                        </p:tgtEl>
+                                      </p:cBhvr>
+                                    </p:animEffect>
+                                  </p:childTnLst>
+                                </p:cTn>
+                              </p:par>
+                            </p:childTnLst>
+                          </p:cTn>
+                        </p:par>
+                      </p:childTnLst>
+                    </p:cTn>
+                  </p:par>
+                  <p:par>
+                    <p:cTn id="13" fill="hold">
+                      <p:stCondLst>
+                        <p:cond delay="indefinite"/>
+                      </p:stCondLst>
+                      <p:childTnLst>
+                        <p:par>
+                          <p:cTn id="14" fill="hold">
+                            <p:stCondLst>
+                              <p:cond delay="0"/>
+                            </p:stCondLst>
+                            <p:childTnLst>
+                              <p:par>
+                                <p:cTn id="15" presetID="10" presetClass="entr" presetSubtype="0" fill="hold" grpId="0" nodeType="clickEffect">
+                                  <p:stCondLst>
+                                    <p:cond delay="0"/>
+                                  </p:stCondLst>
+                                  <p:childTnLst>
+                                    <p:set>
+                                      <p:cBhvr>
+                                        <p:cTn id="16" dur="1" fill="hold">
+                                          <p:stCondLst>
+                                            <p:cond delay="0"/>
+                                          </p:stCondLst>
+                                        </p:cTn>
+                                        <p:tgtEl>
+                                          <p:spTgt spid="5"/>
+                                        </p:tgtEl>
+                                        <p:attrNameLst>
+                                          <p:attrName>style.visibility</p:attrName>
+                                        </p:attrNameLst>
+                                      </p:cBhvr>
+                                      <p:to>
+                                        <p:strVal val="visible"/>
+                                      </p:to>
+                                    </p:set>
+                                    <p:animEffect transition="in" filter="fade">
+                                      <p:cBhvr>
+                                        <p:cTn id="17" dur="500"/>
+                                        <p:tgtEl>
+                                          <p:spTgt spid="5"/>
+                                        </p:tgtEl>
+                                      </p:cBhvr>
+                                    </p:animEffect>
+                                  </p:childTnLst>
+                                </p:cTn>
+                              </p:par>
+                            </p:childTnLst>
+                          </p:cTn>
+                        </p:par>
+                      </p:childTnLst>
+                    </p:cTn>
+                  </p:par>
+                </p:childTnLst>
+              </p:cTn>
+              <p:prevCondLst>
+                <p:cond evt="onPrev" delay="0">
+                  <p:tgtEl>
+                    <p:sldTgt/>
+                  </p:tgtEl>
+                </p:cond>
+              </p:prevCondLst>
+              <p:nextCondLst>
+                <p:cond evt="onNext" delay="0">
+                  <p:tgtEl>
+                    <p:sldTgt/>
+                  </p:tgtEl>
+                </p:cond>
+              </p:nextCondLst>
+            </p:seq>
+          </p:childTnLst>
+        </p:cTn>
+      </p:par>
+    </p:tnLst>
+    <p:bldLst>
+      <p:bldP spid="3" grpId="0"/>
+      <p:bldP spid="4" grpId="0"/>
+      <p:bldP spid="5" grpId="0"/>
+    </p:bldLst>
+  </p:timing>
+</p:sld>
+</file>
+
+<file path=ppt/slides/slide9.xml><?xml version="1.0" encoding="utf-8"?>
+<p:sld xmlns:a="http://schemas.openxmlformats.org/drawingml/2006/main" xmlns:r="http://schemas.openxmlformats.org/officeDocument/2006/relationships" xmlns:p="http://schemas.openxmlformats.org/presentationml/2006/main">
+  <p:cSld>
+    <p:spTree>
+      <p:nvGrpSpPr>
+        <p:cNvPr id="1" name=""/>
+        <p:cNvGrpSpPr/>
+        <p:nvPr/>
+      </p:nvGrpSpPr>
+      <p:grpSpPr>
+        <a:xfrm>
+          <a:off x="0" y="0"/>
+          <a:ext cx="0" cy="0"/>
+          <a:chOff x="0" y="0"/>
+          <a:chExt cx="0" cy="0"/>
+        </a:xfrm>
+      </p:grpSpPr>
+      <p:sp>
+        <p:nvSpPr>
+          <p:cNvPr id="2" name="Заголовок 1"/>
+          <p:cNvSpPr>
+            <a:spLocks noGrp="1"/>
+          </p:cNvSpPr>
+          <p:nvPr>
+            <p:ph type="title"/>
+          </p:nvPr>
+        </p:nvSpPr>
+        <p:spPr/>
+        <p:txBody>
+          <a:bodyPr/>
+          <a:lstStyle/>
+          <a:p>
+            <a:r>
+              <a:rPr lang="ru-RU" dirty="0" smtClean="0">
+                <a:solidFill>
+                  <a:srgbClr val="00B050"/>
+                </a:solidFill>
+              </a:rPr>
+              <a:t>Консолидированная выгода</a:t>
+            </a:r>
+            <a:endParaRPr lang="ru-RU" dirty="0">
+              <a:solidFill>
+                <a:srgbClr val="00B050"/>
+              </a:solidFill>
+            </a:endParaRPr>
+          </a:p>
+        </p:txBody>
+      </p:sp>
+    </p:spTree>
+    <p:extLst>
+      <p:ext uri="{BB962C8B-B14F-4D97-AF65-F5344CB8AC3E}">
+        <p14:creationId xmlns:p14="http://schemas.microsoft.com/office/powerpoint/2010/main" val="107971526"/>
+      </p:ext>
+    </p:extLst>
+  </p:cSld>
+  <p:clrMapOvr>
+    <a:masterClrMapping/>
+  </p:clrMapOvr>
+  <p:timing>
+    <p:tnLst>
+      <p:par>
+        <p:cTn id="1" dur="indefinite" restart="never" nodeType="tmRoot"/>
+      </p:par>
+    </p:tnLst>
+  </p:timing>
+</p:sld>
+</file>
+
 <file path=ppt/theme/theme1.xml><?xml version="1.0" encoding="utf-8"?>
 <a:theme xmlns:a="http://schemas.openxmlformats.org/drawingml/2006/main" name="Тема Office">
   <a:themeElements>

--- a/Docs/Презентация решения.pptx
+++ b/Docs/Презентация решения.pptx
@@ -10,10 +10,12 @@
     <p:sldId id="258" r:id="rId4"/>
     <p:sldId id="259" r:id="rId5"/>
     <p:sldId id="260" r:id="rId6"/>
-    <p:sldId id="261" r:id="rId7"/>
-    <p:sldId id="262" r:id="rId8"/>
-    <p:sldId id="263" r:id="rId9"/>
-    <p:sldId id="264" r:id="rId10"/>
+    <p:sldId id="262" r:id="rId7"/>
+    <p:sldId id="263" r:id="rId8"/>
+    <p:sldId id="264" r:id="rId9"/>
+    <p:sldId id="266" r:id="rId10"/>
+    <p:sldId id="265" r:id="rId11"/>
+    <p:sldId id="267" r:id="rId12"/>
   </p:sldIdLst>
   <p:sldSz cx="9144000" cy="6858000" type="screen4x3"/>
   <p:notesSz cx="6858000" cy="9144000"/>
@@ -296,7 +298,7 @@
           <a:p>
             <a:fld id="{110C5D38-D123-4898-807E-B0322E5CF2C6}" type="datetimeFigureOut">
               <a:rPr lang="ru-RU" smtClean="0"/>
-              <a:t>19.09.2015</a:t>
+              <a:t>20.09.2015</a:t>
             </a:fld>
             <a:endParaRPr lang="ru-RU"/>
           </a:p>
@@ -466,7 +468,7 @@
           <a:p>
             <a:fld id="{110C5D38-D123-4898-807E-B0322E5CF2C6}" type="datetimeFigureOut">
               <a:rPr lang="ru-RU" smtClean="0"/>
-              <a:t>19.09.2015</a:t>
+              <a:t>20.09.2015</a:t>
             </a:fld>
             <a:endParaRPr lang="ru-RU"/>
           </a:p>
@@ -646,7 +648,7 @@
           <a:p>
             <a:fld id="{110C5D38-D123-4898-807E-B0322E5CF2C6}" type="datetimeFigureOut">
               <a:rPr lang="ru-RU" smtClean="0"/>
-              <a:t>19.09.2015</a:t>
+              <a:t>20.09.2015</a:t>
             </a:fld>
             <a:endParaRPr lang="ru-RU"/>
           </a:p>
@@ -816,7 +818,7 @@
           <a:p>
             <a:fld id="{110C5D38-D123-4898-807E-B0322E5CF2C6}" type="datetimeFigureOut">
               <a:rPr lang="ru-RU" smtClean="0"/>
-              <a:t>19.09.2015</a:t>
+              <a:t>20.09.2015</a:t>
             </a:fld>
             <a:endParaRPr lang="ru-RU"/>
           </a:p>
@@ -1062,7 +1064,7 @@
           <a:p>
             <a:fld id="{110C5D38-D123-4898-807E-B0322E5CF2C6}" type="datetimeFigureOut">
               <a:rPr lang="ru-RU" smtClean="0"/>
-              <a:t>19.09.2015</a:t>
+              <a:t>20.09.2015</a:t>
             </a:fld>
             <a:endParaRPr lang="ru-RU"/>
           </a:p>
@@ -1350,7 +1352,7 @@
           <a:p>
             <a:fld id="{110C5D38-D123-4898-807E-B0322E5CF2C6}" type="datetimeFigureOut">
               <a:rPr lang="ru-RU" smtClean="0"/>
-              <a:t>19.09.2015</a:t>
+              <a:t>20.09.2015</a:t>
             </a:fld>
             <a:endParaRPr lang="ru-RU"/>
           </a:p>
@@ -1772,7 +1774,7 @@
           <a:p>
             <a:fld id="{110C5D38-D123-4898-807E-B0322E5CF2C6}" type="datetimeFigureOut">
               <a:rPr lang="ru-RU" smtClean="0"/>
-              <a:t>19.09.2015</a:t>
+              <a:t>20.09.2015</a:t>
             </a:fld>
             <a:endParaRPr lang="ru-RU"/>
           </a:p>
@@ -1890,7 +1892,7 @@
           <a:p>
             <a:fld id="{110C5D38-D123-4898-807E-B0322E5CF2C6}" type="datetimeFigureOut">
               <a:rPr lang="ru-RU" smtClean="0"/>
-              <a:t>19.09.2015</a:t>
+              <a:t>20.09.2015</a:t>
             </a:fld>
             <a:endParaRPr lang="ru-RU"/>
           </a:p>
@@ -1985,7 +1987,7 @@
           <a:p>
             <a:fld id="{110C5D38-D123-4898-807E-B0322E5CF2C6}" type="datetimeFigureOut">
               <a:rPr lang="ru-RU" smtClean="0"/>
-              <a:t>19.09.2015</a:t>
+              <a:t>20.09.2015</a:t>
             </a:fld>
             <a:endParaRPr lang="ru-RU"/>
           </a:p>
@@ -2262,7 +2264,7 @@
           <a:p>
             <a:fld id="{110C5D38-D123-4898-807E-B0322E5CF2C6}" type="datetimeFigureOut">
               <a:rPr lang="ru-RU" smtClean="0"/>
-              <a:t>19.09.2015</a:t>
+              <a:t>20.09.2015</a:t>
             </a:fld>
             <a:endParaRPr lang="ru-RU"/>
           </a:p>
@@ -2515,7 +2517,7 @@
           <a:p>
             <a:fld id="{110C5D38-D123-4898-807E-B0322E5CF2C6}" type="datetimeFigureOut">
               <a:rPr lang="ru-RU" smtClean="0"/>
-              <a:t>19.09.2015</a:t>
+              <a:t>20.09.2015</a:t>
             </a:fld>
             <a:endParaRPr lang="ru-RU"/>
           </a:p>
@@ -2740,7 +2742,7 @@
           <a:p>
             <a:fld id="{110C5D38-D123-4898-807E-B0322E5CF2C6}" type="datetimeFigureOut">
               <a:rPr lang="ru-RU" smtClean="0"/>
-              <a:t>19.09.2015</a:t>
+              <a:t>20.09.2015</a:t>
             </a:fld>
             <a:endParaRPr lang="ru-RU"/>
           </a:p>
@@ -3127,12 +3129,14 @@
         </p:nvSpPr>
         <p:spPr>
           <a:xfrm>
-            <a:off x="755576" y="1124744"/>
+            <a:off x="755576" y="1916832"/>
             <a:ext cx="7772400" cy="1470025"/>
           </a:xfrm>
         </p:spPr>
         <p:txBody>
-          <a:bodyPr/>
+          <a:bodyPr>
+            <a:normAutofit fontScale="90000"/>
+          </a:bodyPr>
           <a:lstStyle/>
           <a:p>
             <a:r>
@@ -3141,7 +3145,7 @@
                   <a:srgbClr val="00B050"/>
                 </a:solidFill>
               </a:rPr>
-              <a:t>Эквайровый</a:t>
+              <a:t>Эквайринговый</a:t>
             </a:r>
             <a:r>
               <a:rPr lang="ru-RU" sz="6000" dirty="0" smtClean="0">
@@ -3179,7 +3183,7 @@
         </p:nvSpPr>
         <p:spPr>
           <a:xfrm>
-            <a:off x="1475656" y="3429000"/>
+            <a:off x="1475656" y="3068960"/>
             <a:ext cx="6400800" cy="1752600"/>
           </a:xfrm>
         </p:spPr>
@@ -3188,20 +3192,12 @@
           <a:lstStyle/>
           <a:p>
             <a:r>
-              <a:rPr lang="ru-RU" dirty="0" smtClean="0">
+              <a:rPr lang="en-US" dirty="0" smtClean="0">
                 <a:solidFill>
-                  <a:schemeClr val="tx1"/>
+                  <a:srgbClr val="00B050"/>
                 </a:solidFill>
               </a:rPr>
-              <a:t>Команда </a:t>
-            </a:r>
-            <a:r>
-              <a:rPr lang="en-US" dirty="0" smtClean="0">
-                <a:solidFill>
-                  <a:schemeClr val="tx1"/>
-                </a:solidFill>
-              </a:rPr>
-              <a:t>Consolidation Technologies</a:t>
+              <a:t>(Acquiring Operator)</a:t>
             </a:r>
             <a:endParaRPr lang="ru-RU" dirty="0">
               <a:solidFill>
@@ -3215,6 +3211,1410 @@
     <p:extLst>
       <p:ext uri="{BB962C8B-B14F-4D97-AF65-F5344CB8AC3E}">
         <p14:creationId xmlns:p14="http://schemas.microsoft.com/office/powerpoint/2010/main" val="1018611001"/>
+      </p:ext>
+    </p:extLst>
+  </p:cSld>
+  <p:clrMapOvr>
+    <a:masterClrMapping/>
+  </p:clrMapOvr>
+  <p:timing>
+    <p:tnLst>
+      <p:par>
+        <p:cTn id="1" dur="indefinite" restart="never" nodeType="tmRoot"/>
+      </p:par>
+    </p:tnLst>
+  </p:timing>
+</p:sld>
+</file>
+
+<file path=ppt/slides/slide10.xml><?xml version="1.0" encoding="utf-8"?>
+<p:sld xmlns:a="http://schemas.openxmlformats.org/drawingml/2006/main" xmlns:r="http://schemas.openxmlformats.org/officeDocument/2006/relationships" xmlns:p="http://schemas.openxmlformats.org/presentationml/2006/main">
+  <p:cSld>
+    <p:spTree>
+      <p:nvGrpSpPr>
+        <p:cNvPr id="1" name=""/>
+        <p:cNvGrpSpPr/>
+        <p:nvPr/>
+      </p:nvGrpSpPr>
+      <p:grpSpPr>
+        <a:xfrm>
+          <a:off x="0" y="0"/>
+          <a:ext cx="0" cy="0"/>
+          <a:chOff x="0" y="0"/>
+          <a:chExt cx="0" cy="0"/>
+        </a:xfrm>
+      </p:grpSpPr>
+      <p:sp>
+        <p:nvSpPr>
+          <p:cNvPr id="2" name="Заголовок 1"/>
+          <p:cNvSpPr>
+            <a:spLocks noGrp="1"/>
+          </p:cNvSpPr>
+          <p:nvPr>
+            <p:ph type="title"/>
+          </p:nvPr>
+        </p:nvSpPr>
+        <p:spPr>
+          <a:xfrm>
+            <a:off x="457200" y="274638"/>
+            <a:ext cx="8229600" cy="850106"/>
+          </a:xfrm>
+        </p:spPr>
+        <p:txBody>
+          <a:bodyPr/>
+          <a:lstStyle/>
+          <a:p>
+            <a:r>
+              <a:rPr lang="ru-RU" dirty="0" smtClean="0">
+                <a:solidFill>
+                  <a:srgbClr val="00B050"/>
+                </a:solidFill>
+              </a:rPr>
+              <a:t>Что дальше?</a:t>
+            </a:r>
+            <a:endParaRPr lang="ru-RU" dirty="0">
+              <a:solidFill>
+                <a:srgbClr val="00B050"/>
+              </a:solidFill>
+            </a:endParaRPr>
+          </a:p>
+        </p:txBody>
+      </p:sp>
+      <p:sp>
+        <p:nvSpPr>
+          <p:cNvPr id="3" name="TextBox 2"/>
+          <p:cNvSpPr txBox="1"/>
+          <p:nvPr/>
+        </p:nvSpPr>
+        <p:spPr>
+          <a:xfrm>
+            <a:off x="998006" y="1475492"/>
+            <a:ext cx="3228769" cy="369332"/>
+          </a:xfrm>
+          <a:prstGeom prst="rect">
+            <a:avLst/>
+          </a:prstGeom>
+          <a:noFill/>
+        </p:spPr>
+        <p:txBody>
+          <a:bodyPr wrap="none" rtlCol="0">
+            <a:spAutoFit/>
+          </a:bodyPr>
+          <a:lstStyle/>
+          <a:p>
+            <a:r>
+              <a:rPr lang="ru-RU" dirty="0" smtClean="0"/>
+              <a:t>Поддержка систем лояльности</a:t>
+            </a:r>
+            <a:endParaRPr lang="ru-RU" dirty="0"/>
+          </a:p>
+        </p:txBody>
+      </p:sp>
+      <p:sp>
+        <p:nvSpPr>
+          <p:cNvPr id="4" name="TextBox 3"/>
+          <p:cNvSpPr txBox="1"/>
+          <p:nvPr/>
+        </p:nvSpPr>
+        <p:spPr>
+          <a:xfrm>
+            <a:off x="976753" y="1988840"/>
+            <a:ext cx="4274375" cy="369332"/>
+          </a:xfrm>
+          <a:prstGeom prst="rect">
+            <a:avLst/>
+          </a:prstGeom>
+          <a:noFill/>
+        </p:spPr>
+        <p:txBody>
+          <a:bodyPr wrap="none" rtlCol="0">
+            <a:spAutoFit/>
+          </a:bodyPr>
+          <a:lstStyle/>
+          <a:p>
+            <a:r>
+              <a:rPr lang="ru-RU" dirty="0" smtClean="0"/>
+              <a:t>Создание консолидированных продуктов</a:t>
+            </a:r>
+            <a:endParaRPr lang="ru-RU" dirty="0"/>
+          </a:p>
+        </p:txBody>
+      </p:sp>
+      <p:sp>
+        <p:nvSpPr>
+          <p:cNvPr id="5" name="TextBox 4"/>
+          <p:cNvSpPr txBox="1"/>
+          <p:nvPr/>
+        </p:nvSpPr>
+        <p:spPr>
+          <a:xfrm>
+            <a:off x="976753" y="2492896"/>
+            <a:ext cx="6544740" cy="369332"/>
+          </a:xfrm>
+          <a:prstGeom prst="rect">
+            <a:avLst/>
+          </a:prstGeom>
+          <a:noFill/>
+        </p:spPr>
+        <p:txBody>
+          <a:bodyPr wrap="none" rtlCol="0">
+            <a:spAutoFit/>
+          </a:bodyPr>
+          <a:lstStyle/>
+          <a:p>
+            <a:r>
+              <a:rPr lang="ru-RU" dirty="0" smtClean="0"/>
+              <a:t>Поддержка миграции эмитента/</a:t>
+            </a:r>
+            <a:r>
+              <a:rPr lang="ru-RU" dirty="0" err="1" smtClean="0"/>
+              <a:t>эквайера</a:t>
+            </a:r>
+            <a:r>
+              <a:rPr lang="ru-RU" dirty="0" smtClean="0"/>
+              <a:t> с одного ПЦ на другой</a:t>
+            </a:r>
+            <a:endParaRPr lang="ru-RU" dirty="0"/>
+          </a:p>
+        </p:txBody>
+      </p:sp>
+      <p:sp>
+        <p:nvSpPr>
+          <p:cNvPr id="6" name="TextBox 5"/>
+          <p:cNvSpPr txBox="1"/>
+          <p:nvPr/>
+        </p:nvSpPr>
+        <p:spPr>
+          <a:xfrm>
+            <a:off x="976753" y="2987660"/>
+            <a:ext cx="4868833" cy="369332"/>
+          </a:xfrm>
+          <a:prstGeom prst="rect">
+            <a:avLst/>
+          </a:prstGeom>
+          <a:noFill/>
+        </p:spPr>
+        <p:txBody>
+          <a:bodyPr wrap="none" rtlCol="0">
+            <a:spAutoFit/>
+          </a:bodyPr>
+          <a:lstStyle/>
+          <a:p>
+            <a:r>
+              <a:rPr lang="ru-RU" dirty="0" smtClean="0"/>
+              <a:t>Поддержка работы эмитента с 2-мя и более ПЦ</a:t>
+            </a:r>
+            <a:endParaRPr lang="ru-RU" dirty="0"/>
+          </a:p>
+        </p:txBody>
+      </p:sp>
+      <p:sp>
+        <p:nvSpPr>
+          <p:cNvPr id="7" name="TextBox 6"/>
+          <p:cNvSpPr txBox="1"/>
+          <p:nvPr/>
+        </p:nvSpPr>
+        <p:spPr>
+          <a:xfrm>
+            <a:off x="958497" y="3419708"/>
+            <a:ext cx="5155001" cy="369332"/>
+          </a:xfrm>
+          <a:prstGeom prst="rect">
+            <a:avLst/>
+          </a:prstGeom>
+          <a:noFill/>
+        </p:spPr>
+        <p:txBody>
+          <a:bodyPr wrap="none" rtlCol="0">
+            <a:spAutoFit/>
+          </a:bodyPr>
+          <a:lstStyle/>
+          <a:p>
+            <a:r>
+              <a:rPr lang="ru-RU" dirty="0" smtClean="0"/>
+              <a:t>Обслуживание альтернативных платёжных систем</a:t>
+            </a:r>
+            <a:endParaRPr lang="ru-RU" dirty="0"/>
+          </a:p>
+        </p:txBody>
+      </p:sp>
+      <p:sp>
+        <p:nvSpPr>
+          <p:cNvPr id="8" name="TextBox 7"/>
+          <p:cNvSpPr txBox="1"/>
+          <p:nvPr/>
+        </p:nvSpPr>
+        <p:spPr>
+          <a:xfrm>
+            <a:off x="958497" y="3923764"/>
+            <a:ext cx="7906139" cy="369332"/>
+          </a:xfrm>
+          <a:prstGeom prst="rect">
+            <a:avLst/>
+          </a:prstGeom>
+          <a:noFill/>
+        </p:spPr>
+        <p:txBody>
+          <a:bodyPr wrap="none" rtlCol="0">
+            <a:spAutoFit/>
+          </a:bodyPr>
+          <a:lstStyle/>
+          <a:p>
+            <a:r>
+              <a:rPr lang="ru-RU" dirty="0" smtClean="0"/>
+              <a:t>Интеграция с магазинами для получения детализации расходов по карт-чеку</a:t>
+            </a:r>
+            <a:endParaRPr lang="ru-RU" dirty="0"/>
+          </a:p>
+        </p:txBody>
+      </p:sp>
+      <p:sp>
+        <p:nvSpPr>
+          <p:cNvPr id="9" name="TextBox 8"/>
+          <p:cNvSpPr txBox="1"/>
+          <p:nvPr/>
+        </p:nvSpPr>
+        <p:spPr>
+          <a:xfrm>
+            <a:off x="976753" y="4427820"/>
+            <a:ext cx="4202048" cy="369332"/>
+          </a:xfrm>
+          <a:prstGeom prst="rect">
+            <a:avLst/>
+          </a:prstGeom>
+          <a:noFill/>
+        </p:spPr>
+        <p:txBody>
+          <a:bodyPr wrap="none" rtlCol="0">
+            <a:spAutoFit/>
+          </a:bodyPr>
+          <a:lstStyle/>
+          <a:p>
+            <a:r>
+              <a:rPr lang="ru-RU" dirty="0" smtClean="0"/>
+              <a:t>Интеграция с ПО учёта личных финансов</a:t>
+            </a:r>
+            <a:endParaRPr lang="ru-RU" dirty="0"/>
+          </a:p>
+        </p:txBody>
+      </p:sp>
+      <p:sp>
+        <p:nvSpPr>
+          <p:cNvPr id="10" name="TextBox 9"/>
+          <p:cNvSpPr txBox="1"/>
+          <p:nvPr/>
+        </p:nvSpPr>
+        <p:spPr>
+          <a:xfrm>
+            <a:off x="976753" y="5003884"/>
+            <a:ext cx="5748497" cy="369332"/>
+          </a:xfrm>
+          <a:prstGeom prst="rect">
+            <a:avLst/>
+          </a:prstGeom>
+          <a:noFill/>
+        </p:spPr>
+        <p:txBody>
+          <a:bodyPr wrap="none" rtlCol="0">
+            <a:spAutoFit/>
+          </a:bodyPr>
+          <a:lstStyle/>
+          <a:p>
+            <a:r>
+              <a:rPr lang="ru-RU" dirty="0" smtClean="0"/>
+              <a:t>Создание альтернативной системы управления рисками</a:t>
+            </a:r>
+            <a:endParaRPr lang="ru-RU" dirty="0"/>
+          </a:p>
+        </p:txBody>
+      </p:sp>
+      <p:sp>
+        <p:nvSpPr>
+          <p:cNvPr id="11" name="TextBox 10"/>
+          <p:cNvSpPr txBox="1"/>
+          <p:nvPr/>
+        </p:nvSpPr>
+        <p:spPr>
+          <a:xfrm>
+            <a:off x="971600" y="5507940"/>
+            <a:ext cx="7163821" cy="369332"/>
+          </a:xfrm>
+          <a:prstGeom prst="rect">
+            <a:avLst/>
+          </a:prstGeom>
+          <a:noFill/>
+        </p:spPr>
+        <p:txBody>
+          <a:bodyPr wrap="none" rtlCol="0">
+            <a:spAutoFit/>
+          </a:bodyPr>
+          <a:lstStyle/>
+          <a:p>
+            <a:r>
+              <a:rPr lang="ru-RU" dirty="0" smtClean="0"/>
+              <a:t>Создание альтернативной системы перевода денег между карточками</a:t>
+            </a:r>
+            <a:endParaRPr lang="ru-RU" dirty="0"/>
+          </a:p>
+        </p:txBody>
+      </p:sp>
+    </p:spTree>
+    <p:extLst>
+      <p:ext uri="{BB962C8B-B14F-4D97-AF65-F5344CB8AC3E}">
+        <p14:creationId xmlns:p14="http://schemas.microsoft.com/office/powerpoint/2010/main" val="2922869396"/>
+      </p:ext>
+    </p:extLst>
+  </p:cSld>
+  <p:clrMapOvr>
+    <a:masterClrMapping/>
+  </p:clrMapOvr>
+  <p:timing>
+    <p:tnLst>
+      <p:par>
+        <p:cTn id="1" dur="indefinite" restart="never" nodeType="tmRoot">
+          <p:childTnLst>
+            <p:seq concurrent="1" nextAc="seek">
+              <p:cTn id="2" dur="indefinite" nodeType="mainSeq">
+                <p:childTnLst>
+                  <p:par>
+                    <p:cTn id="3" fill="hold">
+                      <p:stCondLst>
+                        <p:cond delay="indefinite"/>
+                      </p:stCondLst>
+                      <p:childTnLst>
+                        <p:par>
+                          <p:cTn id="4" fill="hold">
+                            <p:stCondLst>
+                              <p:cond delay="0"/>
+                            </p:stCondLst>
+                            <p:childTnLst>
+                              <p:par>
+                                <p:cTn id="5" presetID="2" presetClass="entr" presetSubtype="4" fill="hold" grpId="0" nodeType="clickEffect">
+                                  <p:stCondLst>
+                                    <p:cond delay="0"/>
+                                  </p:stCondLst>
+                                  <p:childTnLst>
+                                    <p:set>
+                                      <p:cBhvr>
+                                        <p:cTn id="6" dur="1" fill="hold">
+                                          <p:stCondLst>
+                                            <p:cond delay="0"/>
+                                          </p:stCondLst>
+                                        </p:cTn>
+                                        <p:tgtEl>
+                                          <p:spTgt spid="3"/>
+                                        </p:tgtEl>
+                                        <p:attrNameLst>
+                                          <p:attrName>style.visibility</p:attrName>
+                                        </p:attrNameLst>
+                                      </p:cBhvr>
+                                      <p:to>
+                                        <p:strVal val="visible"/>
+                                      </p:to>
+                                    </p:set>
+                                    <p:anim calcmode="lin" valueType="num">
+                                      <p:cBhvr additive="base">
+                                        <p:cTn id="7" dur="500" fill="hold"/>
+                                        <p:tgtEl>
+                                          <p:spTgt spid="3"/>
+                                        </p:tgtEl>
+                                        <p:attrNameLst>
+                                          <p:attrName>ppt_x</p:attrName>
+                                        </p:attrNameLst>
+                                      </p:cBhvr>
+                                      <p:tavLst>
+                                        <p:tav tm="0">
+                                          <p:val>
+                                            <p:strVal val="#ppt_x"/>
+                                          </p:val>
+                                        </p:tav>
+                                        <p:tav tm="100000">
+                                          <p:val>
+                                            <p:strVal val="#ppt_x"/>
+                                          </p:val>
+                                        </p:tav>
+                                      </p:tavLst>
+                                    </p:anim>
+                                    <p:anim calcmode="lin" valueType="num">
+                                      <p:cBhvr additive="base">
+                                        <p:cTn id="8" dur="500" fill="hold"/>
+                                        <p:tgtEl>
+                                          <p:spTgt spid="3"/>
+                                        </p:tgtEl>
+                                        <p:attrNameLst>
+                                          <p:attrName>ppt_y</p:attrName>
+                                        </p:attrNameLst>
+                                      </p:cBhvr>
+                                      <p:tavLst>
+                                        <p:tav tm="0">
+                                          <p:val>
+                                            <p:strVal val="1+#ppt_h/2"/>
+                                          </p:val>
+                                        </p:tav>
+                                        <p:tav tm="100000">
+                                          <p:val>
+                                            <p:strVal val="#ppt_y"/>
+                                          </p:val>
+                                        </p:tav>
+                                      </p:tavLst>
+                                    </p:anim>
+                                  </p:childTnLst>
+                                </p:cTn>
+                              </p:par>
+                            </p:childTnLst>
+                          </p:cTn>
+                        </p:par>
+                      </p:childTnLst>
+                    </p:cTn>
+                  </p:par>
+                  <p:par>
+                    <p:cTn id="9" fill="hold">
+                      <p:stCondLst>
+                        <p:cond delay="indefinite"/>
+                      </p:stCondLst>
+                      <p:childTnLst>
+                        <p:par>
+                          <p:cTn id="10" fill="hold">
+                            <p:stCondLst>
+                              <p:cond delay="0"/>
+                            </p:stCondLst>
+                            <p:childTnLst>
+                              <p:par>
+                                <p:cTn id="11" presetID="2" presetClass="entr" presetSubtype="4" fill="hold" grpId="0" nodeType="clickEffect">
+                                  <p:stCondLst>
+                                    <p:cond delay="0"/>
+                                  </p:stCondLst>
+                                  <p:childTnLst>
+                                    <p:set>
+                                      <p:cBhvr>
+                                        <p:cTn id="12" dur="1" fill="hold">
+                                          <p:stCondLst>
+                                            <p:cond delay="0"/>
+                                          </p:stCondLst>
+                                        </p:cTn>
+                                        <p:tgtEl>
+                                          <p:spTgt spid="4"/>
+                                        </p:tgtEl>
+                                        <p:attrNameLst>
+                                          <p:attrName>style.visibility</p:attrName>
+                                        </p:attrNameLst>
+                                      </p:cBhvr>
+                                      <p:to>
+                                        <p:strVal val="visible"/>
+                                      </p:to>
+                                    </p:set>
+                                    <p:anim calcmode="lin" valueType="num">
+                                      <p:cBhvr additive="base">
+                                        <p:cTn id="13" dur="500" fill="hold"/>
+                                        <p:tgtEl>
+                                          <p:spTgt spid="4"/>
+                                        </p:tgtEl>
+                                        <p:attrNameLst>
+                                          <p:attrName>ppt_x</p:attrName>
+                                        </p:attrNameLst>
+                                      </p:cBhvr>
+                                      <p:tavLst>
+                                        <p:tav tm="0">
+                                          <p:val>
+                                            <p:strVal val="#ppt_x"/>
+                                          </p:val>
+                                        </p:tav>
+                                        <p:tav tm="100000">
+                                          <p:val>
+                                            <p:strVal val="#ppt_x"/>
+                                          </p:val>
+                                        </p:tav>
+                                      </p:tavLst>
+                                    </p:anim>
+                                    <p:anim calcmode="lin" valueType="num">
+                                      <p:cBhvr additive="base">
+                                        <p:cTn id="14" dur="500" fill="hold"/>
+                                        <p:tgtEl>
+                                          <p:spTgt spid="4"/>
+                                        </p:tgtEl>
+                                        <p:attrNameLst>
+                                          <p:attrName>ppt_y</p:attrName>
+                                        </p:attrNameLst>
+                                      </p:cBhvr>
+                                      <p:tavLst>
+                                        <p:tav tm="0">
+                                          <p:val>
+                                            <p:strVal val="1+#ppt_h/2"/>
+                                          </p:val>
+                                        </p:tav>
+                                        <p:tav tm="100000">
+                                          <p:val>
+                                            <p:strVal val="#ppt_y"/>
+                                          </p:val>
+                                        </p:tav>
+                                      </p:tavLst>
+                                    </p:anim>
+                                  </p:childTnLst>
+                                </p:cTn>
+                              </p:par>
+                            </p:childTnLst>
+                          </p:cTn>
+                        </p:par>
+                      </p:childTnLst>
+                    </p:cTn>
+                  </p:par>
+                  <p:par>
+                    <p:cTn id="15" fill="hold">
+                      <p:stCondLst>
+                        <p:cond delay="indefinite"/>
+                      </p:stCondLst>
+                      <p:childTnLst>
+                        <p:par>
+                          <p:cTn id="16" fill="hold">
+                            <p:stCondLst>
+                              <p:cond delay="0"/>
+                            </p:stCondLst>
+                            <p:childTnLst>
+                              <p:par>
+                                <p:cTn id="17" presetID="2" presetClass="entr" presetSubtype="4" fill="hold" grpId="0" nodeType="clickEffect">
+                                  <p:stCondLst>
+                                    <p:cond delay="0"/>
+                                  </p:stCondLst>
+                                  <p:childTnLst>
+                                    <p:set>
+                                      <p:cBhvr>
+                                        <p:cTn id="18" dur="1" fill="hold">
+                                          <p:stCondLst>
+                                            <p:cond delay="0"/>
+                                          </p:stCondLst>
+                                        </p:cTn>
+                                        <p:tgtEl>
+                                          <p:spTgt spid="5"/>
+                                        </p:tgtEl>
+                                        <p:attrNameLst>
+                                          <p:attrName>style.visibility</p:attrName>
+                                        </p:attrNameLst>
+                                      </p:cBhvr>
+                                      <p:to>
+                                        <p:strVal val="visible"/>
+                                      </p:to>
+                                    </p:set>
+                                    <p:anim calcmode="lin" valueType="num">
+                                      <p:cBhvr additive="base">
+                                        <p:cTn id="19" dur="500" fill="hold"/>
+                                        <p:tgtEl>
+                                          <p:spTgt spid="5"/>
+                                        </p:tgtEl>
+                                        <p:attrNameLst>
+                                          <p:attrName>ppt_x</p:attrName>
+                                        </p:attrNameLst>
+                                      </p:cBhvr>
+                                      <p:tavLst>
+                                        <p:tav tm="0">
+                                          <p:val>
+                                            <p:strVal val="#ppt_x"/>
+                                          </p:val>
+                                        </p:tav>
+                                        <p:tav tm="100000">
+                                          <p:val>
+                                            <p:strVal val="#ppt_x"/>
+                                          </p:val>
+                                        </p:tav>
+                                      </p:tavLst>
+                                    </p:anim>
+                                    <p:anim calcmode="lin" valueType="num">
+                                      <p:cBhvr additive="base">
+                                        <p:cTn id="20" dur="500" fill="hold"/>
+                                        <p:tgtEl>
+                                          <p:spTgt spid="5"/>
+                                        </p:tgtEl>
+                                        <p:attrNameLst>
+                                          <p:attrName>ppt_y</p:attrName>
+                                        </p:attrNameLst>
+                                      </p:cBhvr>
+                                      <p:tavLst>
+                                        <p:tav tm="0">
+                                          <p:val>
+                                            <p:strVal val="1+#ppt_h/2"/>
+                                          </p:val>
+                                        </p:tav>
+                                        <p:tav tm="100000">
+                                          <p:val>
+                                            <p:strVal val="#ppt_y"/>
+                                          </p:val>
+                                        </p:tav>
+                                      </p:tavLst>
+                                    </p:anim>
+                                  </p:childTnLst>
+                                </p:cTn>
+                              </p:par>
+                            </p:childTnLst>
+                          </p:cTn>
+                        </p:par>
+                      </p:childTnLst>
+                    </p:cTn>
+                  </p:par>
+                  <p:par>
+                    <p:cTn id="21" fill="hold">
+                      <p:stCondLst>
+                        <p:cond delay="indefinite"/>
+                      </p:stCondLst>
+                      <p:childTnLst>
+                        <p:par>
+                          <p:cTn id="22" fill="hold">
+                            <p:stCondLst>
+                              <p:cond delay="0"/>
+                            </p:stCondLst>
+                            <p:childTnLst>
+                              <p:par>
+                                <p:cTn id="23" presetID="2" presetClass="entr" presetSubtype="4" fill="hold" grpId="0" nodeType="clickEffect">
+                                  <p:stCondLst>
+                                    <p:cond delay="0"/>
+                                  </p:stCondLst>
+                                  <p:childTnLst>
+                                    <p:set>
+                                      <p:cBhvr>
+                                        <p:cTn id="24" dur="1" fill="hold">
+                                          <p:stCondLst>
+                                            <p:cond delay="0"/>
+                                          </p:stCondLst>
+                                        </p:cTn>
+                                        <p:tgtEl>
+                                          <p:spTgt spid="6"/>
+                                        </p:tgtEl>
+                                        <p:attrNameLst>
+                                          <p:attrName>style.visibility</p:attrName>
+                                        </p:attrNameLst>
+                                      </p:cBhvr>
+                                      <p:to>
+                                        <p:strVal val="visible"/>
+                                      </p:to>
+                                    </p:set>
+                                    <p:anim calcmode="lin" valueType="num">
+                                      <p:cBhvr additive="base">
+                                        <p:cTn id="25" dur="500" fill="hold"/>
+                                        <p:tgtEl>
+                                          <p:spTgt spid="6"/>
+                                        </p:tgtEl>
+                                        <p:attrNameLst>
+                                          <p:attrName>ppt_x</p:attrName>
+                                        </p:attrNameLst>
+                                      </p:cBhvr>
+                                      <p:tavLst>
+                                        <p:tav tm="0">
+                                          <p:val>
+                                            <p:strVal val="#ppt_x"/>
+                                          </p:val>
+                                        </p:tav>
+                                        <p:tav tm="100000">
+                                          <p:val>
+                                            <p:strVal val="#ppt_x"/>
+                                          </p:val>
+                                        </p:tav>
+                                      </p:tavLst>
+                                    </p:anim>
+                                    <p:anim calcmode="lin" valueType="num">
+                                      <p:cBhvr additive="base">
+                                        <p:cTn id="26" dur="500" fill="hold"/>
+                                        <p:tgtEl>
+                                          <p:spTgt spid="6"/>
+                                        </p:tgtEl>
+                                        <p:attrNameLst>
+                                          <p:attrName>ppt_y</p:attrName>
+                                        </p:attrNameLst>
+                                      </p:cBhvr>
+                                      <p:tavLst>
+                                        <p:tav tm="0">
+                                          <p:val>
+                                            <p:strVal val="1+#ppt_h/2"/>
+                                          </p:val>
+                                        </p:tav>
+                                        <p:tav tm="100000">
+                                          <p:val>
+                                            <p:strVal val="#ppt_y"/>
+                                          </p:val>
+                                        </p:tav>
+                                      </p:tavLst>
+                                    </p:anim>
+                                  </p:childTnLst>
+                                </p:cTn>
+                              </p:par>
+                            </p:childTnLst>
+                          </p:cTn>
+                        </p:par>
+                      </p:childTnLst>
+                    </p:cTn>
+                  </p:par>
+                  <p:par>
+                    <p:cTn id="27" fill="hold">
+                      <p:stCondLst>
+                        <p:cond delay="indefinite"/>
+                      </p:stCondLst>
+                      <p:childTnLst>
+                        <p:par>
+                          <p:cTn id="28" fill="hold">
+                            <p:stCondLst>
+                              <p:cond delay="0"/>
+                            </p:stCondLst>
+                            <p:childTnLst>
+                              <p:par>
+                                <p:cTn id="29" presetID="2" presetClass="entr" presetSubtype="4" fill="hold" grpId="0" nodeType="clickEffect">
+                                  <p:stCondLst>
+                                    <p:cond delay="0"/>
+                                  </p:stCondLst>
+                                  <p:childTnLst>
+                                    <p:set>
+                                      <p:cBhvr>
+                                        <p:cTn id="30" dur="1" fill="hold">
+                                          <p:stCondLst>
+                                            <p:cond delay="0"/>
+                                          </p:stCondLst>
+                                        </p:cTn>
+                                        <p:tgtEl>
+                                          <p:spTgt spid="7"/>
+                                        </p:tgtEl>
+                                        <p:attrNameLst>
+                                          <p:attrName>style.visibility</p:attrName>
+                                        </p:attrNameLst>
+                                      </p:cBhvr>
+                                      <p:to>
+                                        <p:strVal val="visible"/>
+                                      </p:to>
+                                    </p:set>
+                                    <p:anim calcmode="lin" valueType="num">
+                                      <p:cBhvr additive="base">
+                                        <p:cTn id="31" dur="500" fill="hold"/>
+                                        <p:tgtEl>
+                                          <p:spTgt spid="7"/>
+                                        </p:tgtEl>
+                                        <p:attrNameLst>
+                                          <p:attrName>ppt_x</p:attrName>
+                                        </p:attrNameLst>
+                                      </p:cBhvr>
+                                      <p:tavLst>
+                                        <p:tav tm="0">
+                                          <p:val>
+                                            <p:strVal val="#ppt_x"/>
+                                          </p:val>
+                                        </p:tav>
+                                        <p:tav tm="100000">
+                                          <p:val>
+                                            <p:strVal val="#ppt_x"/>
+                                          </p:val>
+                                        </p:tav>
+                                      </p:tavLst>
+                                    </p:anim>
+                                    <p:anim calcmode="lin" valueType="num">
+                                      <p:cBhvr additive="base">
+                                        <p:cTn id="32" dur="500" fill="hold"/>
+                                        <p:tgtEl>
+                                          <p:spTgt spid="7"/>
+                                        </p:tgtEl>
+                                        <p:attrNameLst>
+                                          <p:attrName>ppt_y</p:attrName>
+                                        </p:attrNameLst>
+                                      </p:cBhvr>
+                                      <p:tavLst>
+                                        <p:tav tm="0">
+                                          <p:val>
+                                            <p:strVal val="1+#ppt_h/2"/>
+                                          </p:val>
+                                        </p:tav>
+                                        <p:tav tm="100000">
+                                          <p:val>
+                                            <p:strVal val="#ppt_y"/>
+                                          </p:val>
+                                        </p:tav>
+                                      </p:tavLst>
+                                    </p:anim>
+                                  </p:childTnLst>
+                                </p:cTn>
+                              </p:par>
+                            </p:childTnLst>
+                          </p:cTn>
+                        </p:par>
+                      </p:childTnLst>
+                    </p:cTn>
+                  </p:par>
+                  <p:par>
+                    <p:cTn id="33" fill="hold">
+                      <p:stCondLst>
+                        <p:cond delay="indefinite"/>
+                      </p:stCondLst>
+                      <p:childTnLst>
+                        <p:par>
+                          <p:cTn id="34" fill="hold">
+                            <p:stCondLst>
+                              <p:cond delay="0"/>
+                            </p:stCondLst>
+                            <p:childTnLst>
+                              <p:par>
+                                <p:cTn id="35" presetID="2" presetClass="entr" presetSubtype="4" fill="hold" grpId="0" nodeType="clickEffect">
+                                  <p:stCondLst>
+                                    <p:cond delay="0"/>
+                                  </p:stCondLst>
+                                  <p:childTnLst>
+                                    <p:set>
+                                      <p:cBhvr>
+                                        <p:cTn id="36" dur="1" fill="hold">
+                                          <p:stCondLst>
+                                            <p:cond delay="0"/>
+                                          </p:stCondLst>
+                                        </p:cTn>
+                                        <p:tgtEl>
+                                          <p:spTgt spid="8"/>
+                                        </p:tgtEl>
+                                        <p:attrNameLst>
+                                          <p:attrName>style.visibility</p:attrName>
+                                        </p:attrNameLst>
+                                      </p:cBhvr>
+                                      <p:to>
+                                        <p:strVal val="visible"/>
+                                      </p:to>
+                                    </p:set>
+                                    <p:anim calcmode="lin" valueType="num">
+                                      <p:cBhvr additive="base">
+                                        <p:cTn id="37" dur="500" fill="hold"/>
+                                        <p:tgtEl>
+                                          <p:spTgt spid="8"/>
+                                        </p:tgtEl>
+                                        <p:attrNameLst>
+                                          <p:attrName>ppt_x</p:attrName>
+                                        </p:attrNameLst>
+                                      </p:cBhvr>
+                                      <p:tavLst>
+                                        <p:tav tm="0">
+                                          <p:val>
+                                            <p:strVal val="#ppt_x"/>
+                                          </p:val>
+                                        </p:tav>
+                                        <p:tav tm="100000">
+                                          <p:val>
+                                            <p:strVal val="#ppt_x"/>
+                                          </p:val>
+                                        </p:tav>
+                                      </p:tavLst>
+                                    </p:anim>
+                                    <p:anim calcmode="lin" valueType="num">
+                                      <p:cBhvr additive="base">
+                                        <p:cTn id="38" dur="500" fill="hold"/>
+                                        <p:tgtEl>
+                                          <p:spTgt spid="8"/>
+                                        </p:tgtEl>
+                                        <p:attrNameLst>
+                                          <p:attrName>ppt_y</p:attrName>
+                                        </p:attrNameLst>
+                                      </p:cBhvr>
+                                      <p:tavLst>
+                                        <p:tav tm="0">
+                                          <p:val>
+                                            <p:strVal val="1+#ppt_h/2"/>
+                                          </p:val>
+                                        </p:tav>
+                                        <p:tav tm="100000">
+                                          <p:val>
+                                            <p:strVal val="#ppt_y"/>
+                                          </p:val>
+                                        </p:tav>
+                                      </p:tavLst>
+                                    </p:anim>
+                                  </p:childTnLst>
+                                </p:cTn>
+                              </p:par>
+                            </p:childTnLst>
+                          </p:cTn>
+                        </p:par>
+                      </p:childTnLst>
+                    </p:cTn>
+                  </p:par>
+                  <p:par>
+                    <p:cTn id="39" fill="hold">
+                      <p:stCondLst>
+                        <p:cond delay="indefinite"/>
+                      </p:stCondLst>
+                      <p:childTnLst>
+                        <p:par>
+                          <p:cTn id="40" fill="hold">
+                            <p:stCondLst>
+                              <p:cond delay="0"/>
+                            </p:stCondLst>
+                            <p:childTnLst>
+                              <p:par>
+                                <p:cTn id="41" presetID="2" presetClass="entr" presetSubtype="4" fill="hold" grpId="0" nodeType="clickEffect">
+                                  <p:stCondLst>
+                                    <p:cond delay="0"/>
+                                  </p:stCondLst>
+                                  <p:childTnLst>
+                                    <p:set>
+                                      <p:cBhvr>
+                                        <p:cTn id="42" dur="1" fill="hold">
+                                          <p:stCondLst>
+                                            <p:cond delay="0"/>
+                                          </p:stCondLst>
+                                        </p:cTn>
+                                        <p:tgtEl>
+                                          <p:spTgt spid="9"/>
+                                        </p:tgtEl>
+                                        <p:attrNameLst>
+                                          <p:attrName>style.visibility</p:attrName>
+                                        </p:attrNameLst>
+                                      </p:cBhvr>
+                                      <p:to>
+                                        <p:strVal val="visible"/>
+                                      </p:to>
+                                    </p:set>
+                                    <p:anim calcmode="lin" valueType="num">
+                                      <p:cBhvr additive="base">
+                                        <p:cTn id="43" dur="500" fill="hold"/>
+                                        <p:tgtEl>
+                                          <p:spTgt spid="9"/>
+                                        </p:tgtEl>
+                                        <p:attrNameLst>
+                                          <p:attrName>ppt_x</p:attrName>
+                                        </p:attrNameLst>
+                                      </p:cBhvr>
+                                      <p:tavLst>
+                                        <p:tav tm="0">
+                                          <p:val>
+                                            <p:strVal val="#ppt_x"/>
+                                          </p:val>
+                                        </p:tav>
+                                        <p:tav tm="100000">
+                                          <p:val>
+                                            <p:strVal val="#ppt_x"/>
+                                          </p:val>
+                                        </p:tav>
+                                      </p:tavLst>
+                                    </p:anim>
+                                    <p:anim calcmode="lin" valueType="num">
+                                      <p:cBhvr additive="base">
+                                        <p:cTn id="44" dur="500" fill="hold"/>
+                                        <p:tgtEl>
+                                          <p:spTgt spid="9"/>
+                                        </p:tgtEl>
+                                        <p:attrNameLst>
+                                          <p:attrName>ppt_y</p:attrName>
+                                        </p:attrNameLst>
+                                      </p:cBhvr>
+                                      <p:tavLst>
+                                        <p:tav tm="0">
+                                          <p:val>
+                                            <p:strVal val="1+#ppt_h/2"/>
+                                          </p:val>
+                                        </p:tav>
+                                        <p:tav tm="100000">
+                                          <p:val>
+                                            <p:strVal val="#ppt_y"/>
+                                          </p:val>
+                                        </p:tav>
+                                      </p:tavLst>
+                                    </p:anim>
+                                  </p:childTnLst>
+                                </p:cTn>
+                              </p:par>
+                            </p:childTnLst>
+                          </p:cTn>
+                        </p:par>
+                      </p:childTnLst>
+                    </p:cTn>
+                  </p:par>
+                  <p:par>
+                    <p:cTn id="45" fill="hold">
+                      <p:stCondLst>
+                        <p:cond delay="indefinite"/>
+                      </p:stCondLst>
+                      <p:childTnLst>
+                        <p:par>
+                          <p:cTn id="46" fill="hold">
+                            <p:stCondLst>
+                              <p:cond delay="0"/>
+                            </p:stCondLst>
+                            <p:childTnLst>
+                              <p:par>
+                                <p:cTn id="47" presetID="2" presetClass="entr" presetSubtype="4" fill="hold" grpId="0" nodeType="clickEffect">
+                                  <p:stCondLst>
+                                    <p:cond delay="0"/>
+                                  </p:stCondLst>
+                                  <p:childTnLst>
+                                    <p:set>
+                                      <p:cBhvr>
+                                        <p:cTn id="48" dur="1" fill="hold">
+                                          <p:stCondLst>
+                                            <p:cond delay="0"/>
+                                          </p:stCondLst>
+                                        </p:cTn>
+                                        <p:tgtEl>
+                                          <p:spTgt spid="10"/>
+                                        </p:tgtEl>
+                                        <p:attrNameLst>
+                                          <p:attrName>style.visibility</p:attrName>
+                                        </p:attrNameLst>
+                                      </p:cBhvr>
+                                      <p:to>
+                                        <p:strVal val="visible"/>
+                                      </p:to>
+                                    </p:set>
+                                    <p:anim calcmode="lin" valueType="num">
+                                      <p:cBhvr additive="base">
+                                        <p:cTn id="49" dur="500" fill="hold"/>
+                                        <p:tgtEl>
+                                          <p:spTgt spid="10"/>
+                                        </p:tgtEl>
+                                        <p:attrNameLst>
+                                          <p:attrName>ppt_x</p:attrName>
+                                        </p:attrNameLst>
+                                      </p:cBhvr>
+                                      <p:tavLst>
+                                        <p:tav tm="0">
+                                          <p:val>
+                                            <p:strVal val="#ppt_x"/>
+                                          </p:val>
+                                        </p:tav>
+                                        <p:tav tm="100000">
+                                          <p:val>
+                                            <p:strVal val="#ppt_x"/>
+                                          </p:val>
+                                        </p:tav>
+                                      </p:tavLst>
+                                    </p:anim>
+                                    <p:anim calcmode="lin" valueType="num">
+                                      <p:cBhvr additive="base">
+                                        <p:cTn id="50" dur="500" fill="hold"/>
+                                        <p:tgtEl>
+                                          <p:spTgt spid="10"/>
+                                        </p:tgtEl>
+                                        <p:attrNameLst>
+                                          <p:attrName>ppt_y</p:attrName>
+                                        </p:attrNameLst>
+                                      </p:cBhvr>
+                                      <p:tavLst>
+                                        <p:tav tm="0">
+                                          <p:val>
+                                            <p:strVal val="1+#ppt_h/2"/>
+                                          </p:val>
+                                        </p:tav>
+                                        <p:tav tm="100000">
+                                          <p:val>
+                                            <p:strVal val="#ppt_y"/>
+                                          </p:val>
+                                        </p:tav>
+                                      </p:tavLst>
+                                    </p:anim>
+                                  </p:childTnLst>
+                                </p:cTn>
+                              </p:par>
+                            </p:childTnLst>
+                          </p:cTn>
+                        </p:par>
+                      </p:childTnLst>
+                    </p:cTn>
+                  </p:par>
+                  <p:par>
+                    <p:cTn id="51" fill="hold">
+                      <p:stCondLst>
+                        <p:cond delay="indefinite"/>
+                      </p:stCondLst>
+                      <p:childTnLst>
+                        <p:par>
+                          <p:cTn id="52" fill="hold">
+                            <p:stCondLst>
+                              <p:cond delay="0"/>
+                            </p:stCondLst>
+                            <p:childTnLst>
+                              <p:par>
+                                <p:cTn id="53" presetID="2" presetClass="entr" presetSubtype="4" fill="hold" grpId="0" nodeType="clickEffect">
+                                  <p:stCondLst>
+                                    <p:cond delay="0"/>
+                                  </p:stCondLst>
+                                  <p:childTnLst>
+                                    <p:set>
+                                      <p:cBhvr>
+                                        <p:cTn id="54" dur="1" fill="hold">
+                                          <p:stCondLst>
+                                            <p:cond delay="0"/>
+                                          </p:stCondLst>
+                                        </p:cTn>
+                                        <p:tgtEl>
+                                          <p:spTgt spid="11"/>
+                                        </p:tgtEl>
+                                        <p:attrNameLst>
+                                          <p:attrName>style.visibility</p:attrName>
+                                        </p:attrNameLst>
+                                      </p:cBhvr>
+                                      <p:to>
+                                        <p:strVal val="visible"/>
+                                      </p:to>
+                                    </p:set>
+                                    <p:anim calcmode="lin" valueType="num">
+                                      <p:cBhvr additive="base">
+                                        <p:cTn id="55" dur="500" fill="hold"/>
+                                        <p:tgtEl>
+                                          <p:spTgt spid="11"/>
+                                        </p:tgtEl>
+                                        <p:attrNameLst>
+                                          <p:attrName>ppt_x</p:attrName>
+                                        </p:attrNameLst>
+                                      </p:cBhvr>
+                                      <p:tavLst>
+                                        <p:tav tm="0">
+                                          <p:val>
+                                            <p:strVal val="#ppt_x"/>
+                                          </p:val>
+                                        </p:tav>
+                                        <p:tav tm="100000">
+                                          <p:val>
+                                            <p:strVal val="#ppt_x"/>
+                                          </p:val>
+                                        </p:tav>
+                                      </p:tavLst>
+                                    </p:anim>
+                                    <p:anim calcmode="lin" valueType="num">
+                                      <p:cBhvr additive="base">
+                                        <p:cTn id="56" dur="500" fill="hold"/>
+                                        <p:tgtEl>
+                                          <p:spTgt spid="11"/>
+                                        </p:tgtEl>
+                                        <p:attrNameLst>
+                                          <p:attrName>ppt_y</p:attrName>
+                                        </p:attrNameLst>
+                                      </p:cBhvr>
+                                      <p:tavLst>
+                                        <p:tav tm="0">
+                                          <p:val>
+                                            <p:strVal val="1+#ppt_h/2"/>
+                                          </p:val>
+                                        </p:tav>
+                                        <p:tav tm="100000">
+                                          <p:val>
+                                            <p:strVal val="#ppt_y"/>
+                                          </p:val>
+                                        </p:tav>
+                                      </p:tavLst>
+                                    </p:anim>
+                                  </p:childTnLst>
+                                </p:cTn>
+                              </p:par>
+                            </p:childTnLst>
+                          </p:cTn>
+                        </p:par>
+                      </p:childTnLst>
+                    </p:cTn>
+                  </p:par>
+                </p:childTnLst>
+              </p:cTn>
+              <p:prevCondLst>
+                <p:cond evt="onPrev" delay="0">
+                  <p:tgtEl>
+                    <p:sldTgt/>
+                  </p:tgtEl>
+                </p:cond>
+              </p:prevCondLst>
+              <p:nextCondLst>
+                <p:cond evt="onNext" delay="0">
+                  <p:tgtEl>
+                    <p:sldTgt/>
+                  </p:tgtEl>
+                </p:cond>
+              </p:nextCondLst>
+            </p:seq>
+          </p:childTnLst>
+        </p:cTn>
+      </p:par>
+    </p:tnLst>
+    <p:bldLst>
+      <p:bldP spid="3" grpId="0"/>
+      <p:bldP spid="4" grpId="0"/>
+      <p:bldP spid="5" grpId="0"/>
+      <p:bldP spid="6" grpId="0"/>
+      <p:bldP spid="7" grpId="0"/>
+      <p:bldP spid="8" grpId="0"/>
+      <p:bldP spid="9" grpId="0"/>
+      <p:bldP spid="10" grpId="0"/>
+      <p:bldP spid="11" grpId="0"/>
+    </p:bldLst>
+  </p:timing>
+</p:sld>
+</file>
+
+<file path=ppt/slides/slide11.xml><?xml version="1.0" encoding="utf-8"?>
+<p:sld xmlns:a="http://schemas.openxmlformats.org/drawingml/2006/main" xmlns:r="http://schemas.openxmlformats.org/officeDocument/2006/relationships" xmlns:p="http://schemas.openxmlformats.org/presentationml/2006/main">
+  <p:cSld>
+    <p:spTree>
+      <p:nvGrpSpPr>
+        <p:cNvPr id="1" name=""/>
+        <p:cNvGrpSpPr/>
+        <p:nvPr/>
+      </p:nvGrpSpPr>
+      <p:grpSpPr>
+        <a:xfrm>
+          <a:off x="0" y="0"/>
+          <a:ext cx="0" cy="0"/>
+          <a:chOff x="0" y="0"/>
+          <a:chExt cx="0" cy="0"/>
+        </a:xfrm>
+      </p:grpSpPr>
+      <p:sp>
+        <p:nvSpPr>
+          <p:cNvPr id="2" name="Заголовок 1"/>
+          <p:cNvSpPr>
+            <a:spLocks noGrp="1"/>
+          </p:cNvSpPr>
+          <p:nvPr>
+            <p:ph type="title"/>
+          </p:nvPr>
+        </p:nvSpPr>
+        <p:spPr/>
+        <p:txBody>
+          <a:bodyPr/>
+          <a:lstStyle/>
+          <a:p>
+            <a:r>
+              <a:rPr lang="en-US" dirty="0" smtClean="0">
+                <a:solidFill>
+                  <a:srgbClr val="00B050"/>
+                </a:solidFill>
+              </a:rPr>
+              <a:t>Acquiring Operator</a:t>
+            </a:r>
+            <a:endParaRPr lang="ru-RU" dirty="0">
+              <a:solidFill>
+                <a:srgbClr val="00B050"/>
+              </a:solidFill>
+            </a:endParaRPr>
+          </a:p>
+        </p:txBody>
+      </p:sp>
+      <p:sp>
+        <p:nvSpPr>
+          <p:cNvPr id="3" name="TextBox 2"/>
+          <p:cNvSpPr txBox="1"/>
+          <p:nvPr/>
+        </p:nvSpPr>
+        <p:spPr>
+          <a:xfrm>
+            <a:off x="5135550" y="4659848"/>
+            <a:ext cx="3460178" cy="523220"/>
+          </a:xfrm>
+          <a:prstGeom prst="rect">
+            <a:avLst/>
+          </a:prstGeom>
+          <a:noFill/>
+        </p:spPr>
+        <p:txBody>
+          <a:bodyPr wrap="none" rtlCol="0">
+            <a:spAutoFit/>
+          </a:bodyPr>
+          <a:lstStyle/>
+          <a:p>
+            <a:r>
+              <a:rPr lang="ru-RU" sz="2800" dirty="0" smtClean="0"/>
+              <a:t>Дмитрий БРУХАНЧИК</a:t>
+            </a:r>
+            <a:endParaRPr lang="ru-RU" sz="2800" dirty="0"/>
+          </a:p>
+        </p:txBody>
+      </p:sp>
+      <p:sp>
+        <p:nvSpPr>
+          <p:cNvPr id="4" name="TextBox 3"/>
+          <p:cNvSpPr txBox="1"/>
+          <p:nvPr/>
+        </p:nvSpPr>
+        <p:spPr>
+          <a:xfrm>
+            <a:off x="2411760" y="1700808"/>
+            <a:ext cx="4304383" cy="1107996"/>
+          </a:xfrm>
+          <a:prstGeom prst="rect">
+            <a:avLst/>
+          </a:prstGeom>
+          <a:noFill/>
+        </p:spPr>
+        <p:txBody>
+          <a:bodyPr wrap="none" rtlCol="0">
+            <a:spAutoFit/>
+          </a:bodyPr>
+          <a:lstStyle/>
+          <a:p>
+            <a:r>
+              <a:rPr lang="ru-RU" sz="6600" b="1" dirty="0" smtClean="0">
+                <a:solidFill>
+                  <a:srgbClr val="00B050"/>
+                </a:solidFill>
+              </a:rPr>
+              <a:t>ВОПРОСЫ?</a:t>
+            </a:r>
+            <a:endParaRPr lang="ru-RU" sz="6600" b="1" dirty="0">
+              <a:solidFill>
+                <a:srgbClr val="00B050"/>
+              </a:solidFill>
+            </a:endParaRPr>
+          </a:p>
+        </p:txBody>
+      </p:sp>
+      <p:sp>
+        <p:nvSpPr>
+          <p:cNvPr id="5" name="TextBox 4"/>
+          <p:cNvSpPr txBox="1"/>
+          <p:nvPr/>
+        </p:nvSpPr>
+        <p:spPr>
+          <a:xfrm>
+            <a:off x="6588224" y="5301208"/>
+            <a:ext cx="2076659" cy="369332"/>
+          </a:xfrm>
+          <a:prstGeom prst="rect">
+            <a:avLst/>
+          </a:prstGeom>
+          <a:noFill/>
+        </p:spPr>
+        <p:txBody>
+          <a:bodyPr wrap="none" rtlCol="0">
+            <a:spAutoFit/>
+          </a:bodyPr>
+          <a:lstStyle/>
+          <a:p>
+            <a:r>
+              <a:rPr lang="en-US" dirty="0" smtClean="0"/>
+              <a:t>E-mail: bdm@tut.by</a:t>
+            </a:r>
+            <a:endParaRPr lang="ru-RU" dirty="0"/>
+          </a:p>
+        </p:txBody>
+      </p:sp>
+      <p:sp>
+        <p:nvSpPr>
+          <p:cNvPr id="6" name="TextBox 5"/>
+          <p:cNvSpPr txBox="1"/>
+          <p:nvPr/>
+        </p:nvSpPr>
+        <p:spPr>
+          <a:xfrm>
+            <a:off x="6657377" y="5694858"/>
+            <a:ext cx="1938351" cy="369332"/>
+          </a:xfrm>
+          <a:prstGeom prst="rect">
+            <a:avLst/>
+          </a:prstGeom>
+          <a:noFill/>
+        </p:spPr>
+        <p:txBody>
+          <a:bodyPr wrap="none" rtlCol="0">
+            <a:spAutoFit/>
+          </a:bodyPr>
+          <a:lstStyle/>
+          <a:p>
+            <a:r>
+              <a:rPr lang="en-US" dirty="0" smtClean="0"/>
+              <a:t>Skype: </a:t>
+            </a:r>
+            <a:r>
+              <a:rPr lang="en-US" dirty="0" err="1" smtClean="0"/>
+              <a:t>home_bdm</a:t>
+            </a:r>
+            <a:endParaRPr lang="ru-RU" dirty="0"/>
+          </a:p>
+        </p:txBody>
+      </p:sp>
+    </p:spTree>
+    <p:extLst>
+      <p:ext uri="{BB962C8B-B14F-4D97-AF65-F5344CB8AC3E}">
+        <p14:creationId xmlns:p14="http://schemas.microsoft.com/office/powerpoint/2010/main" val="3339433677"/>
       </p:ext>
     </p:extLst>
   </p:cSld>
@@ -6221,7 +7621,12 @@
             <p:ph type="title"/>
           </p:nvPr>
         </p:nvSpPr>
-        <p:spPr/>
+        <p:spPr>
+          <a:xfrm>
+            <a:off x="457200" y="274638"/>
+            <a:ext cx="8229600" cy="922114"/>
+          </a:xfrm>
+        </p:spPr>
         <p:txBody>
           <a:bodyPr>
             <a:normAutofit fontScale="90000"/>
@@ -6229,12 +7634,12 @@
           <a:lstStyle/>
           <a:p>
             <a:r>
-              <a:rPr lang="ru-RU" b="1" dirty="0" smtClean="0">
+              <a:rPr lang="ru-RU" b="1" dirty="0">
                 <a:solidFill>
                   <a:srgbClr val="00B050"/>
                 </a:solidFill>
               </a:rPr>
-              <a:t>Примерная процедура подключения</a:t>
+              <a:t>Принцип «Одно окно» при подключении</a:t>
             </a:r>
             <a:endParaRPr lang="ru-RU" b="1" dirty="0">
               <a:solidFill>
@@ -6266,8 +7671,8 @@
         </p:blipFill>
         <p:spPr>
           <a:xfrm>
-            <a:off x="238841" y="3972088"/>
-            <a:ext cx="1452418" cy="969080"/>
+            <a:off x="-756592" y="2998694"/>
+            <a:ext cx="3021835" cy="2016224"/>
           </a:xfrm>
           <a:prstGeom prst="rect">
             <a:avLst/>
@@ -6296,7 +7701,7 @@
         </p:blipFill>
         <p:spPr>
           <a:xfrm>
-            <a:off x="1979712" y="2452906"/>
+            <a:off x="1403648" y="1429496"/>
             <a:ext cx="2661935" cy="2498124"/>
           </a:xfrm>
           <a:prstGeom prst="rect">
@@ -6326,8 +7731,8 @@
         </p:blipFill>
         <p:spPr>
           <a:xfrm>
-            <a:off x="5874024" y="3972088"/>
-            <a:ext cx="1591776" cy="978942"/>
+            <a:off x="5533256" y="2550178"/>
+            <a:ext cx="1976466" cy="1215526"/>
           </a:xfrm>
           <a:prstGeom prst="rect">
             <a:avLst/>
@@ -6356,8 +7761,8 @@
         </p:blipFill>
         <p:spPr>
           <a:xfrm>
-            <a:off x="4807916" y="3972088"/>
-            <a:ext cx="952000" cy="952000"/>
+            <a:off x="3914256" y="2550178"/>
+            <a:ext cx="1275154" cy="1275154"/>
           </a:xfrm>
           <a:prstGeom prst="rect">
             <a:avLst/>
@@ -6386,14 +7791,87 @@
         </p:blipFill>
         <p:spPr>
           <a:xfrm>
-            <a:off x="7596336" y="3972088"/>
-            <a:ext cx="1172766" cy="936700"/>
+            <a:off x="7012947" y="3428999"/>
+            <a:ext cx="2119086" cy="1692535"/>
           </a:xfrm>
           <a:prstGeom prst="rect">
             <a:avLst/>
           </a:prstGeom>
         </p:spPr>
       </p:pic>
+      <p:pic>
+        <p:nvPicPr>
+          <p:cNvPr id="9" name="Рисунок 8"/>
+          <p:cNvPicPr>
+            <a:picLocks noChangeAspect="1"/>
+          </p:cNvPicPr>
+          <p:nvPr/>
+        </p:nvPicPr>
+        <p:blipFill>
+          <a:blip r:embed="rId7" cstate="print">
+            <a:extLst>
+              <a:ext uri="{28A0092B-C50C-407E-A947-70E740481C1C}">
+                <a14:useLocalDpi xmlns:a14="http://schemas.microsoft.com/office/drawing/2010/main" val="0"/>
+              </a:ext>
+            </a:extLst>
+          </a:blip>
+          <a:stretch>
+            <a:fillRect/>
+          </a:stretch>
+        </p:blipFill>
+        <p:spPr>
+          <a:xfrm>
+            <a:off x="3059832" y="4104624"/>
+            <a:ext cx="2664295" cy="2033820"/>
+          </a:xfrm>
+          <a:prstGeom prst="rect">
+            <a:avLst/>
+          </a:prstGeom>
+        </p:spPr>
+      </p:pic>
+      <p:sp>
+        <p:nvSpPr>
+          <p:cNvPr id="11" name="Умножение 10"/>
+          <p:cNvSpPr/>
+          <p:nvPr/>
+        </p:nvSpPr>
+        <p:spPr>
+          <a:xfrm>
+            <a:off x="1403648" y="1742103"/>
+            <a:ext cx="6264696" cy="2066528"/>
+          </a:xfrm>
+          <a:prstGeom prst="mathMultiply">
+            <a:avLst/>
+          </a:prstGeom>
+          <a:solidFill>
+            <a:srgbClr val="C00000"/>
+          </a:solidFill>
+        </p:spPr>
+        <p:style>
+          <a:lnRef idx="2">
+            <a:schemeClr val="accent1">
+              <a:shade val="50000"/>
+            </a:schemeClr>
+          </a:lnRef>
+          <a:fillRef idx="1">
+            <a:schemeClr val="accent1"/>
+          </a:fillRef>
+          <a:effectRef idx="0">
+            <a:schemeClr val="accent1"/>
+          </a:effectRef>
+          <a:fontRef idx="minor">
+            <a:schemeClr val="lt1"/>
+          </a:fontRef>
+        </p:style>
+        <p:txBody>
+          <a:bodyPr rtlCol="0" anchor="ctr"/>
+          <a:lstStyle/>
+          <a:p>
+            <a:pPr algn="ctr"/>
+            <a:endParaRPr lang="ru-RU"/>
+          </a:p>
+        </p:txBody>
+      </p:sp>
     </p:spTree>
     <p:extLst>
       <p:ext uri="{BB962C8B-B14F-4D97-AF65-F5344CB8AC3E}">
@@ -6438,7 +7916,7 @@
                                           </p:stCondLst>
                                         </p:cTn>
                                         <p:tgtEl>
-                                          <p:spTgt spid="4"/>
+                                          <p:spTgt spid="3"/>
                                         </p:tgtEl>
                                         <p:attrNameLst>
                                           <p:attrName>style.visibility</p:attrName>
@@ -6452,7 +7930,7 @@
                                       <p:cBhvr additive="base">
                                         <p:cTn id="7" dur="500" fill="hold"/>
                                         <p:tgtEl>
-                                          <p:spTgt spid="4"/>
+                                          <p:spTgt spid="3"/>
                                         </p:tgtEl>
                                         <p:attrNameLst>
                                           <p:attrName>ppt_x</p:attrName>
@@ -6475,7 +7953,7 @@
                                       <p:cBhvr additive="base">
                                         <p:cTn id="8" dur="500" fill="hold"/>
                                         <p:tgtEl>
-                                          <p:spTgt spid="4"/>
+                                          <p:spTgt spid="3"/>
                                         </p:tgtEl>
                                         <p:attrNameLst>
                                           <p:attrName>ppt_y</p:attrName>
@@ -6516,7 +7994,7 @@
                             </p:stCondLst>
                             <p:childTnLst>
                               <p:par>
-                                <p:cTn id="11" presetID="22" presetClass="entr" presetSubtype="4" fill="hold" nodeType="clickEffect">
+                                <p:cTn id="11" presetID="2" presetClass="entr" presetSubtype="4" fill="hold" nodeType="clickEffect">
                                   <p:stCondLst>
                                     <p:cond delay="0"/>
                                   </p:stCondLst>
@@ -6524,6 +8002,97 @@
                                     <p:set>
                                       <p:cBhvr>
                                         <p:cTn id="12" dur="1" fill="hold">
+                                          <p:stCondLst>
+                                            <p:cond delay="0"/>
+                                          </p:stCondLst>
+                                        </p:cTn>
+                                        <p:tgtEl>
+                                          <p:spTgt spid="4"/>
+                                        </p:tgtEl>
+                                        <p:attrNameLst>
+                                          <p:attrName>style.visibility</p:attrName>
+                                        </p:attrNameLst>
+                                      </p:cBhvr>
+                                      <p:to>
+                                        <p:strVal val="visible"/>
+                                      </p:to>
+                                    </p:set>
+                                    <p:anim calcmode="lin" valueType="num">
+                                      <p:cBhvr additive="base">
+                                        <p:cTn id="13" dur="500" fill="hold"/>
+                                        <p:tgtEl>
+                                          <p:spTgt spid="4"/>
+                                        </p:tgtEl>
+                                        <p:attrNameLst>
+                                          <p:attrName>ppt_x</p:attrName>
+                                        </p:attrNameLst>
+                                      </p:cBhvr>
+                                      <p:tavLst>
+                                        <p:tav tm="0">
+                                          <p:val>
+                                            <p:strVal val="#ppt_x"/>
+                                          </p:val>
+                                        </p:tav>
+                                        <p:tav tm="100000">
+                                          <p:val>
+                                            <p:strVal val="#ppt_x"/>
+                                          </p:val>
+                                        </p:tav>
+                                      </p:tavLst>
+                                    </p:anim>
+                                    <p:anim calcmode="lin" valueType="num">
+                                      <p:cBhvr additive="base">
+                                        <p:cTn id="14" dur="500" fill="hold"/>
+                                        <p:tgtEl>
+                                          <p:spTgt spid="4"/>
+                                        </p:tgtEl>
+                                        <p:attrNameLst>
+                                          <p:attrName>ppt_y</p:attrName>
+                                        </p:attrNameLst>
+                                      </p:cBhvr>
+                                      <p:tavLst>
+                                        <p:tav tm="0">
+                                          <p:val>
+                                            <p:strVal val="1+#ppt_h/2"/>
+                                          </p:val>
+                                        </p:tav>
+                                        <p:tav tm="100000">
+                                          <p:val>
+                                            <p:strVal val="#ppt_y"/>
+                                          </p:val>
+                                        </p:tav>
+                                      </p:tavLst>
+                                    </p:anim>
+                                  </p:childTnLst>
+                                </p:cTn>
+                              </p:par>
+                            </p:childTnLst>
+                          </p:cTn>
+                        </p:par>
+                      </p:childTnLst>
+                    </p:cTn>
+                  </p:par>
+                  <p:par>
+                    <p:cTn id="15" fill="hold">
+                      <p:stCondLst>
+                        <p:cond delay="indefinite"/>
+                      </p:stCondLst>
+                      <p:childTnLst>
+                        <p:par>
+                          <p:cTn id="16" fill="hold">
+                            <p:stCondLst>
+                              <p:cond delay="0"/>
+                            </p:stCondLst>
+                            <p:childTnLst>
+                              <p:par>
+                                <p:cTn id="17" presetID="22" presetClass="entr" presetSubtype="4" fill="hold" nodeType="clickEffect">
+                                  <p:stCondLst>
+                                    <p:cond delay="0"/>
+                                  </p:stCondLst>
+                                  <p:childTnLst>
+                                    <p:set>
+                                      <p:cBhvr>
+                                        <p:cTn id="18" dur="1" fill="hold">
                                           <p:stCondLst>
                                             <p:cond delay="0"/>
                                           </p:stCondLst>
@@ -6541,7 +8110,7 @@
                                     </p:set>
                                     <p:animEffect transition="in" filter="wipe(down)">
                                       <p:cBhvr>
-                                        <p:cTn id="13" dur="500"/>
+                                        <p:cTn id="19" dur="500"/>
                                         <p:tgtEl>
                                           <p:spTgt spid="6"/>
                                         </p:tgtEl>
@@ -6557,26 +8126,26 @@
                     </p:cTn>
                   </p:par>
                   <p:par>
-                    <p:cTn id="14" fill="hold">
+                    <p:cTn id="20" fill="hold">
                       <p:stCondLst>
                         <p:cond delay="indefinite"/>
                       </p:stCondLst>
                       <p:childTnLst>
                         <p:par>
-                          <p:cTn id="15" fill="hold">
+                          <p:cTn id="21" fill="hold">
                             <p:stCondLst>
                               <p:cond delay="0"/>
                             </p:stCondLst>
                             <p:childTnLst>
                               <p:par>
-                                <p:cTn id="16" presetID="6" presetClass="entr" presetSubtype="16" fill="hold" nodeType="clickEffect">
+                                <p:cTn id="22" presetID="6" presetClass="entr" presetSubtype="16" fill="hold" nodeType="clickEffect">
                                   <p:stCondLst>
                                     <p:cond delay="0"/>
                                   </p:stCondLst>
                                   <p:childTnLst>
                                     <p:set>
                                       <p:cBhvr>
-                                        <p:cTn id="17" dur="1" fill="hold">
+                                        <p:cTn id="23" dur="1" fill="hold">
                                           <p:stCondLst>
                                             <p:cond delay="0"/>
                                           </p:stCondLst>
@@ -6594,7 +8163,7 @@
                                     </p:set>
                                     <p:animEffect transition="in" filter="circle(in)">
                                       <p:cBhvr>
-                                        <p:cTn id="18" dur="2000"/>
+                                        <p:cTn id="24" dur="2000"/>
                                         <p:tgtEl>
                                           <p:spTgt spid="5"/>
                                         </p:tgtEl>
@@ -6610,26 +8179,26 @@
                     </p:cTn>
                   </p:par>
                   <p:par>
-                    <p:cTn id="19" fill="hold">
+                    <p:cTn id="25" fill="hold">
                       <p:stCondLst>
                         <p:cond delay="indefinite"/>
                       </p:stCondLst>
                       <p:childTnLst>
                         <p:par>
-                          <p:cTn id="20" fill="hold">
+                          <p:cTn id="26" fill="hold">
                             <p:stCondLst>
                               <p:cond delay="0"/>
                             </p:stCondLst>
                             <p:childTnLst>
                               <p:par>
-                                <p:cTn id="21" presetID="14" presetClass="entr" presetSubtype="10" fill="hold" nodeType="clickEffect">
+                                <p:cTn id="27" presetID="14" presetClass="entr" presetSubtype="10" fill="hold" nodeType="clickEffect">
                                   <p:stCondLst>
                                     <p:cond delay="0"/>
                                   </p:stCondLst>
                                   <p:childTnLst>
                                     <p:set>
                                       <p:cBhvr>
-                                        <p:cTn id="22" dur="1" fill="hold">
+                                        <p:cTn id="28" dur="1" fill="hold">
                                           <p:stCondLst>
                                             <p:cond delay="0"/>
                                           </p:stCondLst>
@@ -6647,9 +8216,115 @@
                                     </p:set>
                                     <p:animEffect transition="in" filter="randombar(horizontal)">
                                       <p:cBhvr>
-                                        <p:cTn id="23" dur="500"/>
+                                        <p:cTn id="29" dur="500"/>
                                         <p:tgtEl>
                                           <p:spTgt spid="7"/>
+                                        </p:tgtEl>
+                                      </p:cBhvr>
+                                    </p:animEffect>
+                                  </p:childTnLst>
+                                </p:cTn>
+                              </p:par>
+                            </p:childTnLst>
+                          </p:cTn>
+                        </p:par>
+                      </p:childTnLst>
+                    </p:cTn>
+                  </p:par>
+                  <p:par>
+                    <p:cTn id="30" fill="hold">
+                      <p:stCondLst>
+                        <p:cond delay="indefinite"/>
+                      </p:stCondLst>
+                      <p:childTnLst>
+                        <p:par>
+                          <p:cTn id="31" fill="hold">
+                            <p:stCondLst>
+                              <p:cond delay="0"/>
+                            </p:stCondLst>
+                            <p:childTnLst>
+                              <p:par>
+                                <p:cTn id="32" presetID="16" presetClass="entr" presetSubtype="21" fill="hold" grpId="0" nodeType="clickEffect">
+                                  <p:stCondLst>
+                                    <p:cond delay="0"/>
+                                  </p:stCondLst>
+                                  <p:childTnLst>
+                                    <p:set>
+                                      <p:cBhvr>
+                                        <p:cTn id="33" dur="1" fill="hold">
+                                          <p:stCondLst>
+                                            <p:cond delay="0"/>
+                                          </p:stCondLst>
+                                        </p:cTn>
+                                        <p:tgtEl>
+                                          <p:spTgt spid="11"/>
+                                        </p:tgtEl>
+                                        <p:attrNameLst>
+                                          <p:attrName>style.visibility</p:attrName>
+                                        </p:attrNameLst>
+                                      </p:cBhvr>
+                                      <p:to>
+                                        <p:strVal val="visible"/>
+                                      </p:to>
+                                    </p:set>
+                                    <p:animEffect transition="in" filter="barn(inVertical)">
+                                      <p:cBhvr>
+                                        <p:cTn id="34" dur="500"/>
+                                        <p:tgtEl>
+                                          <p:spTgt spid="11"/>
+                                        </p:tgtEl>
+                                      </p:cBhvr>
+                                    </p:animEffect>
+                                  </p:childTnLst>
+                                </p:cTn>
+                              </p:par>
+                            </p:childTnLst>
+                          </p:cTn>
+                        </p:par>
+                      </p:childTnLst>
+                    </p:cTn>
+                  </p:par>
+                  <p:par>
+                    <p:cTn id="35" fill="hold">
+                      <p:stCondLst>
+                        <p:cond delay="indefinite"/>
+                      </p:stCondLst>
+                      <p:childTnLst>
+                        <p:par>
+                          <p:cTn id="36" fill="hold">
+                            <p:stCondLst>
+                              <p:cond delay="0"/>
+                            </p:stCondLst>
+                            <p:childTnLst>
+                              <p:par>
+                                <p:cTn id="37" presetID="22" presetClass="entr" presetSubtype="4" fill="hold" nodeType="clickEffect">
+                                  <p:stCondLst>
+                                    <p:cond delay="0"/>
+                                  </p:stCondLst>
+                                  <p:childTnLst>
+                                    <p:set>
+                                      <p:cBhvr>
+                                        <p:cTn id="38" dur="1" fill="hold">
+                                          <p:stCondLst>
+                                            <p:cond delay="0"/>
+                                          </p:stCondLst>
+                                        </p:cTn>
+                                        <p:tgtEl>
+                                          <p:spTgt spid="9"/>
+                                        </p:tgtEl>
+                                        <p:attrNameLst>
+                                          <p:attrName>style.visibility</p:attrName>
+                                        </p:attrNameLst>
+                                      </p:cBhvr>
+                                      <p:to>
+                                        <p:strVal val="visible"/>
+                                      </p:to>
+                                    </p:set>
+                                    <p:animEffect transition="in" filter="wipe(down)">
+                                      <p:cBhvr>
+                                        <p:cTn id="39" dur="500"/>
+                                        <p:tgtEl>
+                                          <p:spTgt spid="9"/>
                                         </p:tgtEl>
                                       </p:cBhvr>
                                     </p:animEffect>
@@ -6683,304 +8358,14 @@
         </p:cTn>
       </p:par>
     </p:tnLst>
+    <p:bldLst>
+      <p:bldP spid="11" grpId="0" animBg="1"/>
+    </p:bldLst>
   </p:timing>
 </p:sld>
 </file>
 
 <file path=ppt/slides/slide6.xml><?xml version="1.0" encoding="utf-8"?>
-<p:sld xmlns:a="http://schemas.openxmlformats.org/drawingml/2006/main" xmlns:r="http://schemas.openxmlformats.org/officeDocument/2006/relationships" xmlns:p="http://schemas.openxmlformats.org/presentationml/2006/main">
-  <p:cSld>
-    <p:spTree>
-      <p:nvGrpSpPr>
-        <p:cNvPr id="1" name=""/>
-        <p:cNvGrpSpPr/>
-        <p:nvPr/>
-      </p:nvGrpSpPr>
-      <p:grpSpPr>
-        <a:xfrm>
-          <a:off x="0" y="0"/>
-          <a:ext cx="0" cy="0"/>
-          <a:chOff x="0" y="0"/>
-          <a:chExt cx="0" cy="0"/>
-        </a:xfrm>
-      </p:grpSpPr>
-      <p:sp>
-        <p:nvSpPr>
-          <p:cNvPr id="2" name="Заголовок 1"/>
-          <p:cNvSpPr>
-            <a:spLocks noGrp="1"/>
-          </p:cNvSpPr>
-          <p:nvPr>
-            <p:ph type="title"/>
-          </p:nvPr>
-        </p:nvSpPr>
-        <p:spPr/>
-        <p:txBody>
-          <a:bodyPr>
-            <a:normAutofit fontScale="90000"/>
-          </a:bodyPr>
-          <a:lstStyle/>
-          <a:p>
-            <a:r>
-              <a:rPr lang="ru-RU" b="1" dirty="0">
-                <a:solidFill>
-                  <a:srgbClr val="00B050"/>
-                </a:solidFill>
-              </a:rPr>
-              <a:t>Принцип «Одно окно» при </a:t>
-            </a:r>
-            <a:r>
-              <a:rPr lang="ru-RU" b="1" dirty="0" smtClean="0">
-                <a:solidFill>
-                  <a:srgbClr val="00B050"/>
-                </a:solidFill>
-              </a:rPr>
-              <a:t>подключении</a:t>
-            </a:r>
-            <a:endParaRPr lang="ru-RU" dirty="0"/>
-          </a:p>
-        </p:txBody>
-      </p:sp>
-      <p:pic>
-        <p:nvPicPr>
-          <p:cNvPr id="3" name="Рисунок 2"/>
-          <p:cNvPicPr>
-            <a:picLocks noChangeAspect="1"/>
-          </p:cNvPicPr>
-          <p:nvPr/>
-        </p:nvPicPr>
-        <p:blipFill>
-          <a:blip r:embed="rId2" cstate="print">
-            <a:extLst>
-              <a:ext uri="{28A0092B-C50C-407E-A947-70E740481C1C}">
-                <a14:useLocalDpi xmlns:a14="http://schemas.microsoft.com/office/drawing/2010/main" val="0"/>
-              </a:ext>
-            </a:extLst>
-          </a:blip>
-          <a:stretch>
-            <a:fillRect/>
-          </a:stretch>
-        </p:blipFill>
-        <p:spPr>
-          <a:xfrm>
-            <a:off x="683568" y="2605120"/>
-            <a:ext cx="2747490" cy="1833176"/>
-          </a:xfrm>
-          <a:prstGeom prst="rect">
-            <a:avLst/>
-          </a:prstGeom>
-        </p:spPr>
-      </p:pic>
-      <p:pic>
-        <p:nvPicPr>
-          <p:cNvPr id="4" name="Рисунок 3"/>
-          <p:cNvPicPr>
-            <a:picLocks noChangeAspect="1"/>
-          </p:cNvPicPr>
-          <p:nvPr/>
-        </p:nvPicPr>
-        <p:blipFill>
-          <a:blip r:embed="rId3" cstate="print">
-            <a:extLst>
-              <a:ext uri="{28A0092B-C50C-407E-A947-70E740481C1C}">
-                <a14:useLocalDpi xmlns:a14="http://schemas.microsoft.com/office/drawing/2010/main" val="0"/>
-              </a:ext>
-            </a:extLst>
-          </a:blip>
-          <a:stretch>
-            <a:fillRect/>
-          </a:stretch>
-        </p:blipFill>
-        <p:spPr>
-          <a:xfrm>
-            <a:off x="3923928" y="2769901"/>
-            <a:ext cx="1866326" cy="1631491"/>
-          </a:xfrm>
-          <a:prstGeom prst="rect">
-            <a:avLst/>
-          </a:prstGeom>
-        </p:spPr>
-      </p:pic>
-      <p:pic>
-        <p:nvPicPr>
-          <p:cNvPr id="5" name="Рисунок 4"/>
-          <p:cNvPicPr>
-            <a:picLocks noChangeAspect="1"/>
-          </p:cNvPicPr>
-          <p:nvPr/>
-        </p:nvPicPr>
-        <p:blipFill>
-          <a:blip r:embed="rId4" cstate="print">
-            <a:extLst>
-              <a:ext uri="{28A0092B-C50C-407E-A947-70E740481C1C}">
-                <a14:useLocalDpi xmlns:a14="http://schemas.microsoft.com/office/drawing/2010/main" val="0"/>
-              </a:ext>
-            </a:extLst>
-          </a:blip>
-          <a:stretch>
-            <a:fillRect/>
-          </a:stretch>
-        </p:blipFill>
-        <p:spPr>
-          <a:xfrm>
-            <a:off x="6228185" y="2816032"/>
-            <a:ext cx="1984902" cy="1585360"/>
-          </a:xfrm>
-          <a:prstGeom prst="rect">
-            <a:avLst/>
-          </a:prstGeom>
-        </p:spPr>
-      </p:pic>
-    </p:spTree>
-    <p:extLst>
-      <p:ext uri="{BB962C8B-B14F-4D97-AF65-F5344CB8AC3E}">
-        <p14:creationId xmlns:p14="http://schemas.microsoft.com/office/powerpoint/2010/main" val="2187122701"/>
-      </p:ext>
-    </p:extLst>
-  </p:cSld>
-  <p:clrMapOvr>
-    <a:masterClrMapping/>
-  </p:clrMapOvr>
-  <p:timing>
-    <p:tnLst>
-      <p:par>
-        <p:cTn id="1" dur="indefinite" restart="never" nodeType="tmRoot">
-          <p:childTnLst>
-            <p:seq concurrent="1" nextAc="seek">
-              <p:cTn id="2" dur="indefinite" nodeType="mainSeq">
-                <p:childTnLst>
-                  <p:par>
-                    <p:cTn id="3" fill="hold">
-                      <p:stCondLst>
-                        <p:cond delay="indefinite"/>
-                      </p:stCondLst>
-                      <p:childTnLst>
-                        <p:par>
-                          <p:cTn id="4" fill="hold">
-                            <p:stCondLst>
-                              <p:cond delay="0"/>
-                            </p:stCondLst>
-                            <p:childTnLst>
-                              <p:par>
-                                <p:cTn id="5" presetID="22" presetClass="entr" presetSubtype="4" fill="hold" nodeType="clickEffect">
-                                  <p:stCondLst>
-                                    <p:cond delay="0"/>
-                                  </p:stCondLst>
-                                  <p:childTnLst>
-                                    <p:set>
-                                      <p:cBhvr>
-                                        <p:cTn id="6" dur="1" fill="hold">
-                                          <p:stCondLst>
-                                            <p:cond delay="0"/>
-                                          </p:stCondLst>
-                                        </p:cTn>
-                                        <p:tgtEl>
-                                          <p:spTgt spid="4"/>
-                                        </p:tgtEl>
-                                        <p:attrNameLst>
-                                          <p:attrName>style.visibility</p:attrName>
-                                        </p:attrNameLst>
-                                      </p:cBhvr>
-                                      <p:to>
-                                        <p:strVal val="visible"/>
-                                      </p:to>
-                                    </p:set>
-                                    <p:animEffect transition="in" filter="wipe(down)">
-                                      <p:cBhvr>
-                                        <p:cTn id="7" dur="500"/>
-                                        <p:tgtEl>
-                                          <p:spTgt spid="4"/>
-                                        </p:tgtEl>
-                                      </p:cBhvr>
-                                    </p:animEffect>
-                                  </p:childTnLst>
-                                </p:cTn>
-                              </p:par>
-                            </p:childTnLst>
-                          </p:cTn>
-                        </p:par>
-                      </p:childTnLst>
-                    </p:cTn>
-                  </p:par>
-                  <p:par>
-                    <p:cTn id="8" fill="hold">
-                      <p:stCondLst>
-                        <p:cond delay="indefinite"/>
-                      </p:stCondLst>
-                      <p:childTnLst>
-                        <p:par>
-                          <p:cTn id="9" fill="hold">
-                            <p:stCondLst>
-                              <p:cond delay="0"/>
-                            </p:stCondLst>
-                            <p:childTnLst>
-                              <p:par>
-                                <p:cTn id="10" presetID="14" presetClass="entr" presetSubtype="10" fill="hold" nodeType="clickEffect">
-                                  <p:stCondLst>
-                                    <p:cond delay="0"/>
-                                  </p:stCondLst>
-                                  <p:childTnLst>
-                                    <p:set>
-                                      <p:cBhvr>
-                                        <p:cTn id="11" dur="1" fill="hold">
-                                          <p:stCondLst>
-                                            <p:cond delay="0"/>
-                                          </p:stCondLst>
-                                        </p:cTn>
-                                        <p:tgtEl>
-                                          <p:spTgt spid="5"/>
-                                        </p:tgtEl>
-                                        <p:attrNameLst>
-                                          <p:attrName>style.visibility</p:attrName>
-                                        </p:attrNameLst>
-                                      </p:cBhvr>
-                                      <p:to>
-                                        <p:strVal val="visible"/>
-                                      </p:to>
-                                    </p:set>
-                                    <p:animEffect transition="in" filter="randombar(horizontal)">
-                                      <p:cBhvr>
-                                        <p:cTn id="12" dur="500"/>
-                                        <p:tgtEl>
-                                          <p:spTgt spid="5"/>
-                                        </p:tgtEl>
-                                      </p:cBhvr>
-                                    </p:animEffect>
-                                  </p:childTnLst>
-                                </p:cTn>
-                              </p:par>
-                            </p:childTnLst>
-                          </p:cTn>
-                        </p:par>
-                      </p:childTnLst>
-                    </p:cTn>
-                  </p:par>
-                </p:childTnLst>
-              </p:cTn>
-              <p:prevCondLst>
-                <p:cond evt="onPrev" delay="0">
-                  <p:tgtEl>
-                    <p:sldTgt/>
-                  </p:tgtEl>
-                </p:cond>
-              </p:prevCondLst>
-              <p:nextCondLst>
-                <p:cond evt="onNext" delay="0">
-                  <p:tgtEl>
-                    <p:sldTgt/>
-                  </p:tgtEl>
-                </p:cond>
-              </p:nextCondLst>
-            </p:seq>
-          </p:childTnLst>
-        </p:cTn>
-      </p:par>
-    </p:tnLst>
-  </p:timing>
-</p:sld>
-</file>
-
-<file path=ppt/slides/slide7.xml><?xml version="1.0" encoding="utf-8"?>
 <p:sld xmlns:a="http://schemas.openxmlformats.org/drawingml/2006/main" xmlns:r="http://schemas.openxmlformats.org/officeDocument/2006/relationships" xmlns:p="http://schemas.openxmlformats.org/presentationml/2006/main">
   <p:cSld>
     <p:spTree>
@@ -7497,7 +8882,7 @@
                                           </p:stCondLst>
                                         </p:cTn>
                                         <p:tgtEl>
-                                          <p:spTgt spid="14"/>
+                                          <p:spTgt spid="4"/>
                                         </p:tgtEl>
                                         <p:attrNameLst>
                                           <p:attrName>style.visibility</p:attrName>
@@ -7511,7 +8896,7 @@
                                       <p:cBhvr>
                                         <p:cTn id="7" dur="500"/>
                                         <p:tgtEl>
-                                          <p:spTgt spid="14"/>
+                                          <p:spTgt spid="4"/>
                                         </p:tgtEl>
                                       </p:cBhvr>
                                     </p:animEffect>
@@ -7537,7 +8922,7 @@
                             </p:stCondLst>
                             <p:childTnLst>
                               <p:par>
-                                <p:cTn id="10" presetID="6" presetClass="entr" presetSubtype="16" fill="hold" grpId="0" nodeType="clickEffect">
+                                <p:cTn id="10" presetID="16" presetClass="entr" presetSubtype="21" fill="hold" nodeType="clickEffect">
                                   <p:stCondLst>
                                     <p:cond delay="0"/>
                                   </p:stCondLst>
@@ -7550,7 +8935,7 @@
                                           </p:stCondLst>
                                         </p:cTn>
                                         <p:tgtEl>
-                                          <p:spTgt spid="15"/>
+                                          <p:spTgt spid="14"/>
                                         </p:tgtEl>
                                         <p:attrNameLst>
                                           <p:attrName>style.visibility</p:attrName>
@@ -7560,11 +8945,11 @@
                                         <p:strVal val="visible"/>
                                       </p:to>
                                     </p:set>
-                                    <p:animEffect transition="in" filter="circle(in)">
+                                    <p:animEffect transition="in" filter="barn(inVertical)">
                                       <p:cBhvr>
-                                        <p:cTn id="12" dur="2000"/>
+                                        <p:cTn id="12" dur="500"/>
                                         <p:tgtEl>
-                                          <p:spTgt spid="15"/>
+                                          <p:spTgt spid="14"/>
                                         </p:tgtEl>
                                       </p:cBhvr>
                                     </p:animEffect>
@@ -7590,7 +8975,7 @@
                             </p:stCondLst>
                             <p:childTnLst>
                               <p:par>
-                                <p:cTn id="15" presetID="16" presetClass="entr" presetSubtype="21" fill="hold" nodeType="clickEffect">
+                                <p:cTn id="15" presetID="6" presetClass="entr" presetSubtype="16" fill="hold" grpId="0" nodeType="clickEffect">
                                   <p:stCondLst>
                                     <p:cond delay="0"/>
                                   </p:stCondLst>
@@ -7598,6 +8983,59 @@
                                     <p:set>
                                       <p:cBhvr>
                                         <p:cTn id="16" dur="1" fill="hold">
+                                          <p:stCondLst>
+                                            <p:cond delay="0"/>
+                                          </p:stCondLst>
+                                        </p:cTn>
+                                        <p:tgtEl>
+                                          <p:spTgt spid="15"/>
+                                        </p:tgtEl>
+                                        <p:attrNameLst>
+                                          <p:attrName>style.visibility</p:attrName>
+                                        </p:attrNameLst>
+                                      </p:cBhvr>
+                                      <p:to>
+                                        <p:strVal val="visible"/>
+                                      </p:to>
+                                    </p:set>
+                                    <p:animEffect transition="in" filter="circle(in)">
+                                      <p:cBhvr>
+                                        <p:cTn id="17" dur="2000"/>
+                                        <p:tgtEl>
+                                          <p:spTgt spid="15"/>
+                                        </p:tgtEl>
+                                      </p:cBhvr>
+                                    </p:animEffect>
+                                  </p:childTnLst>
+                                </p:cTn>
+                              </p:par>
+                            </p:childTnLst>
+                          </p:cTn>
+                        </p:par>
+                      </p:childTnLst>
+                    </p:cTn>
+                  </p:par>
+                  <p:par>
+                    <p:cTn id="18" fill="hold">
+                      <p:stCondLst>
+                        <p:cond delay="indefinite"/>
+                      </p:stCondLst>
+                      <p:childTnLst>
+                        <p:par>
+                          <p:cTn id="19" fill="hold">
+                            <p:stCondLst>
+                              <p:cond delay="0"/>
+                            </p:stCondLst>
+                            <p:childTnLst>
+                              <p:par>
+                                <p:cTn id="20" presetID="16" presetClass="entr" presetSubtype="21" fill="hold" nodeType="clickEffect">
+                                  <p:stCondLst>
+                                    <p:cond delay="0"/>
+                                  </p:stCondLst>
+                                  <p:childTnLst>
+                                    <p:set>
+                                      <p:cBhvr>
+                                        <p:cTn id="21" dur="1" fill="hold">
                                           <p:stCondLst>
                                             <p:cond delay="0"/>
                                           </p:stCondLst>
@@ -7615,7 +9053,7 @@
                                     </p:set>
                                     <p:animEffect transition="in" filter="barn(inVertical)">
                                       <p:cBhvr>
-                                        <p:cTn id="17" dur="500"/>
+                                        <p:cTn id="22" dur="500"/>
                                         <p:tgtEl>
                                           <p:spTgt spid="19"/>
                                         </p:tgtEl>
@@ -7658,7 +9096,7 @@
 </p:sld>
 </file>
 
-<file path=ppt/slides/slide8.xml><?xml version="1.0" encoding="utf-8"?>
+<file path=ppt/slides/slide7.xml><?xml version="1.0" encoding="utf-8"?>
 <p:sld xmlns:a="http://schemas.openxmlformats.org/drawingml/2006/main" xmlns:r="http://schemas.openxmlformats.org/officeDocument/2006/relationships" xmlns:p="http://schemas.openxmlformats.org/presentationml/2006/main">
   <p:cSld>
     <p:spTree>
@@ -7744,8 +9182,8 @@
         </p:nvSpPr>
         <p:spPr>
           <a:xfrm>
-            <a:off x="724879" y="3140968"/>
-            <a:ext cx="7711022" cy="461665"/>
+            <a:off x="772681" y="2996952"/>
+            <a:ext cx="6003503" cy="830997"/>
           </a:xfrm>
           <a:prstGeom prst="rect">
             <a:avLst/>
@@ -7760,7 +9198,17 @@
           <a:p>
             <a:r>
               <a:rPr lang="ru-RU" sz="2400" dirty="0" smtClean="0"/>
-              <a:t>Снижение трат на лицензирование вспомогательного ПО</a:t>
+              <a:t>Минимизация расходов на лицензирование</a:t>
+            </a:r>
+          </a:p>
+          <a:p>
+            <a:r>
+              <a:rPr lang="ru-RU" sz="2400" dirty="0" smtClean="0"/>
+              <a:t>вспомогательного </a:t>
+            </a:r>
+            <a:r>
+              <a:rPr lang="ru-RU" sz="2400" dirty="0" smtClean="0"/>
+              <a:t>ПО</a:t>
             </a:r>
             <a:endParaRPr lang="ru-RU" sz="2400" dirty="0"/>
           </a:p>
@@ -8013,6 +9461,596 @@
 </p:sld>
 </file>
 
+<file path=ppt/slides/slide8.xml><?xml version="1.0" encoding="utf-8"?>
+<p:sld xmlns:a="http://schemas.openxmlformats.org/drawingml/2006/main" xmlns:r="http://schemas.openxmlformats.org/officeDocument/2006/relationships" xmlns:p="http://schemas.openxmlformats.org/presentationml/2006/main">
+  <p:cSld>
+    <p:spTree>
+      <p:nvGrpSpPr>
+        <p:cNvPr id="1" name=""/>
+        <p:cNvGrpSpPr/>
+        <p:nvPr/>
+      </p:nvGrpSpPr>
+      <p:grpSpPr>
+        <a:xfrm>
+          <a:off x="0" y="0"/>
+          <a:ext cx="0" cy="0"/>
+          <a:chOff x="0" y="0"/>
+          <a:chExt cx="0" cy="0"/>
+        </a:xfrm>
+      </p:grpSpPr>
+      <p:sp>
+        <p:nvSpPr>
+          <p:cNvPr id="2" name="Заголовок 1"/>
+          <p:cNvSpPr>
+            <a:spLocks noGrp="1"/>
+          </p:cNvSpPr>
+          <p:nvPr>
+            <p:ph type="title"/>
+          </p:nvPr>
+        </p:nvSpPr>
+        <p:spPr/>
+        <p:txBody>
+          <a:bodyPr/>
+          <a:lstStyle/>
+          <a:p>
+            <a:r>
+              <a:rPr lang="ru-RU" dirty="0" smtClean="0">
+                <a:solidFill>
+                  <a:srgbClr val="00B050"/>
+                </a:solidFill>
+              </a:rPr>
+              <a:t>Консолидированная выгода</a:t>
+            </a:r>
+            <a:endParaRPr lang="ru-RU" dirty="0">
+              <a:solidFill>
+                <a:srgbClr val="00B050"/>
+              </a:solidFill>
+            </a:endParaRPr>
+          </a:p>
+        </p:txBody>
+      </p:sp>
+      <p:pic>
+        <p:nvPicPr>
+          <p:cNvPr id="3" name="Рисунок 2"/>
+          <p:cNvPicPr>
+            <a:picLocks noChangeAspect="1"/>
+          </p:cNvPicPr>
+          <p:nvPr/>
+        </p:nvPicPr>
+        <p:blipFill>
+          <a:blip r:embed="rId2" cstate="print">
+            <a:extLst>
+              <a:ext uri="{28A0092B-C50C-407E-A947-70E740481C1C}">
+                <a14:useLocalDpi xmlns:a14="http://schemas.microsoft.com/office/drawing/2010/main" val="0"/>
+              </a:ext>
+            </a:extLst>
+          </a:blip>
+          <a:stretch>
+            <a:fillRect/>
+          </a:stretch>
+        </p:blipFill>
+        <p:spPr>
+          <a:xfrm>
+            <a:off x="2411759" y="2636912"/>
+            <a:ext cx="1043339" cy="652087"/>
+          </a:xfrm>
+          <a:prstGeom prst="rect">
+            <a:avLst/>
+          </a:prstGeom>
+        </p:spPr>
+      </p:pic>
+      <p:pic>
+        <p:nvPicPr>
+          <p:cNvPr id="4" name="Рисунок 3"/>
+          <p:cNvPicPr>
+            <a:picLocks noChangeAspect="1"/>
+          </p:cNvPicPr>
+          <p:nvPr/>
+        </p:nvPicPr>
+        <p:blipFill>
+          <a:blip r:embed="rId3" cstate="print">
+            <a:extLst>
+              <a:ext uri="{28A0092B-C50C-407E-A947-70E740481C1C}">
+                <a14:useLocalDpi xmlns:a14="http://schemas.microsoft.com/office/drawing/2010/main" val="0"/>
+              </a:ext>
+            </a:extLst>
+          </a:blip>
+          <a:stretch>
+            <a:fillRect/>
+          </a:stretch>
+        </p:blipFill>
+        <p:spPr>
+          <a:xfrm>
+            <a:off x="3635896" y="1196752"/>
+            <a:ext cx="2229443" cy="2092247"/>
+          </a:xfrm>
+          <a:prstGeom prst="rect">
+            <a:avLst/>
+          </a:prstGeom>
+        </p:spPr>
+      </p:pic>
+      <p:pic>
+        <p:nvPicPr>
+          <p:cNvPr id="5" name="Рисунок 4"/>
+          <p:cNvPicPr>
+            <a:picLocks noChangeAspect="1"/>
+          </p:cNvPicPr>
+          <p:nvPr/>
+        </p:nvPicPr>
+        <p:blipFill>
+          <a:blip r:embed="rId4" cstate="print">
+            <a:extLst>
+              <a:ext uri="{28A0092B-C50C-407E-A947-70E740481C1C}">
+                <a14:useLocalDpi xmlns:a14="http://schemas.microsoft.com/office/drawing/2010/main" val="0"/>
+              </a:ext>
+            </a:extLst>
+          </a:blip>
+          <a:stretch>
+            <a:fillRect/>
+          </a:stretch>
+        </p:blipFill>
+        <p:spPr>
+          <a:xfrm>
+            <a:off x="358482" y="4077072"/>
+            <a:ext cx="2400268" cy="1800200"/>
+          </a:xfrm>
+          <a:prstGeom prst="rect">
+            <a:avLst/>
+          </a:prstGeom>
+        </p:spPr>
+      </p:pic>
+      <p:pic>
+        <p:nvPicPr>
+          <p:cNvPr id="7" name="Рисунок 6"/>
+          <p:cNvPicPr>
+            <a:picLocks noChangeAspect="1"/>
+          </p:cNvPicPr>
+          <p:nvPr/>
+        </p:nvPicPr>
+        <p:blipFill>
+          <a:blip r:embed="rId5">
+            <a:extLst>
+              <a:ext uri="{28A0092B-C50C-407E-A947-70E740481C1C}">
+                <a14:useLocalDpi xmlns:a14="http://schemas.microsoft.com/office/drawing/2010/main" val="0"/>
+              </a:ext>
+            </a:extLst>
+          </a:blip>
+          <a:stretch>
+            <a:fillRect/>
+          </a:stretch>
+        </p:blipFill>
+        <p:spPr>
+          <a:xfrm>
+            <a:off x="3058429" y="3501008"/>
+            <a:ext cx="3384376" cy="2538282"/>
+          </a:xfrm>
+          <a:prstGeom prst="rect">
+            <a:avLst/>
+          </a:prstGeom>
+        </p:spPr>
+      </p:pic>
+      <p:pic>
+        <p:nvPicPr>
+          <p:cNvPr id="8" name="Рисунок 7"/>
+          <p:cNvPicPr>
+            <a:picLocks noChangeAspect="1"/>
+          </p:cNvPicPr>
+          <p:nvPr/>
+        </p:nvPicPr>
+        <p:blipFill>
+          <a:blip r:embed="rId6" cstate="print">
+            <a:extLst>
+              <a:ext uri="{28A0092B-C50C-407E-A947-70E740481C1C}">
+                <a14:useLocalDpi xmlns:a14="http://schemas.microsoft.com/office/drawing/2010/main" val="0"/>
+              </a:ext>
+            </a:extLst>
+          </a:blip>
+          <a:stretch>
+            <a:fillRect/>
+          </a:stretch>
+        </p:blipFill>
+        <p:spPr>
+          <a:xfrm>
+            <a:off x="6876256" y="4077072"/>
+            <a:ext cx="1731095" cy="1513275"/>
+          </a:xfrm>
+          <a:prstGeom prst="rect">
+            <a:avLst/>
+          </a:prstGeom>
+        </p:spPr>
+      </p:pic>
+      <p:sp>
+        <p:nvSpPr>
+          <p:cNvPr id="9" name="Умножение 8"/>
+          <p:cNvSpPr/>
+          <p:nvPr/>
+        </p:nvSpPr>
+        <p:spPr>
+          <a:xfrm>
+            <a:off x="1907704" y="1052736"/>
+            <a:ext cx="4176464" cy="2448272"/>
+          </a:xfrm>
+          <a:prstGeom prst="mathMultiply">
+            <a:avLst/>
+          </a:prstGeom>
+          <a:solidFill>
+            <a:srgbClr val="C00000"/>
+          </a:solidFill>
+          <a:ln w="3175" cmpd="sng">
+            <a:noFill/>
+          </a:ln>
+        </p:spPr>
+        <p:style>
+          <a:lnRef idx="2">
+            <a:schemeClr val="accent1">
+              <a:shade val="50000"/>
+            </a:schemeClr>
+          </a:lnRef>
+          <a:fillRef idx="1">
+            <a:schemeClr val="accent1"/>
+          </a:fillRef>
+          <a:effectRef idx="0">
+            <a:schemeClr val="accent1"/>
+          </a:effectRef>
+          <a:fontRef idx="minor">
+            <a:schemeClr val="lt1"/>
+          </a:fontRef>
+        </p:style>
+        <p:txBody>
+          <a:bodyPr rtlCol="0" anchor="ctr"/>
+          <a:lstStyle/>
+          <a:p>
+            <a:pPr algn="ctr"/>
+            <a:endParaRPr lang="ru-RU"/>
+          </a:p>
+        </p:txBody>
+      </p:sp>
+    </p:spTree>
+    <p:extLst>
+      <p:ext uri="{BB962C8B-B14F-4D97-AF65-F5344CB8AC3E}">
+        <p14:creationId xmlns:p14="http://schemas.microsoft.com/office/powerpoint/2010/main" val="107971526"/>
+      </p:ext>
+    </p:extLst>
+  </p:cSld>
+  <p:clrMapOvr>
+    <a:masterClrMapping/>
+  </p:clrMapOvr>
+  <p:timing>
+    <p:tnLst>
+      <p:par>
+        <p:cTn id="1" dur="indefinite" restart="never" nodeType="tmRoot">
+          <p:childTnLst>
+            <p:seq concurrent="1" nextAc="seek">
+              <p:cTn id="2" dur="indefinite" nodeType="mainSeq">
+                <p:childTnLst>
+                  <p:par>
+                    <p:cTn id="3" fill="hold">
+                      <p:stCondLst>
+                        <p:cond delay="indefinite"/>
+                      </p:stCondLst>
+                      <p:childTnLst>
+                        <p:par>
+                          <p:cTn id="4" fill="hold">
+                            <p:stCondLst>
+                              <p:cond delay="0"/>
+                            </p:stCondLst>
+                            <p:childTnLst>
+                              <p:par>
+                                <p:cTn id="5" presetID="14" presetClass="entr" presetSubtype="10" fill="hold" nodeType="clickEffect">
+                                  <p:stCondLst>
+                                    <p:cond delay="0"/>
+                                  </p:stCondLst>
+                                  <p:childTnLst>
+                                    <p:set>
+                                      <p:cBhvr>
+                                        <p:cTn id="6" dur="1" fill="hold">
+                                          <p:stCondLst>
+                                            <p:cond delay="0"/>
+                                          </p:stCondLst>
+                                        </p:cTn>
+                                        <p:tgtEl>
+                                          <p:spTgt spid="3"/>
+                                        </p:tgtEl>
+                                        <p:attrNameLst>
+                                          <p:attrName>style.visibility</p:attrName>
+                                        </p:attrNameLst>
+                                      </p:cBhvr>
+                                      <p:to>
+                                        <p:strVal val="visible"/>
+                                      </p:to>
+                                    </p:set>
+                                    <p:animEffect transition="in" filter="randombar(horizontal)">
+                                      <p:cBhvr>
+                                        <p:cTn id="7" dur="500"/>
+                                        <p:tgtEl>
+                                          <p:spTgt spid="3"/>
+                                        </p:tgtEl>
+                                      </p:cBhvr>
+                                    </p:animEffect>
+                                  </p:childTnLst>
+                                </p:cTn>
+                              </p:par>
+                              <p:par>
+                                <p:cTn id="8" presetID="14" presetClass="entr" presetSubtype="10" fill="hold" nodeType="withEffect">
+                                  <p:stCondLst>
+                                    <p:cond delay="0"/>
+                                  </p:stCondLst>
+                                  <p:childTnLst>
+                                    <p:set>
+                                      <p:cBhvr>
+                                        <p:cTn id="9" dur="1" fill="hold">
+                                          <p:stCondLst>
+                                            <p:cond delay="0"/>
+                                          </p:stCondLst>
+                                        </p:cTn>
+                                        <p:tgtEl>
+                                          <p:spTgt spid="4"/>
+                                        </p:tgtEl>
+                                        <p:attrNameLst>
+                                          <p:attrName>style.visibility</p:attrName>
+                                        </p:attrNameLst>
+                                      </p:cBhvr>
+                                      <p:to>
+                                        <p:strVal val="visible"/>
+                                      </p:to>
+                                    </p:set>
+                                    <p:animEffect transition="in" filter="randombar(horizontal)">
+                                      <p:cBhvr>
+                                        <p:cTn id="10" dur="500"/>
+                                        <p:tgtEl>
+                                          <p:spTgt spid="4"/>
+                                        </p:tgtEl>
+                                      </p:cBhvr>
+                                    </p:animEffect>
+                                  </p:childTnLst>
+                                </p:cTn>
+                              </p:par>
+                            </p:childTnLst>
+                          </p:cTn>
+                        </p:par>
+                      </p:childTnLst>
+                    </p:cTn>
+                  </p:par>
+                  <p:par>
+                    <p:cTn id="11" fill="hold">
+                      <p:stCondLst>
+                        <p:cond delay="indefinite"/>
+                      </p:stCondLst>
+                      <p:childTnLst>
+                        <p:par>
+                          <p:cTn id="12" fill="hold">
+                            <p:stCondLst>
+                              <p:cond delay="0"/>
+                            </p:stCondLst>
+                            <p:childTnLst>
+                              <p:par>
+                                <p:cTn id="13" presetID="16" presetClass="entr" presetSubtype="21" fill="hold" grpId="0" nodeType="clickEffect">
+                                  <p:stCondLst>
+                                    <p:cond delay="0"/>
+                                  </p:stCondLst>
+                                  <p:childTnLst>
+                                    <p:set>
+                                      <p:cBhvr>
+                                        <p:cTn id="14" dur="1" fill="hold">
+                                          <p:stCondLst>
+                                            <p:cond delay="0"/>
+                                          </p:stCondLst>
+                                        </p:cTn>
+                                        <p:tgtEl>
+                                          <p:spTgt spid="9"/>
+                                        </p:tgtEl>
+                                        <p:attrNameLst>
+                                          <p:attrName>style.visibility</p:attrName>
+                                        </p:attrNameLst>
+                                      </p:cBhvr>
+                                      <p:to>
+                                        <p:strVal val="visible"/>
+                                      </p:to>
+                                    </p:set>
+                                    <p:animEffect transition="in" filter="barn(inVertical)">
+                                      <p:cBhvr>
+                                        <p:cTn id="15" dur="500"/>
+                                        <p:tgtEl>
+                                          <p:spTgt spid="9"/>
+                                        </p:tgtEl>
+                                      </p:cBhvr>
+                                    </p:animEffect>
+                                  </p:childTnLst>
+                                </p:cTn>
+                              </p:par>
+                            </p:childTnLst>
+                          </p:cTn>
+                        </p:par>
+                      </p:childTnLst>
+                    </p:cTn>
+                  </p:par>
+                  <p:par>
+                    <p:cTn id="16" fill="hold">
+                      <p:stCondLst>
+                        <p:cond delay="indefinite"/>
+                      </p:stCondLst>
+                      <p:childTnLst>
+                        <p:par>
+                          <p:cTn id="17" fill="hold">
+                            <p:stCondLst>
+                              <p:cond delay="0"/>
+                            </p:stCondLst>
+                            <p:childTnLst>
+                              <p:par>
+                                <p:cTn id="18" presetID="16" presetClass="entr" presetSubtype="21" fill="hold" nodeType="clickEffect">
+                                  <p:stCondLst>
+                                    <p:cond delay="0"/>
+                                  </p:stCondLst>
+                                  <p:childTnLst>
+                                    <p:set>
+                                      <p:cBhvr>
+                                        <p:cTn id="19" dur="1" fill="hold">
+                                          <p:stCondLst>
+                                            <p:cond delay="0"/>
+                                          </p:stCondLst>
+                                        </p:cTn>
+                                        <p:tgtEl>
+                                          <p:spTgt spid="5"/>
+                                        </p:tgtEl>
+                                        <p:attrNameLst>
+                                          <p:attrName>style.visibility</p:attrName>
+                                        </p:attrNameLst>
+                                      </p:cBhvr>
+                                      <p:to>
+                                        <p:strVal val="visible"/>
+                                      </p:to>
+                                    </p:set>
+                                    <p:animEffect transition="in" filter="barn(inVertical)">
+                                      <p:cBhvr>
+                                        <p:cTn id="20" dur="500"/>
+                                        <p:tgtEl>
+                                          <p:spTgt spid="5"/>
+                                        </p:tgtEl>
+                                      </p:cBhvr>
+                                    </p:animEffect>
+                                  </p:childTnLst>
+                                </p:cTn>
+                              </p:par>
+                            </p:childTnLst>
+                          </p:cTn>
+                        </p:par>
+                      </p:childTnLst>
+                    </p:cTn>
+                  </p:par>
+                  <p:par>
+                    <p:cTn id="21" fill="hold">
+                      <p:stCondLst>
+                        <p:cond delay="indefinite"/>
+                      </p:stCondLst>
+                      <p:childTnLst>
+                        <p:par>
+                          <p:cTn id="22" fill="hold">
+                            <p:stCondLst>
+                              <p:cond delay="0"/>
+                            </p:stCondLst>
+                            <p:childTnLst>
+                              <p:par>
+                                <p:cTn id="23" presetID="6" presetClass="entr" presetSubtype="16" fill="hold" nodeType="clickEffect">
+                                  <p:stCondLst>
+                                    <p:cond delay="0"/>
+                                  </p:stCondLst>
+                                  <p:childTnLst>
+                                    <p:set>
+                                      <p:cBhvr>
+                                        <p:cTn id="24" dur="1" fill="hold">
+                                          <p:stCondLst>
+                                            <p:cond delay="0"/>
+                                          </p:stCondLst>
+                                        </p:cTn>
+                                        <p:tgtEl>
+                                          <p:spTgt spid="7"/>
+                                        </p:tgtEl>
+                                        <p:attrNameLst>
+                                          <p:attrName>style.visibility</p:attrName>
+                                        </p:attrNameLst>
+                                      </p:cBhvr>
+                                      <p:to>
+                                        <p:strVal val="visible"/>
+                                      </p:to>
+                                    </p:set>
+                                    <p:animEffect transition="in" filter="circle(in)">
+                                      <p:cBhvr>
+                                        <p:cTn id="25" dur="2000"/>
+                                        <p:tgtEl>
+                                          <p:spTgt spid="7"/>
+                                        </p:tgtEl>
+                                      </p:cBhvr>
+                                    </p:animEffect>
+                                  </p:childTnLst>
+                                </p:cTn>
+                              </p:par>
+                            </p:childTnLst>
+                          </p:cTn>
+                        </p:par>
+                      </p:childTnLst>
+                    </p:cTn>
+                  </p:par>
+                  <p:par>
+                    <p:cTn id="26" fill="hold">
+                      <p:stCondLst>
+                        <p:cond delay="indefinite"/>
+                      </p:stCondLst>
+                      <p:childTnLst>
+                        <p:par>
+                          <p:cTn id="27" fill="hold">
+                            <p:stCondLst>
+                              <p:cond delay="0"/>
+                            </p:stCondLst>
+                            <p:childTnLst>
+                              <p:par>
+                                <p:cTn id="28" presetID="14" presetClass="entr" presetSubtype="10" fill="hold" nodeType="clickEffect">
+                                  <p:stCondLst>
+                                    <p:cond delay="0"/>
+                                  </p:stCondLst>
+                                  <p:childTnLst>
+                                    <p:set>
+                                      <p:cBhvr>
+                                        <p:cTn id="29" dur="1" fill="hold">
+                                          <p:stCondLst>
+                                            <p:cond delay="0"/>
+                                          </p:stCondLst>
+                                        </p:cTn>
+                                        <p:tgtEl>
+                                          <p:spTgt spid="8"/>
+                                        </p:tgtEl>
+                                        <p:attrNameLst>
+                                          <p:attrName>style.visibility</p:attrName>
+                                        </p:attrNameLst>
+                                      </p:cBhvr>
+                                      <p:to>
+                                        <p:strVal val="visible"/>
+                                      </p:to>
+                                    </p:set>
+                                    <p:animEffect transition="in" filter="randombar(horizontal)">
+                                      <p:cBhvr>
+                                        <p:cTn id="30" dur="500"/>
+                                        <p:tgtEl>
+                                          <p:spTgt spid="8"/>
+                                        </p:tgtEl>
+                                      </p:cBhvr>
+                                    </p:animEffect>
+                                  </p:childTnLst>
+                                </p:cTn>
+                              </p:par>
+                            </p:childTnLst>
+                          </p:cTn>
+                        </p:par>
+                      </p:childTnLst>
+                    </p:cTn>
+                  </p:par>
+                </p:childTnLst>
+              </p:cTn>
+              <p:prevCondLst>
+                <p:cond evt="onPrev" delay="0">
+                  <p:tgtEl>
+                    <p:sldTgt/>
+                  </p:tgtEl>
+                </p:cond>
+              </p:prevCondLst>
+              <p:nextCondLst>
+                <p:cond evt="onNext" delay="0">
+                  <p:tgtEl>
+                    <p:sldTgt/>
+                  </p:tgtEl>
+                </p:cond>
+              </p:nextCondLst>
+            </p:seq>
+          </p:childTnLst>
+        </p:cTn>
+      </p:par>
+    </p:tnLst>
+    <p:bldLst>
+      <p:bldP spid="9" grpId="0" animBg="1"/>
+    </p:bldLst>
+  </p:timing>
+</p:sld>
+</file>
+
 <file path=ppt/slides/slide9.xml><?xml version="1.0" encoding="utf-8"?>
 <p:sld xmlns:a="http://schemas.openxmlformats.org/drawingml/2006/main" xmlns:r="http://schemas.openxmlformats.org/officeDocument/2006/relationships" xmlns:p="http://schemas.openxmlformats.org/presentationml/2006/main">
   <p:cSld>
@@ -8042,7 +10080,9 @@
         </p:nvSpPr>
         <p:spPr/>
         <p:txBody>
-          <a:bodyPr/>
+          <a:bodyPr>
+            <a:normAutofit fontScale="90000"/>
+          </a:bodyPr>
           <a:lstStyle/>
           <a:p>
             <a:r>
@@ -8051,7 +10091,7 @@
                   <a:srgbClr val="00B050"/>
                 </a:solidFill>
               </a:rPr>
-              <a:t>Консолидированная выгода</a:t>
+              <a:t>Единая система документооборота и отчётности </a:t>
             </a:r>
             <a:endParaRPr lang="ru-RU" dirty="0">
               <a:solidFill>
@@ -8061,10 +10101,100 @@
           </a:p>
         </p:txBody>
       </p:sp>
+      <p:sp>
+        <p:nvSpPr>
+          <p:cNvPr id="3" name="TextBox 2"/>
+          <p:cNvSpPr txBox="1"/>
+          <p:nvPr/>
+        </p:nvSpPr>
+        <p:spPr>
+          <a:xfrm>
+            <a:off x="611560" y="1938070"/>
+            <a:ext cx="5845959" cy="461665"/>
+          </a:xfrm>
+          <a:prstGeom prst="rect">
+            <a:avLst/>
+          </a:prstGeom>
+          <a:noFill/>
+        </p:spPr>
+        <p:txBody>
+          <a:bodyPr wrap="none" rtlCol="0">
+            <a:spAutoFit/>
+          </a:bodyPr>
+          <a:lstStyle/>
+          <a:p>
+            <a:r>
+              <a:rPr lang="ru-RU" sz="2400" dirty="0" smtClean="0"/>
+              <a:t>Обороты по торговым точкам предприятия</a:t>
+            </a:r>
+            <a:endParaRPr lang="ru-RU" sz="2400" dirty="0"/>
+          </a:p>
+        </p:txBody>
+      </p:sp>
+      <p:sp>
+        <p:nvSpPr>
+          <p:cNvPr id="4" name="TextBox 3"/>
+          <p:cNvSpPr txBox="1"/>
+          <p:nvPr/>
+        </p:nvSpPr>
+        <p:spPr>
+          <a:xfrm>
+            <a:off x="611560" y="2987660"/>
+            <a:ext cx="7182351" cy="461665"/>
+          </a:xfrm>
+          <a:prstGeom prst="rect">
+            <a:avLst/>
+          </a:prstGeom>
+          <a:noFill/>
+        </p:spPr>
+        <p:txBody>
+          <a:bodyPr wrap="none" rtlCol="0">
+            <a:spAutoFit/>
+          </a:bodyPr>
+          <a:lstStyle/>
+          <a:p>
+            <a:r>
+              <a:rPr lang="ru-RU" sz="2400" dirty="0" smtClean="0"/>
+              <a:t>Выгрузка проводок в бухгалтерские учётные системы</a:t>
+            </a:r>
+            <a:endParaRPr lang="ru-RU" sz="2400" dirty="0"/>
+          </a:p>
+        </p:txBody>
+      </p:sp>
+      <p:sp>
+        <p:nvSpPr>
+          <p:cNvPr id="5" name="TextBox 4"/>
+          <p:cNvSpPr txBox="1"/>
+          <p:nvPr/>
+        </p:nvSpPr>
+        <p:spPr>
+          <a:xfrm>
+            <a:off x="611560" y="3995772"/>
+            <a:ext cx="2737865" cy="461665"/>
+          </a:xfrm>
+          <a:prstGeom prst="rect">
+            <a:avLst/>
+          </a:prstGeom>
+          <a:noFill/>
+        </p:spPr>
+        <p:txBody>
+          <a:bodyPr wrap="none" rtlCol="0">
+            <a:spAutoFit/>
+          </a:bodyPr>
+          <a:lstStyle/>
+          <a:p>
+            <a:r>
+              <a:rPr lang="ru-RU" sz="2400" dirty="0" smtClean="0"/>
+              <a:t>Реестры карт-чеков</a:t>
+            </a:r>
+            <a:endParaRPr lang="ru-RU" sz="2400" dirty="0"/>
+          </a:p>
+        </p:txBody>
+      </p:sp>
     </p:spTree>
     <p:extLst>
       <p:ext uri="{BB962C8B-B14F-4D97-AF65-F5344CB8AC3E}">
-        <p14:creationId xmlns:p14="http://schemas.microsoft.com/office/powerpoint/2010/main" val="107971526"/>
+        <p14:creationId xmlns:p14="http://schemas.microsoft.com/office/powerpoint/2010/main" val="2988411589"/>
       </p:ext>
     </p:extLst>
   </p:cSld>
@@ -8074,9 +10204,310 @@
   <p:timing>
     <p:tnLst>
       <p:par>
-        <p:cTn id="1" dur="indefinite" restart="never" nodeType="tmRoot"/>
+        <p:cTn id="1" dur="indefinite" restart="never" nodeType="tmRoot">
+          <p:childTnLst>
+            <p:seq concurrent="1" nextAc="seek">
+              <p:cTn id="2" dur="indefinite" nodeType="mainSeq">
+                <p:childTnLst>
+                  <p:par>
+                    <p:cTn id="3" fill="hold">
+                      <p:stCondLst>
+                        <p:cond delay="indefinite"/>
+                      </p:stCondLst>
+                      <p:childTnLst>
+                        <p:par>
+                          <p:cTn id="4" fill="hold">
+                            <p:stCondLst>
+                              <p:cond delay="0"/>
+                            </p:stCondLst>
+                            <p:childTnLst>
+                              <p:par>
+                                <p:cTn id="5" presetID="2" presetClass="entr" presetSubtype="4" fill="hold" grpId="0" nodeType="clickEffect">
+                                  <p:stCondLst>
+                                    <p:cond delay="0"/>
+                                  </p:stCondLst>
+                                  <p:childTnLst>
+                                    <p:set>
+                                      <p:cBhvr>
+                                        <p:cTn id="6" dur="1" fill="hold">
+                                          <p:stCondLst>
+                                            <p:cond delay="0"/>
+                                          </p:stCondLst>
+                                        </p:cTn>
+                                        <p:tgtEl>
+                                          <p:spTgt spid="3"/>
+                                        </p:tgtEl>
+                                        <p:attrNameLst>
+                                          <p:attrName>style.visibility</p:attrName>
+                                        </p:attrNameLst>
+                                      </p:cBhvr>
+                                      <p:to>
+                                        <p:strVal val="visible"/>
+                                      </p:to>
+                                    </p:set>
+                                    <p:anim calcmode="lin" valueType="num">
+                                      <p:cBhvr additive="base">
+                                        <p:cTn id="7" dur="500" fill="hold"/>
+                                        <p:tgtEl>
+                                          <p:spTgt spid="3"/>
+                                        </p:tgtEl>
+                                        <p:attrNameLst>
+                                          <p:attrName>ppt_x</p:attrName>
+                                        </p:attrNameLst>
+                                      </p:cBhvr>
+                                      <p:tavLst>
+                                        <p:tav tm="0">
+                                          <p:val>
+                                            <p:strVal val="#ppt_x"/>
+                                          </p:val>
+                                        </p:tav>
+                                        <p:tav tm="100000">
+                                          <p:val>
+                                            <p:strVal val="#ppt_x"/>
+                                          </p:val>
+                                        </p:tav>
+                                      </p:tavLst>
+                                    </p:anim>
+                                    <p:anim calcmode="lin" valueType="num">
+                                      <p:cBhvr additive="base">
+                                        <p:cTn id="8" dur="500" fill="hold"/>
+                                        <p:tgtEl>
+                                          <p:spTgt spid="3"/>
+                                        </p:tgtEl>
+                                        <p:attrNameLst>
+                                          <p:attrName>ppt_y</p:attrName>
+                                        </p:attrNameLst>
+                                      </p:cBhvr>
+                                      <p:tavLst>
+                                        <p:tav tm="0">
+                                          <p:val>
+                                            <p:strVal val="1+#ppt_h/2"/>
+                                          </p:val>
+                                        </p:tav>
+                                        <p:tav tm="100000">
+                                          <p:val>
+                                            <p:strVal val="#ppt_y"/>
+                                          </p:val>
+                                        </p:tav>
+                                      </p:tavLst>
+                                    </p:anim>
+                                  </p:childTnLst>
+                                </p:cTn>
+                              </p:par>
+                            </p:childTnLst>
+                          </p:cTn>
+                        </p:par>
+                      </p:childTnLst>
+                    </p:cTn>
+                  </p:par>
+                  <p:par>
+                    <p:cTn id="9" fill="hold">
+                      <p:stCondLst>
+                        <p:cond delay="indefinite"/>
+                      </p:stCondLst>
+                      <p:childTnLst>
+                        <p:par>
+                          <p:cTn id="10" fill="hold">
+                            <p:stCondLst>
+                              <p:cond delay="0"/>
+                            </p:stCondLst>
+                            <p:childTnLst>
+                              <p:par>
+                                <p:cTn id="11" presetID="2" presetClass="entr" presetSubtype="4" fill="hold" grpId="0" nodeType="clickEffect">
+                                  <p:stCondLst>
+                                    <p:cond delay="0"/>
+                                  </p:stCondLst>
+                                  <p:childTnLst>
+                                    <p:set>
+                                      <p:cBhvr>
+                                        <p:cTn id="12" dur="1" fill="hold">
+                                          <p:stCondLst>
+                                            <p:cond delay="0"/>
+                                          </p:stCondLst>
+                                        </p:cTn>
+                                        <p:tgtEl>
+                                          <p:spTgt spid="4"/>
+                                        </p:tgtEl>
+                                        <p:attrNameLst>
+                                          <p:attrName>style.visibility</p:attrName>
+                                        </p:attrNameLst>
+                                      </p:cBhvr>
+                                      <p:to>
+                                        <p:strVal val="visible"/>
+                                      </p:to>
+                                    </p:set>
+                                    <p:anim calcmode="lin" valueType="num">
+                                      <p:cBhvr additive="base">
+                                        <p:cTn id="13" dur="500" fill="hold"/>
+                                        <p:tgtEl>
+                                          <p:spTgt spid="4"/>
+                                        </p:tgtEl>
+                                        <p:attrNameLst>
+                                          <p:attrName>ppt_x</p:attrName>
+                                        </p:attrNameLst>
+                                      </p:cBhvr>
+                                      <p:tavLst>
+                                        <p:tav tm="0">
+                                          <p:val>
+                                            <p:strVal val="#ppt_x"/>
+                                          </p:val>
+                                        </p:tav>
+                                        <p:tav tm="100000">
+                                          <p:val>
+                                            <p:strVal val="#ppt_x"/>
+                                          </p:val>
+                                        </p:tav>
+                                      </p:tavLst>
+                                    </p:anim>
+                                    <p:anim calcmode="lin" valueType="num">
+                                      <p:cBhvr additive="base">
+                                        <p:cTn id="14" dur="500" fill="hold"/>
+                                        <p:tgtEl>
+                                          <p:spTgt spid="4"/>
+                                        </p:tgtEl>
+                                        <p:attrNameLst>
+                                          <p:attrName>ppt_y</p:attrName>
+                                        </p:attrNameLst>
+                                      </p:cBhvr>
+                                      <p:tavLst>
+                                        <p:tav tm="0">
+                                          <p:val>
+                                            <p:strVal val="1+#ppt_h/2"/>
+                                          </p:val>
+                                        </p:tav>
+                                        <p:tav tm="100000">
+                                          <p:val>
+                                            <p:strVal val="#ppt_y"/>
+                                          </p:val>
+                                        </p:tav>
+                                      </p:tavLst>
+                                    </p:anim>
+                                  </p:childTnLst>
+                                </p:cTn>
+                              </p:par>
+                            </p:childTnLst>
+                          </p:cTn>
+                        </p:par>
+                      </p:childTnLst>
+                    </p:cTn>
+                  </p:par>
+                  <p:par>
+                    <p:cTn id="15" fill="hold">
+                      <p:stCondLst>
+                        <p:cond delay="indefinite"/>
+                      </p:stCondLst>
+                      <p:childTnLst>
+                        <p:par>
+                          <p:cTn id="16" fill="hold">
+                            <p:stCondLst>
+                              <p:cond delay="0"/>
+                            </p:stCondLst>
+                            <p:childTnLst>
+                              <p:par>
+                                <p:cTn id="17" presetID="2" presetClass="entr" presetSubtype="4" fill="hold" grpId="0" nodeType="clickEffect">
+                                  <p:stCondLst>
+                                    <p:cond delay="0"/>
+                                  </p:stCondLst>
+                                  <p:childTnLst>
+                                    <p:set>
+                                      <p:cBhvr>
+                                        <p:cTn id="18" dur="1" fill="hold">
+                                          <p:stCondLst>
+                                            <p:cond delay="0"/>
+                                          </p:stCondLst>
+                                        </p:cTn>
+                                        <p:tgtEl>
+                                          <p:spTgt spid="5"/>
+                                        </p:tgtEl>
+                                        <p:attrNameLst>
+                                          <p:attrName>style.visibility</p:attrName>
+                                        </p:attrNameLst>
+                                      </p:cBhvr>
+                                      <p:to>
+                                        <p:strVal val="visible"/>
+                                      </p:to>
+                                    </p:set>
+                                    <p:anim calcmode="lin" valueType="num">
+                                      <p:cBhvr additive="base">
+                                        <p:cTn id="19" dur="500" fill="hold"/>
+                                        <p:tgtEl>
+                                          <p:spTgt spid="5"/>
+                                        </p:tgtEl>
+                                        <p:attrNameLst>
+                                          <p:attrName>ppt_x</p:attrName>
+                                        </p:attrNameLst>
+                                      </p:cBhvr>
+                                      <p:tavLst>
+                                        <p:tav tm="0">
+                                          <p:val>
+                                            <p:strVal val="#ppt_x"/>
+                                          </p:val>
+                                        </p:tav>
+                                        <p:tav tm="100000">
+                                          <p:val>
+                                            <p:strVal val="#ppt_x"/>
+                                          </p:val>
+                                        </p:tav>
+                                      </p:tavLst>
+                                    </p:anim>
+                                    <p:anim calcmode="lin" valueType="num">
+                                      <p:cBhvr additive="base">
+                                        <p:cTn id="20" dur="500" fill="hold"/>
+                                        <p:tgtEl>
+                                          <p:spTgt spid="5"/>
+                                        </p:tgtEl>
+                                        <p:attrNameLst>
+                                          <p:attrName>ppt_y</p:attrName>
+                                        </p:attrNameLst>
+                                      </p:cBhvr>
+                                      <p:tavLst>
+                                        <p:tav tm="0">
+                                          <p:val>
+                                            <p:strVal val="1+#ppt_h/2"/>
+                                          </p:val>
+                                        </p:tav>
+                                        <p:tav tm="100000">
+                                          <p:val>
+                                            <p:strVal val="#ppt_y"/>
+                                          </p:val>
+                                        </p:tav>
+                                      </p:tavLst>
+                                    </p:anim>
+                                  </p:childTnLst>
+                                </p:cTn>
+                              </p:par>
+                            </p:childTnLst>
+                          </p:cTn>
+                        </p:par>
+                      </p:childTnLst>
+                    </p:cTn>
+                  </p:par>
+                </p:childTnLst>
+              </p:cTn>
+              <p:prevCondLst>
+                <p:cond evt="onPrev" delay="0">
+                  <p:tgtEl>
+                    <p:sldTgt/>
+                  </p:tgtEl>
+                </p:cond>
+              </p:prevCondLst>
+              <p:nextCondLst>
+                <p:cond evt="onNext" delay="0">
+                  <p:tgtEl>
+                    <p:sldTgt/>
+                  </p:tgtEl>
+                </p:cond>
+              </p:nextCondLst>
+            </p:seq>
+          </p:childTnLst>
+        </p:cTn>
       </p:par>
     </p:tnLst>
+    <p:bldLst>
+      <p:bldP spid="3" grpId="0"/>
+      <p:bldP spid="4" grpId="0"/>
+      <p:bldP spid="5" grpId="0"/>
+    </p:bldLst>
   </p:timing>
 </p:sld>
 </file>

--- a/Docs/Презентация решения.pptx
+++ b/Docs/Презентация решения.pptx
@@ -14,8 +14,10 @@
     <p:sldId id="263" r:id="rId8"/>
     <p:sldId id="264" r:id="rId9"/>
     <p:sldId id="266" r:id="rId10"/>
-    <p:sldId id="265" r:id="rId11"/>
-    <p:sldId id="267" r:id="rId12"/>
+    <p:sldId id="268" r:id="rId11"/>
+    <p:sldId id="269" r:id="rId12"/>
+    <p:sldId id="265" r:id="rId13"/>
+    <p:sldId id="267" r:id="rId14"/>
   </p:sldIdLst>
   <p:sldSz cx="9144000" cy="6858000" type="screen4x3"/>
   <p:notesSz cx="6858000" cy="9144000"/>
@@ -3129,7 +3131,7 @@
         </p:nvSpPr>
         <p:spPr>
           <a:xfrm>
-            <a:off x="755576" y="1916832"/>
+            <a:off x="827584" y="332656"/>
             <a:ext cx="7772400" cy="1470025"/>
           </a:xfrm>
         </p:spPr>
@@ -3140,28 +3142,12 @@
           <a:lstStyle/>
           <a:p>
             <a:r>
-              <a:rPr lang="ru-RU" sz="6000" dirty="0" err="1" smtClean="0">
+              <a:rPr lang="ru-RU" sz="6000" smtClean="0">
                 <a:solidFill>
                   <a:srgbClr val="00B050"/>
                 </a:solidFill>
               </a:rPr>
-              <a:t>Эквайринговый</a:t>
-            </a:r>
-            <a:r>
-              <a:rPr lang="ru-RU" sz="6000" dirty="0" smtClean="0">
-                <a:solidFill>
-                  <a:srgbClr val="00B050"/>
-                </a:solidFill>
-              </a:rPr>
-              <a:t> </a:t>
-            </a:r>
-            <a:r>
-              <a:rPr lang="ru-RU" sz="6000" dirty="0" smtClean="0">
-                <a:solidFill>
-                  <a:srgbClr val="00B050"/>
-                </a:solidFill>
-              </a:rPr>
-              <a:t>оператор</a:t>
+              <a:t>Эквайринговый оператор</a:t>
             </a:r>
             <a:endParaRPr lang="ru-RU" sz="6000" dirty="0">
               <a:solidFill>
@@ -3183,8 +3169,8 @@
         </p:nvSpPr>
         <p:spPr>
           <a:xfrm>
-            <a:off x="1475656" y="3068960"/>
-            <a:ext cx="6400800" cy="1752600"/>
+            <a:off x="1547664" y="1412776"/>
+            <a:ext cx="6400800" cy="648072"/>
           </a:xfrm>
         </p:spPr>
         <p:txBody>
@@ -3192,7 +3178,7 @@
           <a:lstStyle/>
           <a:p>
             <a:r>
-              <a:rPr lang="en-US" dirty="0" smtClean="0">
+              <a:rPr lang="en-US" smtClean="0">
                 <a:solidFill>
                   <a:srgbClr val="00B050"/>
                 </a:solidFill>
@@ -3204,6 +3190,234 @@
                 <a:schemeClr val="tx1"/>
               </a:solidFill>
             </a:endParaRPr>
+          </a:p>
+        </p:txBody>
+      </p:sp>
+      <p:sp>
+        <p:nvSpPr>
+          <p:cNvPr id="7" name="TextBox 6"/>
+          <p:cNvSpPr txBox="1"/>
+          <p:nvPr/>
+        </p:nvSpPr>
+        <p:spPr>
+          <a:xfrm>
+            <a:off x="683568" y="2030049"/>
+            <a:ext cx="8040086" cy="646331"/>
+          </a:xfrm>
+          <a:prstGeom prst="rect">
+            <a:avLst/>
+          </a:prstGeom>
+          <a:noFill/>
+        </p:spPr>
+        <p:txBody>
+          <a:bodyPr wrap="none" rtlCol="0">
+            <a:spAutoFit/>
+          </a:bodyPr>
+          <a:lstStyle/>
+          <a:p>
+            <a:r>
+              <a:rPr lang="ru-RU" dirty="0" smtClean="0"/>
+              <a:t>Обслуживание финансовых транзакций и решает проблему высокой стоимости</a:t>
+            </a:r>
+          </a:p>
+          <a:p>
+            <a:r>
+              <a:rPr lang="ru-RU" dirty="0" smtClean="0"/>
+              <a:t>комиссии </a:t>
+            </a:r>
+            <a:r>
+              <a:rPr lang="ru-RU" dirty="0" err="1" smtClean="0"/>
+              <a:t>эквайера</a:t>
+            </a:r>
+            <a:r>
+              <a:rPr lang="ru-RU" dirty="0" smtClean="0"/>
+              <a:t> для мелких и средних предпринимателей</a:t>
+            </a:r>
+            <a:endParaRPr lang="ru-RU" dirty="0"/>
+          </a:p>
+        </p:txBody>
+      </p:sp>
+      <p:sp>
+        <p:nvSpPr>
+          <p:cNvPr id="8" name="TextBox 7"/>
+          <p:cNvSpPr txBox="1"/>
+          <p:nvPr/>
+        </p:nvSpPr>
+        <p:spPr>
+          <a:xfrm>
+            <a:off x="683568" y="2728718"/>
+            <a:ext cx="7860998" cy="1200329"/>
+          </a:xfrm>
+          <a:prstGeom prst="rect">
+            <a:avLst/>
+          </a:prstGeom>
+          <a:noFill/>
+        </p:spPr>
+        <p:txBody>
+          <a:bodyPr wrap="square" rtlCol="0">
+            <a:spAutoFit/>
+          </a:bodyPr>
+          <a:lstStyle/>
+          <a:p>
+            <a:pPr algn="just"/>
+            <a:r>
+              <a:rPr lang="ru-RU" dirty="0" smtClean="0"/>
+              <a:t>Снижение стоимости обслуживания карточных транзакций позволит конкурировать с монополистами в регионах в секторе мелкого  и среднего бизнеса  на рынке Республики Беларусь, с общей выручкой 716 трлн. </a:t>
+            </a:r>
+            <a:r>
+              <a:rPr lang="ru-RU" dirty="0"/>
+              <a:t> </a:t>
+            </a:r>
+            <a:r>
+              <a:rPr lang="en-US" dirty="0" smtClean="0"/>
+              <a:t>BYR</a:t>
+            </a:r>
+            <a:r>
+              <a:rPr lang="ru-RU" dirty="0" smtClean="0"/>
+              <a:t>. И количество субъектов около 115 000. </a:t>
+            </a:r>
+            <a:endParaRPr lang="ru-RU" dirty="0"/>
+          </a:p>
+        </p:txBody>
+      </p:sp>
+      <p:sp>
+        <p:nvSpPr>
+          <p:cNvPr id="9" name="TextBox 8"/>
+          <p:cNvSpPr txBox="1"/>
+          <p:nvPr/>
+        </p:nvSpPr>
+        <p:spPr>
+          <a:xfrm>
+            <a:off x="708720" y="4037284"/>
+            <a:ext cx="7860998" cy="923330"/>
+          </a:xfrm>
+          <a:prstGeom prst="rect">
+            <a:avLst/>
+          </a:prstGeom>
+          <a:noFill/>
+        </p:spPr>
+        <p:txBody>
+          <a:bodyPr wrap="square" rtlCol="0">
+            <a:spAutoFit/>
+          </a:bodyPr>
+          <a:lstStyle/>
+          <a:p>
+            <a:pPr algn="just"/>
+            <a:r>
+              <a:rPr lang="ru-RU" dirty="0" smtClean="0"/>
+              <a:t>Нам нужны инвестиции в 350 000</a:t>
+            </a:r>
+            <a:r>
+              <a:rPr lang="en-US" dirty="0" smtClean="0"/>
+              <a:t>$ </a:t>
+            </a:r>
+            <a:r>
+              <a:rPr lang="ru-RU" dirty="0" smtClean="0"/>
+              <a:t>чтобы построить собственный центр обслуживания торговых точек, что позволит получить 100 000</a:t>
+            </a:r>
+            <a:r>
+              <a:rPr lang="en-US" dirty="0" smtClean="0"/>
+              <a:t>$ </a:t>
+            </a:r>
+            <a:r>
+              <a:rPr lang="ru-RU" dirty="0" smtClean="0"/>
+              <a:t>в следующие 12 месяцев</a:t>
+            </a:r>
+            <a:endParaRPr lang="ru-RU" dirty="0"/>
+          </a:p>
+        </p:txBody>
+      </p:sp>
+      <p:sp>
+        <p:nvSpPr>
+          <p:cNvPr id="10" name="TextBox 9"/>
+          <p:cNvSpPr txBox="1"/>
+          <p:nvPr/>
+        </p:nvSpPr>
+        <p:spPr>
+          <a:xfrm>
+            <a:off x="6374576" y="4931876"/>
+            <a:ext cx="2290307" cy="369332"/>
+          </a:xfrm>
+          <a:prstGeom prst="rect">
+            <a:avLst/>
+          </a:prstGeom>
+          <a:noFill/>
+        </p:spPr>
+        <p:txBody>
+          <a:bodyPr wrap="none" rtlCol="0">
+            <a:spAutoFit/>
+          </a:bodyPr>
+          <a:lstStyle/>
+          <a:p>
+            <a:r>
+              <a:rPr lang="ru-RU" dirty="0" smtClean="0"/>
+              <a:t>Дмитрий БРУХАНЧИК</a:t>
+            </a:r>
+            <a:endParaRPr lang="ru-RU" dirty="0"/>
+          </a:p>
+        </p:txBody>
+      </p:sp>
+      <p:sp>
+        <p:nvSpPr>
+          <p:cNvPr id="11" name="TextBox 10"/>
+          <p:cNvSpPr txBox="1"/>
+          <p:nvPr/>
+        </p:nvSpPr>
+        <p:spPr>
+          <a:xfrm>
+            <a:off x="6588224" y="5301208"/>
+            <a:ext cx="2076659" cy="369332"/>
+          </a:xfrm>
+          <a:prstGeom prst="rect">
+            <a:avLst/>
+          </a:prstGeom>
+          <a:noFill/>
+        </p:spPr>
+        <p:txBody>
+          <a:bodyPr wrap="none" rtlCol="0">
+            <a:spAutoFit/>
+          </a:bodyPr>
+          <a:lstStyle/>
+          <a:p>
+            <a:r>
+              <a:rPr lang="en-US" dirty="0" smtClean="0"/>
+              <a:t>E-mail: bdm@tut.by</a:t>
+            </a:r>
+            <a:endParaRPr lang="ru-RU" dirty="0"/>
+          </a:p>
+        </p:txBody>
+      </p:sp>
+      <p:sp>
+        <p:nvSpPr>
+          <p:cNvPr id="12" name="TextBox 11"/>
+          <p:cNvSpPr txBox="1"/>
+          <p:nvPr/>
+        </p:nvSpPr>
+        <p:spPr>
+          <a:xfrm>
+            <a:off x="6726532" y="5670540"/>
+            <a:ext cx="1938351" cy="369332"/>
+          </a:xfrm>
+          <a:prstGeom prst="rect">
+            <a:avLst/>
+          </a:prstGeom>
+          <a:noFill/>
+        </p:spPr>
+        <p:txBody>
+          <a:bodyPr wrap="none" rtlCol="0">
+            <a:spAutoFit/>
+          </a:bodyPr>
+          <a:lstStyle/>
+          <a:p>
+            <a:r>
+              <a:rPr lang="en-US" dirty="0" smtClean="0"/>
+              <a:t>Skype: </a:t>
+            </a:r>
+            <a:r>
+              <a:rPr lang="en-US" dirty="0" err="1" smtClean="0"/>
+              <a:t>home_bdm</a:t>
+            </a:r>
+            <a:endParaRPr lang="ru-RU" dirty="0"/>
           </a:p>
         </p:txBody>
       </p:sp>
@@ -3228,6 +3442,1493 @@
 </file>
 
 <file path=ppt/slides/slide10.xml><?xml version="1.0" encoding="utf-8"?>
+<p:sld xmlns:a="http://schemas.openxmlformats.org/drawingml/2006/main" xmlns:r="http://schemas.openxmlformats.org/officeDocument/2006/relationships" xmlns:p="http://schemas.openxmlformats.org/presentationml/2006/main">
+  <p:cSld>
+    <p:spTree>
+      <p:nvGrpSpPr>
+        <p:cNvPr id="1" name=""/>
+        <p:cNvGrpSpPr/>
+        <p:nvPr/>
+      </p:nvGrpSpPr>
+      <p:grpSpPr>
+        <a:xfrm>
+          <a:off x="0" y="0"/>
+          <a:ext cx="0" cy="0"/>
+          <a:chOff x="0" y="0"/>
+          <a:chExt cx="0" cy="0"/>
+        </a:xfrm>
+      </p:grpSpPr>
+      <p:sp>
+        <p:nvSpPr>
+          <p:cNvPr id="2" name="Заголовок 1"/>
+          <p:cNvSpPr>
+            <a:spLocks noGrp="1"/>
+          </p:cNvSpPr>
+          <p:nvPr>
+            <p:ph type="title"/>
+          </p:nvPr>
+        </p:nvSpPr>
+        <p:spPr/>
+        <p:txBody>
+          <a:bodyPr/>
+          <a:lstStyle/>
+          <a:p>
+            <a:r>
+              <a:rPr lang="ru-RU" dirty="0" smtClean="0">
+                <a:solidFill>
+                  <a:srgbClr val="00B050"/>
+                </a:solidFill>
+              </a:rPr>
+              <a:t>Конкуренты</a:t>
+            </a:r>
+            <a:endParaRPr lang="ru-RU" dirty="0">
+              <a:solidFill>
+                <a:srgbClr val="00B050"/>
+              </a:solidFill>
+            </a:endParaRPr>
+          </a:p>
+        </p:txBody>
+      </p:sp>
+      <p:sp>
+        <p:nvSpPr>
+          <p:cNvPr id="3" name="TextBox 2"/>
+          <p:cNvSpPr txBox="1"/>
+          <p:nvPr/>
+        </p:nvSpPr>
+        <p:spPr>
+          <a:xfrm>
+            <a:off x="552158" y="1772816"/>
+            <a:ext cx="4054508" cy="369332"/>
+          </a:xfrm>
+          <a:prstGeom prst="rect">
+            <a:avLst/>
+          </a:prstGeom>
+          <a:noFill/>
+        </p:spPr>
+        <p:txBody>
+          <a:bodyPr wrap="none" rtlCol="0">
+            <a:spAutoFit/>
+          </a:bodyPr>
+          <a:lstStyle/>
+          <a:p>
+            <a:r>
+              <a:rPr lang="ru-RU" dirty="0" smtClean="0"/>
+              <a:t>Сосредоточены в сегменте </a:t>
+            </a:r>
+            <a:r>
+              <a:rPr lang="en-US" dirty="0" smtClean="0"/>
+              <a:t>e-commerce</a:t>
+            </a:r>
+            <a:endParaRPr lang="ru-RU" dirty="0"/>
+          </a:p>
+        </p:txBody>
+      </p:sp>
+      <p:sp>
+        <p:nvSpPr>
+          <p:cNvPr id="4" name="TextBox 3"/>
+          <p:cNvSpPr txBox="1"/>
+          <p:nvPr/>
+        </p:nvSpPr>
+        <p:spPr>
+          <a:xfrm>
+            <a:off x="571630" y="2492896"/>
+            <a:ext cx="7838877" cy="369332"/>
+          </a:xfrm>
+          <a:prstGeom prst="rect">
+            <a:avLst/>
+          </a:prstGeom>
+          <a:noFill/>
+        </p:spPr>
+        <p:txBody>
+          <a:bodyPr wrap="none" rtlCol="0">
+            <a:spAutoFit/>
+          </a:bodyPr>
+          <a:lstStyle/>
+          <a:p>
+            <a:r>
+              <a:rPr lang="ru-RU" dirty="0" smtClean="0"/>
+              <a:t>Предлагают терминальное оборудование подключаемое к одному </a:t>
+            </a:r>
+            <a:r>
+              <a:rPr lang="ru-RU" dirty="0" err="1" smtClean="0"/>
+              <a:t>эквайеру</a:t>
+            </a:r>
+            <a:endParaRPr lang="ru-RU" dirty="0"/>
+          </a:p>
+        </p:txBody>
+      </p:sp>
+      <p:sp>
+        <p:nvSpPr>
+          <p:cNvPr id="5" name="TextBox 4"/>
+          <p:cNvSpPr txBox="1"/>
+          <p:nvPr/>
+        </p:nvSpPr>
+        <p:spPr>
+          <a:xfrm>
+            <a:off x="552158" y="3212976"/>
+            <a:ext cx="5481757" cy="369332"/>
+          </a:xfrm>
+          <a:prstGeom prst="rect">
+            <a:avLst/>
+          </a:prstGeom>
+          <a:noFill/>
+        </p:spPr>
+        <p:txBody>
+          <a:bodyPr wrap="none" rtlCol="0">
+            <a:spAutoFit/>
+          </a:bodyPr>
+          <a:lstStyle/>
+          <a:p>
+            <a:r>
+              <a:rPr lang="ru-RU" dirty="0" smtClean="0"/>
+              <a:t>Ориентированы на более емкие рынки РФ и Украины</a:t>
+            </a:r>
+            <a:endParaRPr lang="ru-RU" dirty="0"/>
+          </a:p>
+        </p:txBody>
+      </p:sp>
+    </p:spTree>
+    <p:extLst>
+      <p:ext uri="{BB962C8B-B14F-4D97-AF65-F5344CB8AC3E}">
+        <p14:creationId xmlns:p14="http://schemas.microsoft.com/office/powerpoint/2010/main" val="3539868949"/>
+      </p:ext>
+    </p:extLst>
+  </p:cSld>
+  <p:clrMapOvr>
+    <a:masterClrMapping/>
+  </p:clrMapOvr>
+  <p:timing>
+    <p:tnLst>
+      <p:par>
+        <p:cTn id="1" dur="indefinite" restart="never" nodeType="tmRoot">
+          <p:childTnLst>
+            <p:seq concurrent="1" nextAc="seek">
+              <p:cTn id="2" dur="indefinite" nodeType="mainSeq">
+                <p:childTnLst>
+                  <p:par>
+                    <p:cTn id="3" fill="hold">
+                      <p:stCondLst>
+                        <p:cond delay="indefinite"/>
+                      </p:stCondLst>
+                      <p:childTnLst>
+                        <p:par>
+                          <p:cTn id="4" fill="hold">
+                            <p:stCondLst>
+                              <p:cond delay="0"/>
+                            </p:stCondLst>
+                            <p:childTnLst>
+                              <p:par>
+                                <p:cTn id="5" presetID="2" presetClass="entr" presetSubtype="4" fill="hold" grpId="0" nodeType="clickEffect">
+                                  <p:stCondLst>
+                                    <p:cond delay="0"/>
+                                  </p:stCondLst>
+                                  <p:childTnLst>
+                                    <p:set>
+                                      <p:cBhvr>
+                                        <p:cTn id="6" dur="1" fill="hold">
+                                          <p:stCondLst>
+                                            <p:cond delay="0"/>
+                                          </p:stCondLst>
+                                        </p:cTn>
+                                        <p:tgtEl>
+                                          <p:spTgt spid="3"/>
+                                        </p:tgtEl>
+                                        <p:attrNameLst>
+                                          <p:attrName>style.visibility</p:attrName>
+                                        </p:attrNameLst>
+                                      </p:cBhvr>
+                                      <p:to>
+                                        <p:strVal val="visible"/>
+                                      </p:to>
+                                    </p:set>
+                                    <p:anim calcmode="lin" valueType="num">
+                                      <p:cBhvr additive="base">
+                                        <p:cTn id="7" dur="500" fill="hold"/>
+                                        <p:tgtEl>
+                                          <p:spTgt spid="3"/>
+                                        </p:tgtEl>
+                                        <p:attrNameLst>
+                                          <p:attrName>ppt_x</p:attrName>
+                                        </p:attrNameLst>
+                                      </p:cBhvr>
+                                      <p:tavLst>
+                                        <p:tav tm="0">
+                                          <p:val>
+                                            <p:strVal val="#ppt_x"/>
+                                          </p:val>
+                                        </p:tav>
+                                        <p:tav tm="100000">
+                                          <p:val>
+                                            <p:strVal val="#ppt_x"/>
+                                          </p:val>
+                                        </p:tav>
+                                      </p:tavLst>
+                                    </p:anim>
+                                    <p:anim calcmode="lin" valueType="num">
+                                      <p:cBhvr additive="base">
+                                        <p:cTn id="8" dur="500" fill="hold"/>
+                                        <p:tgtEl>
+                                          <p:spTgt spid="3"/>
+                                        </p:tgtEl>
+                                        <p:attrNameLst>
+                                          <p:attrName>ppt_y</p:attrName>
+                                        </p:attrNameLst>
+                                      </p:cBhvr>
+                                      <p:tavLst>
+                                        <p:tav tm="0">
+                                          <p:val>
+                                            <p:strVal val="1+#ppt_h/2"/>
+                                          </p:val>
+                                        </p:tav>
+                                        <p:tav tm="100000">
+                                          <p:val>
+                                            <p:strVal val="#ppt_y"/>
+                                          </p:val>
+                                        </p:tav>
+                                      </p:tavLst>
+                                    </p:anim>
+                                  </p:childTnLst>
+                                </p:cTn>
+                              </p:par>
+                            </p:childTnLst>
+                          </p:cTn>
+                        </p:par>
+                      </p:childTnLst>
+                    </p:cTn>
+                  </p:par>
+                  <p:par>
+                    <p:cTn id="9" fill="hold">
+                      <p:stCondLst>
+                        <p:cond delay="indefinite"/>
+                      </p:stCondLst>
+                      <p:childTnLst>
+                        <p:par>
+                          <p:cTn id="10" fill="hold">
+                            <p:stCondLst>
+                              <p:cond delay="0"/>
+                            </p:stCondLst>
+                            <p:childTnLst>
+                              <p:par>
+                                <p:cTn id="11" presetID="2" presetClass="entr" presetSubtype="4" fill="hold" grpId="0" nodeType="clickEffect">
+                                  <p:stCondLst>
+                                    <p:cond delay="0"/>
+                                  </p:stCondLst>
+                                  <p:childTnLst>
+                                    <p:set>
+                                      <p:cBhvr>
+                                        <p:cTn id="12" dur="1" fill="hold">
+                                          <p:stCondLst>
+                                            <p:cond delay="0"/>
+                                          </p:stCondLst>
+                                        </p:cTn>
+                                        <p:tgtEl>
+                                          <p:spTgt spid="4"/>
+                                        </p:tgtEl>
+                                        <p:attrNameLst>
+                                          <p:attrName>style.visibility</p:attrName>
+                                        </p:attrNameLst>
+                                      </p:cBhvr>
+                                      <p:to>
+                                        <p:strVal val="visible"/>
+                                      </p:to>
+                                    </p:set>
+                                    <p:anim calcmode="lin" valueType="num">
+                                      <p:cBhvr additive="base">
+                                        <p:cTn id="13" dur="500" fill="hold"/>
+                                        <p:tgtEl>
+                                          <p:spTgt spid="4"/>
+                                        </p:tgtEl>
+                                        <p:attrNameLst>
+                                          <p:attrName>ppt_x</p:attrName>
+                                        </p:attrNameLst>
+                                      </p:cBhvr>
+                                      <p:tavLst>
+                                        <p:tav tm="0">
+                                          <p:val>
+                                            <p:strVal val="#ppt_x"/>
+                                          </p:val>
+                                        </p:tav>
+                                        <p:tav tm="100000">
+                                          <p:val>
+                                            <p:strVal val="#ppt_x"/>
+                                          </p:val>
+                                        </p:tav>
+                                      </p:tavLst>
+                                    </p:anim>
+                                    <p:anim calcmode="lin" valueType="num">
+                                      <p:cBhvr additive="base">
+                                        <p:cTn id="14" dur="500" fill="hold"/>
+                                        <p:tgtEl>
+                                          <p:spTgt spid="4"/>
+                                        </p:tgtEl>
+                                        <p:attrNameLst>
+                                          <p:attrName>ppt_y</p:attrName>
+                                        </p:attrNameLst>
+                                      </p:cBhvr>
+                                      <p:tavLst>
+                                        <p:tav tm="0">
+                                          <p:val>
+                                            <p:strVal val="1+#ppt_h/2"/>
+                                          </p:val>
+                                        </p:tav>
+                                        <p:tav tm="100000">
+                                          <p:val>
+                                            <p:strVal val="#ppt_y"/>
+                                          </p:val>
+                                        </p:tav>
+                                      </p:tavLst>
+                                    </p:anim>
+                                  </p:childTnLst>
+                                </p:cTn>
+                              </p:par>
+                            </p:childTnLst>
+                          </p:cTn>
+                        </p:par>
+                      </p:childTnLst>
+                    </p:cTn>
+                  </p:par>
+                  <p:par>
+                    <p:cTn id="15" fill="hold">
+                      <p:stCondLst>
+                        <p:cond delay="indefinite"/>
+                      </p:stCondLst>
+                      <p:childTnLst>
+                        <p:par>
+                          <p:cTn id="16" fill="hold">
+                            <p:stCondLst>
+                              <p:cond delay="0"/>
+                            </p:stCondLst>
+                            <p:childTnLst>
+                              <p:par>
+                                <p:cTn id="17" presetID="2" presetClass="entr" presetSubtype="4" fill="hold" grpId="0" nodeType="clickEffect">
+                                  <p:stCondLst>
+                                    <p:cond delay="0"/>
+                                  </p:stCondLst>
+                                  <p:childTnLst>
+                                    <p:set>
+                                      <p:cBhvr>
+                                        <p:cTn id="18" dur="1" fill="hold">
+                                          <p:stCondLst>
+                                            <p:cond delay="0"/>
+                                          </p:stCondLst>
+                                        </p:cTn>
+                                        <p:tgtEl>
+                                          <p:spTgt spid="5"/>
+                                        </p:tgtEl>
+                                        <p:attrNameLst>
+                                          <p:attrName>style.visibility</p:attrName>
+                                        </p:attrNameLst>
+                                      </p:cBhvr>
+                                      <p:to>
+                                        <p:strVal val="visible"/>
+                                      </p:to>
+                                    </p:set>
+                                    <p:anim calcmode="lin" valueType="num">
+                                      <p:cBhvr additive="base">
+                                        <p:cTn id="19" dur="500" fill="hold"/>
+                                        <p:tgtEl>
+                                          <p:spTgt spid="5"/>
+                                        </p:tgtEl>
+                                        <p:attrNameLst>
+                                          <p:attrName>ppt_x</p:attrName>
+                                        </p:attrNameLst>
+                                      </p:cBhvr>
+                                      <p:tavLst>
+                                        <p:tav tm="0">
+                                          <p:val>
+                                            <p:strVal val="#ppt_x"/>
+                                          </p:val>
+                                        </p:tav>
+                                        <p:tav tm="100000">
+                                          <p:val>
+                                            <p:strVal val="#ppt_x"/>
+                                          </p:val>
+                                        </p:tav>
+                                      </p:tavLst>
+                                    </p:anim>
+                                    <p:anim calcmode="lin" valueType="num">
+                                      <p:cBhvr additive="base">
+                                        <p:cTn id="20" dur="500" fill="hold"/>
+                                        <p:tgtEl>
+                                          <p:spTgt spid="5"/>
+                                        </p:tgtEl>
+                                        <p:attrNameLst>
+                                          <p:attrName>ppt_y</p:attrName>
+                                        </p:attrNameLst>
+                                      </p:cBhvr>
+                                      <p:tavLst>
+                                        <p:tav tm="0">
+                                          <p:val>
+                                            <p:strVal val="1+#ppt_h/2"/>
+                                          </p:val>
+                                        </p:tav>
+                                        <p:tav tm="100000">
+                                          <p:val>
+                                            <p:strVal val="#ppt_y"/>
+                                          </p:val>
+                                        </p:tav>
+                                      </p:tavLst>
+                                    </p:anim>
+                                  </p:childTnLst>
+                                </p:cTn>
+                              </p:par>
+                            </p:childTnLst>
+                          </p:cTn>
+                        </p:par>
+                      </p:childTnLst>
+                    </p:cTn>
+                  </p:par>
+                </p:childTnLst>
+              </p:cTn>
+              <p:prevCondLst>
+                <p:cond evt="onPrev" delay="0">
+                  <p:tgtEl>
+                    <p:sldTgt/>
+                  </p:tgtEl>
+                </p:cond>
+              </p:prevCondLst>
+              <p:nextCondLst>
+                <p:cond evt="onNext" delay="0">
+                  <p:tgtEl>
+                    <p:sldTgt/>
+                  </p:tgtEl>
+                </p:cond>
+              </p:nextCondLst>
+            </p:seq>
+          </p:childTnLst>
+        </p:cTn>
+      </p:par>
+    </p:tnLst>
+    <p:bldLst>
+      <p:bldP spid="3" grpId="0"/>
+      <p:bldP spid="4" grpId="0"/>
+      <p:bldP spid="5" grpId="0"/>
+    </p:bldLst>
+  </p:timing>
+</p:sld>
+</file>
+
+<file path=ppt/slides/slide11.xml><?xml version="1.0" encoding="utf-8"?>
+<p:sld xmlns:a="http://schemas.openxmlformats.org/drawingml/2006/main" xmlns:r="http://schemas.openxmlformats.org/officeDocument/2006/relationships" xmlns:p="http://schemas.openxmlformats.org/presentationml/2006/main">
+  <p:cSld>
+    <p:spTree>
+      <p:nvGrpSpPr>
+        <p:cNvPr id="1" name=""/>
+        <p:cNvGrpSpPr/>
+        <p:nvPr/>
+      </p:nvGrpSpPr>
+      <p:grpSpPr>
+        <a:xfrm>
+          <a:off x="0" y="0"/>
+          <a:ext cx="0" cy="0"/>
+          <a:chOff x="0" y="0"/>
+          <a:chExt cx="0" cy="0"/>
+        </a:xfrm>
+      </p:grpSpPr>
+      <p:sp>
+        <p:nvSpPr>
+          <p:cNvPr id="2" name="Заголовок 1"/>
+          <p:cNvSpPr>
+            <a:spLocks noGrp="1"/>
+          </p:cNvSpPr>
+          <p:nvPr>
+            <p:ph type="title"/>
+          </p:nvPr>
+        </p:nvSpPr>
+        <p:spPr/>
+        <p:txBody>
+          <a:bodyPr/>
+          <a:lstStyle/>
+          <a:p>
+            <a:r>
+              <a:rPr lang="ru-RU" dirty="0" smtClean="0">
+                <a:solidFill>
+                  <a:srgbClr val="00B050"/>
+                </a:solidFill>
+              </a:rPr>
+              <a:t>Бизнес</a:t>
+            </a:r>
+            <a:endParaRPr lang="ru-RU" dirty="0">
+              <a:solidFill>
+                <a:srgbClr val="00B050"/>
+              </a:solidFill>
+            </a:endParaRPr>
+          </a:p>
+        </p:txBody>
+      </p:sp>
+      <p:sp>
+        <p:nvSpPr>
+          <p:cNvPr id="3" name="TextBox 2"/>
+          <p:cNvSpPr txBox="1"/>
+          <p:nvPr/>
+        </p:nvSpPr>
+        <p:spPr>
+          <a:xfrm>
+            <a:off x="827585" y="1628800"/>
+            <a:ext cx="7992888" cy="646331"/>
+          </a:xfrm>
+          <a:prstGeom prst="rect">
+            <a:avLst/>
+          </a:prstGeom>
+          <a:noFill/>
+        </p:spPr>
+        <p:txBody>
+          <a:bodyPr wrap="square" rtlCol="0">
+            <a:spAutoFit/>
+          </a:bodyPr>
+          <a:lstStyle/>
+          <a:p>
+            <a:pPr algn="just"/>
+            <a:r>
+              <a:rPr lang="ru-RU" dirty="0" smtClean="0"/>
+              <a:t>Стандартная комиссия за </a:t>
+            </a:r>
+            <a:r>
+              <a:rPr lang="ru-RU" dirty="0" err="1" smtClean="0"/>
+              <a:t>эквайринг</a:t>
+            </a:r>
+            <a:r>
+              <a:rPr lang="ru-RU" dirty="0" smtClean="0"/>
+              <a:t> от 1% («свои») до 4% («чужие») карты</a:t>
+            </a:r>
+          </a:p>
+          <a:p>
+            <a:pPr algn="just"/>
+            <a:r>
+              <a:rPr lang="ru-RU" dirty="0" smtClean="0"/>
+              <a:t>резидентов</a:t>
+            </a:r>
+            <a:endParaRPr lang="ru-RU" dirty="0"/>
+          </a:p>
+        </p:txBody>
+      </p:sp>
+      <p:sp>
+        <p:nvSpPr>
+          <p:cNvPr id="4" name="TextBox 3"/>
+          <p:cNvSpPr txBox="1"/>
+          <p:nvPr/>
+        </p:nvSpPr>
+        <p:spPr>
+          <a:xfrm>
+            <a:off x="827585" y="2339588"/>
+            <a:ext cx="7992888" cy="369332"/>
+          </a:xfrm>
+          <a:prstGeom prst="rect">
+            <a:avLst/>
+          </a:prstGeom>
+          <a:noFill/>
+        </p:spPr>
+        <p:txBody>
+          <a:bodyPr wrap="square" rtlCol="0">
+            <a:spAutoFit/>
+          </a:bodyPr>
+          <a:lstStyle/>
+          <a:p>
+            <a:pPr algn="just"/>
+            <a:r>
+              <a:rPr lang="ru-RU" dirty="0" smtClean="0"/>
+              <a:t>Текущий оборот в секторе мелкого и среднего бизнеса 724 </a:t>
+            </a:r>
+            <a:r>
+              <a:rPr lang="ru-RU" dirty="0" err="1" smtClean="0"/>
+              <a:t>трл</a:t>
+            </a:r>
+            <a:r>
+              <a:rPr lang="ru-RU" dirty="0" smtClean="0"/>
+              <a:t>. </a:t>
+            </a:r>
+            <a:r>
+              <a:rPr lang="en-US" dirty="0" smtClean="0"/>
+              <a:t>BYR</a:t>
+            </a:r>
+            <a:endParaRPr lang="ru-RU" dirty="0"/>
+          </a:p>
+        </p:txBody>
+      </p:sp>
+      <p:sp>
+        <p:nvSpPr>
+          <p:cNvPr id="5" name="TextBox 4"/>
+          <p:cNvSpPr txBox="1"/>
+          <p:nvPr/>
+        </p:nvSpPr>
+        <p:spPr>
+          <a:xfrm>
+            <a:off x="859713" y="2836644"/>
+            <a:ext cx="7992888" cy="369332"/>
+          </a:xfrm>
+          <a:prstGeom prst="rect">
+            <a:avLst/>
+          </a:prstGeom>
+          <a:noFill/>
+        </p:spPr>
+        <p:txBody>
+          <a:bodyPr wrap="square" rtlCol="0">
+            <a:spAutoFit/>
+          </a:bodyPr>
+          <a:lstStyle/>
+          <a:p>
+            <a:pPr algn="just"/>
+            <a:r>
+              <a:rPr lang="ru-RU" dirty="0" smtClean="0"/>
+              <a:t>Общее количество субъектов около 115 000.</a:t>
+            </a:r>
+            <a:endParaRPr lang="ru-RU" dirty="0"/>
+          </a:p>
+        </p:txBody>
+      </p:sp>
+      <p:sp>
+        <p:nvSpPr>
+          <p:cNvPr id="6" name="TextBox 5"/>
+          <p:cNvSpPr txBox="1"/>
+          <p:nvPr/>
+        </p:nvSpPr>
+        <p:spPr>
+          <a:xfrm>
+            <a:off x="827585" y="3339048"/>
+            <a:ext cx="7992888" cy="369332"/>
+          </a:xfrm>
+          <a:prstGeom prst="rect">
+            <a:avLst/>
+          </a:prstGeom>
+          <a:noFill/>
+        </p:spPr>
+        <p:txBody>
+          <a:bodyPr wrap="square" rtlCol="0">
+            <a:spAutoFit/>
+          </a:bodyPr>
+          <a:lstStyle/>
+          <a:p>
+            <a:pPr algn="just"/>
+            <a:r>
+              <a:rPr lang="ru-RU" dirty="0" smtClean="0"/>
+              <a:t>Удельный вес 75%. Подключено менее 50% субъектов</a:t>
+            </a:r>
+            <a:endParaRPr lang="ru-RU" dirty="0"/>
+          </a:p>
+        </p:txBody>
+      </p:sp>
+      <p:sp>
+        <p:nvSpPr>
+          <p:cNvPr id="7" name="TextBox 6"/>
+          <p:cNvSpPr txBox="1"/>
+          <p:nvPr/>
+        </p:nvSpPr>
+        <p:spPr>
+          <a:xfrm>
+            <a:off x="827585" y="3823176"/>
+            <a:ext cx="7992888" cy="646331"/>
+          </a:xfrm>
+          <a:prstGeom prst="rect">
+            <a:avLst/>
+          </a:prstGeom>
+          <a:noFill/>
+        </p:spPr>
+        <p:txBody>
+          <a:bodyPr wrap="square" rtlCol="0">
+            <a:spAutoFit/>
+          </a:bodyPr>
+          <a:lstStyle/>
+          <a:p>
+            <a:pPr algn="just"/>
+            <a:r>
+              <a:rPr lang="ru-RU" dirty="0" smtClean="0"/>
+              <a:t>Перенаправление потоков </a:t>
+            </a:r>
+            <a:r>
+              <a:rPr lang="ru-RU" dirty="0" err="1" smtClean="0"/>
+              <a:t>эквайринга</a:t>
+            </a:r>
+            <a:r>
+              <a:rPr lang="ru-RU" dirty="0" smtClean="0"/>
+              <a:t> позволит экономить от 1% до 2%</a:t>
+            </a:r>
+            <a:br>
+              <a:rPr lang="ru-RU" dirty="0" smtClean="0"/>
+            </a:br>
+            <a:r>
+              <a:rPr lang="ru-RU" dirty="0" smtClean="0"/>
+              <a:t>конечному потребителю и зарабатывать около 0,3-0,5% оператору.</a:t>
+            </a:r>
+            <a:endParaRPr lang="ru-RU" dirty="0"/>
+          </a:p>
+        </p:txBody>
+      </p:sp>
+      <p:sp>
+        <p:nvSpPr>
+          <p:cNvPr id="8" name="TextBox 7"/>
+          <p:cNvSpPr txBox="1"/>
+          <p:nvPr/>
+        </p:nvSpPr>
+        <p:spPr>
+          <a:xfrm>
+            <a:off x="828761" y="4581128"/>
+            <a:ext cx="7992888" cy="646331"/>
+          </a:xfrm>
+          <a:prstGeom prst="rect">
+            <a:avLst/>
+          </a:prstGeom>
+          <a:noFill/>
+        </p:spPr>
+        <p:txBody>
+          <a:bodyPr wrap="square" rtlCol="0">
+            <a:spAutoFit/>
+          </a:bodyPr>
+          <a:lstStyle/>
+          <a:p>
+            <a:pPr algn="just"/>
+            <a:r>
+              <a:rPr lang="ru-RU" dirty="0" smtClean="0"/>
+              <a:t>При завоевании оставшейся доли рынка в размере 10% позволит получить выручку около 25 </a:t>
+            </a:r>
+            <a:r>
+              <a:rPr lang="ru-RU" dirty="0" err="1" smtClean="0"/>
+              <a:t>трл</a:t>
+            </a:r>
+            <a:r>
+              <a:rPr lang="ru-RU" dirty="0" smtClean="0"/>
+              <a:t>. </a:t>
+            </a:r>
+            <a:r>
+              <a:rPr lang="en-US" dirty="0" smtClean="0"/>
+              <a:t>BYR</a:t>
+            </a:r>
+            <a:endParaRPr lang="ru-RU" dirty="0"/>
+          </a:p>
+        </p:txBody>
+      </p:sp>
+      <p:sp>
+        <p:nvSpPr>
+          <p:cNvPr id="9" name="TextBox 8"/>
+          <p:cNvSpPr txBox="1"/>
+          <p:nvPr/>
+        </p:nvSpPr>
+        <p:spPr>
+          <a:xfrm>
+            <a:off x="878029" y="5373216"/>
+            <a:ext cx="7992888" cy="369332"/>
+          </a:xfrm>
+          <a:prstGeom prst="rect">
+            <a:avLst/>
+          </a:prstGeom>
+          <a:noFill/>
+        </p:spPr>
+        <p:txBody>
+          <a:bodyPr wrap="square" rtlCol="0">
+            <a:spAutoFit/>
+          </a:bodyPr>
+          <a:lstStyle/>
+          <a:p>
+            <a:pPr algn="just"/>
+            <a:r>
+              <a:rPr lang="ru-RU" dirty="0" smtClean="0"/>
+              <a:t>Что позволит получить прибыль около 1 </a:t>
+            </a:r>
+            <a:r>
+              <a:rPr lang="ru-RU" dirty="0" err="1" smtClean="0"/>
+              <a:t>трл</a:t>
+            </a:r>
+            <a:r>
+              <a:rPr lang="ru-RU" dirty="0" smtClean="0"/>
+              <a:t>. </a:t>
+            </a:r>
+            <a:r>
+              <a:rPr lang="en-US" dirty="0" smtClean="0"/>
+              <a:t>BYR</a:t>
+            </a:r>
+            <a:endParaRPr lang="ru-RU" dirty="0"/>
+          </a:p>
+        </p:txBody>
+      </p:sp>
+    </p:spTree>
+    <p:extLst>
+      <p:ext uri="{BB962C8B-B14F-4D97-AF65-F5344CB8AC3E}">
+        <p14:creationId xmlns:p14="http://schemas.microsoft.com/office/powerpoint/2010/main" val="3408116630"/>
+      </p:ext>
+    </p:extLst>
+  </p:cSld>
+  <p:clrMapOvr>
+    <a:masterClrMapping/>
+  </p:clrMapOvr>
+  <p:timing>
+    <p:tnLst>
+      <p:par>
+        <p:cTn id="1" dur="indefinite" restart="never" nodeType="tmRoot">
+          <p:childTnLst>
+            <p:seq concurrent="1" nextAc="seek">
+              <p:cTn id="2" dur="indefinite" nodeType="mainSeq">
+                <p:childTnLst>
+                  <p:par>
+                    <p:cTn id="3" fill="hold">
+                      <p:stCondLst>
+                        <p:cond delay="indefinite"/>
+                      </p:stCondLst>
+                      <p:childTnLst>
+                        <p:par>
+                          <p:cTn id="4" fill="hold">
+                            <p:stCondLst>
+                              <p:cond delay="0"/>
+                            </p:stCondLst>
+                            <p:childTnLst>
+                              <p:par>
+                                <p:cTn id="5" presetID="2" presetClass="entr" presetSubtype="4" fill="hold" grpId="0" nodeType="clickEffect">
+                                  <p:stCondLst>
+                                    <p:cond delay="0"/>
+                                  </p:stCondLst>
+                                  <p:childTnLst>
+                                    <p:set>
+                                      <p:cBhvr>
+                                        <p:cTn id="6" dur="1" fill="hold">
+                                          <p:stCondLst>
+                                            <p:cond delay="0"/>
+                                          </p:stCondLst>
+                                        </p:cTn>
+                                        <p:tgtEl>
+                                          <p:spTgt spid="3"/>
+                                        </p:tgtEl>
+                                        <p:attrNameLst>
+                                          <p:attrName>style.visibility</p:attrName>
+                                        </p:attrNameLst>
+                                      </p:cBhvr>
+                                      <p:to>
+                                        <p:strVal val="visible"/>
+                                      </p:to>
+                                    </p:set>
+                                    <p:anim calcmode="lin" valueType="num">
+                                      <p:cBhvr additive="base">
+                                        <p:cTn id="7" dur="500" fill="hold"/>
+                                        <p:tgtEl>
+                                          <p:spTgt spid="3"/>
+                                        </p:tgtEl>
+                                        <p:attrNameLst>
+                                          <p:attrName>ppt_x</p:attrName>
+                                        </p:attrNameLst>
+                                      </p:cBhvr>
+                                      <p:tavLst>
+                                        <p:tav tm="0">
+                                          <p:val>
+                                            <p:strVal val="#ppt_x"/>
+                                          </p:val>
+                                        </p:tav>
+                                        <p:tav tm="100000">
+                                          <p:val>
+                                            <p:strVal val="#ppt_x"/>
+                                          </p:val>
+                                        </p:tav>
+                                      </p:tavLst>
+                                    </p:anim>
+                                    <p:anim calcmode="lin" valueType="num">
+                                      <p:cBhvr additive="base">
+                                        <p:cTn id="8" dur="500" fill="hold"/>
+                                        <p:tgtEl>
+                                          <p:spTgt spid="3"/>
+                                        </p:tgtEl>
+                                        <p:attrNameLst>
+                                          <p:attrName>ppt_y</p:attrName>
+                                        </p:attrNameLst>
+                                      </p:cBhvr>
+                                      <p:tavLst>
+                                        <p:tav tm="0">
+                                          <p:val>
+                                            <p:strVal val="1+#ppt_h/2"/>
+                                          </p:val>
+                                        </p:tav>
+                                        <p:tav tm="100000">
+                                          <p:val>
+                                            <p:strVal val="#ppt_y"/>
+                                          </p:val>
+                                        </p:tav>
+                                      </p:tavLst>
+                                    </p:anim>
+                                  </p:childTnLst>
+                                </p:cTn>
+                              </p:par>
+                            </p:childTnLst>
+                          </p:cTn>
+                        </p:par>
+                      </p:childTnLst>
+                    </p:cTn>
+                  </p:par>
+                  <p:par>
+                    <p:cTn id="9" fill="hold">
+                      <p:stCondLst>
+                        <p:cond delay="indefinite"/>
+                      </p:stCondLst>
+                      <p:childTnLst>
+                        <p:par>
+                          <p:cTn id="10" fill="hold">
+                            <p:stCondLst>
+                              <p:cond delay="0"/>
+                            </p:stCondLst>
+                            <p:childTnLst>
+                              <p:par>
+                                <p:cTn id="11" presetID="2" presetClass="entr" presetSubtype="4" fill="hold" grpId="0" nodeType="clickEffect">
+                                  <p:stCondLst>
+                                    <p:cond delay="0"/>
+                                  </p:stCondLst>
+                                  <p:childTnLst>
+                                    <p:set>
+                                      <p:cBhvr>
+                                        <p:cTn id="12" dur="1" fill="hold">
+                                          <p:stCondLst>
+                                            <p:cond delay="0"/>
+                                          </p:stCondLst>
+                                        </p:cTn>
+                                        <p:tgtEl>
+                                          <p:spTgt spid="4"/>
+                                        </p:tgtEl>
+                                        <p:attrNameLst>
+                                          <p:attrName>style.visibility</p:attrName>
+                                        </p:attrNameLst>
+                                      </p:cBhvr>
+                                      <p:to>
+                                        <p:strVal val="visible"/>
+                                      </p:to>
+                                    </p:set>
+                                    <p:anim calcmode="lin" valueType="num">
+                                      <p:cBhvr additive="base">
+                                        <p:cTn id="13" dur="500" fill="hold"/>
+                                        <p:tgtEl>
+                                          <p:spTgt spid="4"/>
+                                        </p:tgtEl>
+                                        <p:attrNameLst>
+                                          <p:attrName>ppt_x</p:attrName>
+                                        </p:attrNameLst>
+                                      </p:cBhvr>
+                                      <p:tavLst>
+                                        <p:tav tm="0">
+                                          <p:val>
+                                            <p:strVal val="#ppt_x"/>
+                                          </p:val>
+                                        </p:tav>
+                                        <p:tav tm="100000">
+                                          <p:val>
+                                            <p:strVal val="#ppt_x"/>
+                                          </p:val>
+                                        </p:tav>
+                                      </p:tavLst>
+                                    </p:anim>
+                                    <p:anim calcmode="lin" valueType="num">
+                                      <p:cBhvr additive="base">
+                                        <p:cTn id="14" dur="500" fill="hold"/>
+                                        <p:tgtEl>
+                                          <p:spTgt spid="4"/>
+                                        </p:tgtEl>
+                                        <p:attrNameLst>
+                                          <p:attrName>ppt_y</p:attrName>
+                                        </p:attrNameLst>
+                                      </p:cBhvr>
+                                      <p:tavLst>
+                                        <p:tav tm="0">
+                                          <p:val>
+                                            <p:strVal val="1+#ppt_h/2"/>
+                                          </p:val>
+                                        </p:tav>
+                                        <p:tav tm="100000">
+                                          <p:val>
+                                            <p:strVal val="#ppt_y"/>
+                                          </p:val>
+                                        </p:tav>
+                                      </p:tavLst>
+                                    </p:anim>
+                                  </p:childTnLst>
+                                </p:cTn>
+                              </p:par>
+                            </p:childTnLst>
+                          </p:cTn>
+                        </p:par>
+                      </p:childTnLst>
+                    </p:cTn>
+                  </p:par>
+                  <p:par>
+                    <p:cTn id="15" fill="hold">
+                      <p:stCondLst>
+                        <p:cond delay="indefinite"/>
+                      </p:stCondLst>
+                      <p:childTnLst>
+                        <p:par>
+                          <p:cTn id="16" fill="hold">
+                            <p:stCondLst>
+                              <p:cond delay="0"/>
+                            </p:stCondLst>
+                            <p:childTnLst>
+                              <p:par>
+                                <p:cTn id="17" presetID="2" presetClass="entr" presetSubtype="4" fill="hold" grpId="0" nodeType="clickEffect">
+                                  <p:stCondLst>
+                                    <p:cond delay="0"/>
+                                  </p:stCondLst>
+                                  <p:childTnLst>
+                                    <p:set>
+                                      <p:cBhvr>
+                                        <p:cTn id="18" dur="1" fill="hold">
+                                          <p:stCondLst>
+                                            <p:cond delay="0"/>
+                                          </p:stCondLst>
+                                        </p:cTn>
+                                        <p:tgtEl>
+                                          <p:spTgt spid="5"/>
+                                        </p:tgtEl>
+                                        <p:attrNameLst>
+                                          <p:attrName>style.visibility</p:attrName>
+                                        </p:attrNameLst>
+                                      </p:cBhvr>
+                                      <p:to>
+                                        <p:strVal val="visible"/>
+                                      </p:to>
+                                    </p:set>
+                                    <p:anim calcmode="lin" valueType="num">
+                                      <p:cBhvr additive="base">
+                                        <p:cTn id="19" dur="500" fill="hold"/>
+                                        <p:tgtEl>
+                                          <p:spTgt spid="5"/>
+                                        </p:tgtEl>
+                                        <p:attrNameLst>
+                                          <p:attrName>ppt_x</p:attrName>
+                                        </p:attrNameLst>
+                                      </p:cBhvr>
+                                      <p:tavLst>
+                                        <p:tav tm="0">
+                                          <p:val>
+                                            <p:strVal val="#ppt_x"/>
+                                          </p:val>
+                                        </p:tav>
+                                        <p:tav tm="100000">
+                                          <p:val>
+                                            <p:strVal val="#ppt_x"/>
+                                          </p:val>
+                                        </p:tav>
+                                      </p:tavLst>
+                                    </p:anim>
+                                    <p:anim calcmode="lin" valueType="num">
+                                      <p:cBhvr additive="base">
+                                        <p:cTn id="20" dur="500" fill="hold"/>
+                                        <p:tgtEl>
+                                          <p:spTgt spid="5"/>
+                                        </p:tgtEl>
+                                        <p:attrNameLst>
+                                          <p:attrName>ppt_y</p:attrName>
+                                        </p:attrNameLst>
+                                      </p:cBhvr>
+                                      <p:tavLst>
+                                        <p:tav tm="0">
+                                          <p:val>
+                                            <p:strVal val="1+#ppt_h/2"/>
+                                          </p:val>
+                                        </p:tav>
+                                        <p:tav tm="100000">
+                                          <p:val>
+                                            <p:strVal val="#ppt_y"/>
+                                          </p:val>
+                                        </p:tav>
+                                      </p:tavLst>
+                                    </p:anim>
+                                  </p:childTnLst>
+                                </p:cTn>
+                              </p:par>
+                            </p:childTnLst>
+                          </p:cTn>
+                        </p:par>
+                      </p:childTnLst>
+                    </p:cTn>
+                  </p:par>
+                  <p:par>
+                    <p:cTn id="21" fill="hold">
+                      <p:stCondLst>
+                        <p:cond delay="indefinite"/>
+                      </p:stCondLst>
+                      <p:childTnLst>
+                        <p:par>
+                          <p:cTn id="22" fill="hold">
+                            <p:stCondLst>
+                              <p:cond delay="0"/>
+                            </p:stCondLst>
+                            <p:childTnLst>
+                              <p:par>
+                                <p:cTn id="23" presetID="2" presetClass="entr" presetSubtype="4" fill="hold" grpId="0" nodeType="clickEffect">
+                                  <p:stCondLst>
+                                    <p:cond delay="0"/>
+                                  </p:stCondLst>
+                                  <p:childTnLst>
+                                    <p:set>
+                                      <p:cBhvr>
+                                        <p:cTn id="24" dur="1" fill="hold">
+                                          <p:stCondLst>
+                                            <p:cond delay="0"/>
+                                          </p:stCondLst>
+                                        </p:cTn>
+                                        <p:tgtEl>
+                                          <p:spTgt spid="6"/>
+                                        </p:tgtEl>
+                                        <p:attrNameLst>
+                                          <p:attrName>style.visibility</p:attrName>
+                                        </p:attrNameLst>
+                                      </p:cBhvr>
+                                      <p:to>
+                                        <p:strVal val="visible"/>
+                                      </p:to>
+                                    </p:set>
+                                    <p:anim calcmode="lin" valueType="num">
+                                      <p:cBhvr additive="base">
+                                        <p:cTn id="25" dur="500" fill="hold"/>
+                                        <p:tgtEl>
+                                          <p:spTgt spid="6"/>
+                                        </p:tgtEl>
+                                        <p:attrNameLst>
+                                          <p:attrName>ppt_x</p:attrName>
+                                        </p:attrNameLst>
+                                      </p:cBhvr>
+                                      <p:tavLst>
+                                        <p:tav tm="0">
+                                          <p:val>
+                                            <p:strVal val="#ppt_x"/>
+                                          </p:val>
+                                        </p:tav>
+                                        <p:tav tm="100000">
+                                          <p:val>
+                                            <p:strVal val="#ppt_x"/>
+                                          </p:val>
+                                        </p:tav>
+                                      </p:tavLst>
+                                    </p:anim>
+                                    <p:anim calcmode="lin" valueType="num">
+                                      <p:cBhvr additive="base">
+                                        <p:cTn id="26" dur="500" fill="hold"/>
+                                        <p:tgtEl>
+                                          <p:spTgt spid="6"/>
+                                        </p:tgtEl>
+                                        <p:attrNameLst>
+                                          <p:attrName>ppt_y</p:attrName>
+                                        </p:attrNameLst>
+                                      </p:cBhvr>
+                                      <p:tavLst>
+                                        <p:tav tm="0">
+                                          <p:val>
+                                            <p:strVal val="1+#ppt_h/2"/>
+                                          </p:val>
+                                        </p:tav>
+                                        <p:tav tm="100000">
+                                          <p:val>
+                                            <p:strVal val="#ppt_y"/>
+                                          </p:val>
+                                        </p:tav>
+                                      </p:tavLst>
+                                    </p:anim>
+                                  </p:childTnLst>
+                                </p:cTn>
+                              </p:par>
+                            </p:childTnLst>
+                          </p:cTn>
+                        </p:par>
+                      </p:childTnLst>
+                    </p:cTn>
+                  </p:par>
+                  <p:par>
+                    <p:cTn id="27" fill="hold">
+                      <p:stCondLst>
+                        <p:cond delay="indefinite"/>
+                      </p:stCondLst>
+                      <p:childTnLst>
+                        <p:par>
+                          <p:cTn id="28" fill="hold">
+                            <p:stCondLst>
+                              <p:cond delay="0"/>
+                            </p:stCondLst>
+                            <p:childTnLst>
+                              <p:par>
+                                <p:cTn id="29" presetID="2" presetClass="entr" presetSubtype="4" fill="hold" grpId="0" nodeType="clickEffect">
+                                  <p:stCondLst>
+                                    <p:cond delay="0"/>
+                                  </p:stCondLst>
+                                  <p:childTnLst>
+                                    <p:set>
+                                      <p:cBhvr>
+                                        <p:cTn id="30" dur="1" fill="hold">
+                                          <p:stCondLst>
+                                            <p:cond delay="0"/>
+                                          </p:stCondLst>
+                                        </p:cTn>
+                                        <p:tgtEl>
+                                          <p:spTgt spid="7"/>
+                                        </p:tgtEl>
+                                        <p:attrNameLst>
+                                          <p:attrName>style.visibility</p:attrName>
+                                        </p:attrNameLst>
+                                      </p:cBhvr>
+                                      <p:to>
+                                        <p:strVal val="visible"/>
+                                      </p:to>
+                                    </p:set>
+                                    <p:anim calcmode="lin" valueType="num">
+                                      <p:cBhvr additive="base">
+                                        <p:cTn id="31" dur="500" fill="hold"/>
+                                        <p:tgtEl>
+                                          <p:spTgt spid="7"/>
+                                        </p:tgtEl>
+                                        <p:attrNameLst>
+                                          <p:attrName>ppt_x</p:attrName>
+                                        </p:attrNameLst>
+                                      </p:cBhvr>
+                                      <p:tavLst>
+                                        <p:tav tm="0">
+                                          <p:val>
+                                            <p:strVal val="#ppt_x"/>
+                                          </p:val>
+                                        </p:tav>
+                                        <p:tav tm="100000">
+                                          <p:val>
+                                            <p:strVal val="#ppt_x"/>
+                                          </p:val>
+                                        </p:tav>
+                                      </p:tavLst>
+                                    </p:anim>
+                                    <p:anim calcmode="lin" valueType="num">
+                                      <p:cBhvr additive="base">
+                                        <p:cTn id="32" dur="500" fill="hold"/>
+                                        <p:tgtEl>
+                                          <p:spTgt spid="7"/>
+                                        </p:tgtEl>
+                                        <p:attrNameLst>
+                                          <p:attrName>ppt_y</p:attrName>
+                                        </p:attrNameLst>
+                                      </p:cBhvr>
+                                      <p:tavLst>
+                                        <p:tav tm="0">
+                                          <p:val>
+                                            <p:strVal val="1+#ppt_h/2"/>
+                                          </p:val>
+                                        </p:tav>
+                                        <p:tav tm="100000">
+                                          <p:val>
+                                            <p:strVal val="#ppt_y"/>
+                                          </p:val>
+                                        </p:tav>
+                                      </p:tavLst>
+                                    </p:anim>
+                                  </p:childTnLst>
+                                </p:cTn>
+                              </p:par>
+                            </p:childTnLst>
+                          </p:cTn>
+                        </p:par>
+                      </p:childTnLst>
+                    </p:cTn>
+                  </p:par>
+                  <p:par>
+                    <p:cTn id="33" fill="hold">
+                      <p:stCondLst>
+                        <p:cond delay="indefinite"/>
+                      </p:stCondLst>
+                      <p:childTnLst>
+                        <p:par>
+                          <p:cTn id="34" fill="hold">
+                            <p:stCondLst>
+                              <p:cond delay="0"/>
+                            </p:stCondLst>
+                            <p:childTnLst>
+                              <p:par>
+                                <p:cTn id="35" presetID="2" presetClass="entr" presetSubtype="4" fill="hold" grpId="0" nodeType="clickEffect">
+                                  <p:stCondLst>
+                                    <p:cond delay="0"/>
+                                  </p:stCondLst>
+                                  <p:childTnLst>
+                                    <p:set>
+                                      <p:cBhvr>
+                                        <p:cTn id="36" dur="1" fill="hold">
+                                          <p:stCondLst>
+                                            <p:cond delay="0"/>
+                                          </p:stCondLst>
+                                        </p:cTn>
+                                        <p:tgtEl>
+                                          <p:spTgt spid="8"/>
+                                        </p:tgtEl>
+                                        <p:attrNameLst>
+                                          <p:attrName>style.visibility</p:attrName>
+                                        </p:attrNameLst>
+                                      </p:cBhvr>
+                                      <p:to>
+                                        <p:strVal val="visible"/>
+                                      </p:to>
+                                    </p:set>
+                                    <p:anim calcmode="lin" valueType="num">
+                                      <p:cBhvr additive="base">
+                                        <p:cTn id="37" dur="500" fill="hold"/>
+                                        <p:tgtEl>
+                                          <p:spTgt spid="8"/>
+                                        </p:tgtEl>
+                                        <p:attrNameLst>
+                                          <p:attrName>ppt_x</p:attrName>
+                                        </p:attrNameLst>
+                                      </p:cBhvr>
+                                      <p:tavLst>
+                                        <p:tav tm="0">
+                                          <p:val>
+                                            <p:strVal val="#ppt_x"/>
+                                          </p:val>
+                                        </p:tav>
+                                        <p:tav tm="100000">
+                                          <p:val>
+                                            <p:strVal val="#ppt_x"/>
+                                          </p:val>
+                                        </p:tav>
+                                      </p:tavLst>
+                                    </p:anim>
+                                    <p:anim calcmode="lin" valueType="num">
+                                      <p:cBhvr additive="base">
+                                        <p:cTn id="38" dur="500" fill="hold"/>
+                                        <p:tgtEl>
+                                          <p:spTgt spid="8"/>
+                                        </p:tgtEl>
+                                        <p:attrNameLst>
+                                          <p:attrName>ppt_y</p:attrName>
+                                        </p:attrNameLst>
+                                      </p:cBhvr>
+                                      <p:tavLst>
+                                        <p:tav tm="0">
+                                          <p:val>
+                                            <p:strVal val="1+#ppt_h/2"/>
+                                          </p:val>
+                                        </p:tav>
+                                        <p:tav tm="100000">
+                                          <p:val>
+                                            <p:strVal val="#ppt_y"/>
+                                          </p:val>
+                                        </p:tav>
+                                      </p:tavLst>
+                                    </p:anim>
+                                  </p:childTnLst>
+                                </p:cTn>
+                              </p:par>
+                            </p:childTnLst>
+                          </p:cTn>
+                        </p:par>
+                      </p:childTnLst>
+                    </p:cTn>
+                  </p:par>
+                  <p:par>
+                    <p:cTn id="39" fill="hold">
+                      <p:stCondLst>
+                        <p:cond delay="indefinite"/>
+                      </p:stCondLst>
+                      <p:childTnLst>
+                        <p:par>
+                          <p:cTn id="40" fill="hold">
+                            <p:stCondLst>
+                              <p:cond delay="0"/>
+                            </p:stCondLst>
+                            <p:childTnLst>
+                              <p:par>
+                                <p:cTn id="41" presetID="2" presetClass="entr" presetSubtype="4" fill="hold" grpId="0" nodeType="clickEffect">
+                                  <p:stCondLst>
+                                    <p:cond delay="0"/>
+                                  </p:stCondLst>
+                                  <p:childTnLst>
+                                    <p:set>
+                                      <p:cBhvr>
+                                        <p:cTn id="42" dur="1" fill="hold">
+                                          <p:stCondLst>
+                                            <p:cond delay="0"/>
+                                          </p:stCondLst>
+                                        </p:cTn>
+                                        <p:tgtEl>
+                                          <p:spTgt spid="9"/>
+                                        </p:tgtEl>
+                                        <p:attrNameLst>
+                                          <p:attrName>style.visibility</p:attrName>
+                                        </p:attrNameLst>
+                                      </p:cBhvr>
+                                      <p:to>
+                                        <p:strVal val="visible"/>
+                                      </p:to>
+                                    </p:set>
+                                    <p:anim calcmode="lin" valueType="num">
+                                      <p:cBhvr additive="base">
+                                        <p:cTn id="43" dur="500" fill="hold"/>
+                                        <p:tgtEl>
+                                          <p:spTgt spid="9"/>
+                                        </p:tgtEl>
+                                        <p:attrNameLst>
+                                          <p:attrName>ppt_x</p:attrName>
+                                        </p:attrNameLst>
+                                      </p:cBhvr>
+                                      <p:tavLst>
+                                        <p:tav tm="0">
+                                          <p:val>
+                                            <p:strVal val="#ppt_x"/>
+                                          </p:val>
+                                        </p:tav>
+                                        <p:tav tm="100000">
+                                          <p:val>
+                                            <p:strVal val="#ppt_x"/>
+                                          </p:val>
+                                        </p:tav>
+                                      </p:tavLst>
+                                    </p:anim>
+                                    <p:anim calcmode="lin" valueType="num">
+                                      <p:cBhvr additive="base">
+                                        <p:cTn id="44" dur="500" fill="hold"/>
+                                        <p:tgtEl>
+                                          <p:spTgt spid="9"/>
+                                        </p:tgtEl>
+                                        <p:attrNameLst>
+                                          <p:attrName>ppt_y</p:attrName>
+                                        </p:attrNameLst>
+                                      </p:cBhvr>
+                                      <p:tavLst>
+                                        <p:tav tm="0">
+                                          <p:val>
+                                            <p:strVal val="1+#ppt_h/2"/>
+                                          </p:val>
+                                        </p:tav>
+                                        <p:tav tm="100000">
+                                          <p:val>
+                                            <p:strVal val="#ppt_y"/>
+                                          </p:val>
+                                        </p:tav>
+                                      </p:tavLst>
+                                    </p:anim>
+                                  </p:childTnLst>
+                                </p:cTn>
+                              </p:par>
+                            </p:childTnLst>
+                          </p:cTn>
+                        </p:par>
+                      </p:childTnLst>
+                    </p:cTn>
+                  </p:par>
+                </p:childTnLst>
+              </p:cTn>
+              <p:prevCondLst>
+                <p:cond evt="onPrev" delay="0">
+                  <p:tgtEl>
+                    <p:sldTgt/>
+                  </p:tgtEl>
+                </p:cond>
+              </p:prevCondLst>
+              <p:nextCondLst>
+                <p:cond evt="onNext" delay="0">
+                  <p:tgtEl>
+                    <p:sldTgt/>
+                  </p:tgtEl>
+                </p:cond>
+              </p:nextCondLst>
+            </p:seq>
+          </p:childTnLst>
+        </p:cTn>
+      </p:par>
+    </p:tnLst>
+    <p:bldLst>
+      <p:bldP spid="3" grpId="0"/>
+      <p:bldP spid="4" grpId="0"/>
+      <p:bldP spid="5" grpId="0"/>
+      <p:bldP spid="6" grpId="0"/>
+      <p:bldP spid="7" grpId="0"/>
+      <p:bldP spid="8" grpId="0"/>
+      <p:bldP spid="9" grpId="0"/>
+    </p:bldLst>
+  </p:timing>
+</p:sld>
+</file>
+
+<file path=ppt/slides/slide12.xml><?xml version="1.0" encoding="utf-8"?>
 <p:sld xmlns:a="http://schemas.openxmlformats.org/drawingml/2006/main" xmlns:r="http://schemas.openxmlformats.org/officeDocument/2006/relationships" xmlns:p="http://schemas.openxmlformats.org/presentationml/2006/main">
   <p:cSld>
     <p:spTree>
@@ -4431,7 +6132,7 @@
 </p:sld>
 </file>
 
-<file path=ppt/slides/slide11.xml><?xml version="1.0" encoding="utf-8"?>
+<file path=ppt/slides/slide13.xml><?xml version="1.0" encoding="utf-8"?>
 <p:sld xmlns:a="http://schemas.openxmlformats.org/drawingml/2006/main" xmlns:r="http://schemas.openxmlformats.org/officeDocument/2006/relationships" xmlns:p="http://schemas.openxmlformats.org/presentationml/2006/main">
   <p:cSld>
     <p:spTree>
@@ -4481,36 +6182,6 @@
       </p:sp>
       <p:sp>
         <p:nvSpPr>
-          <p:cNvPr id="3" name="TextBox 2"/>
-          <p:cNvSpPr txBox="1"/>
-          <p:nvPr/>
-        </p:nvSpPr>
-        <p:spPr>
-          <a:xfrm>
-            <a:off x="5135550" y="4659848"/>
-            <a:ext cx="3460178" cy="523220"/>
-          </a:xfrm>
-          <a:prstGeom prst="rect">
-            <a:avLst/>
-          </a:prstGeom>
-          <a:noFill/>
-        </p:spPr>
-        <p:txBody>
-          <a:bodyPr wrap="none" rtlCol="0">
-            <a:spAutoFit/>
-          </a:bodyPr>
-          <a:lstStyle/>
-          <a:p>
-            <a:r>
-              <a:rPr lang="ru-RU" sz="2800" dirty="0" smtClean="0"/>
-              <a:t>Дмитрий БРУХАНЧИК</a:t>
-            </a:r>
-            <a:endParaRPr lang="ru-RU" sz="2800" dirty="0"/>
-          </a:p>
-        </p:txBody>
-      </p:sp>
-      <p:sp>
-        <p:nvSpPr>
           <p:cNvPr id="4" name="TextBox 3"/>
           <p:cNvSpPr txBox="1"/>
           <p:nvPr/>
@@ -4544,70 +6215,6 @@
                 <a:srgbClr val="00B050"/>
               </a:solidFill>
             </a:endParaRPr>
-          </a:p>
-        </p:txBody>
-      </p:sp>
-      <p:sp>
-        <p:nvSpPr>
-          <p:cNvPr id="5" name="TextBox 4"/>
-          <p:cNvSpPr txBox="1"/>
-          <p:nvPr/>
-        </p:nvSpPr>
-        <p:spPr>
-          <a:xfrm>
-            <a:off x="6588224" y="5301208"/>
-            <a:ext cx="2076659" cy="369332"/>
-          </a:xfrm>
-          <a:prstGeom prst="rect">
-            <a:avLst/>
-          </a:prstGeom>
-          <a:noFill/>
-        </p:spPr>
-        <p:txBody>
-          <a:bodyPr wrap="none" rtlCol="0">
-            <a:spAutoFit/>
-          </a:bodyPr>
-          <a:lstStyle/>
-          <a:p>
-            <a:r>
-              <a:rPr lang="en-US" dirty="0" smtClean="0"/>
-              <a:t>E-mail: bdm@tut.by</a:t>
-            </a:r>
-            <a:endParaRPr lang="ru-RU" dirty="0"/>
-          </a:p>
-        </p:txBody>
-      </p:sp>
-      <p:sp>
-        <p:nvSpPr>
-          <p:cNvPr id="6" name="TextBox 5"/>
-          <p:cNvSpPr txBox="1"/>
-          <p:nvPr/>
-        </p:nvSpPr>
-        <p:spPr>
-          <a:xfrm>
-            <a:off x="6657377" y="5694858"/>
-            <a:ext cx="1938351" cy="369332"/>
-          </a:xfrm>
-          <a:prstGeom prst="rect">
-            <a:avLst/>
-          </a:prstGeom>
-          <a:noFill/>
-        </p:spPr>
-        <p:txBody>
-          <a:bodyPr wrap="none" rtlCol="0">
-            <a:spAutoFit/>
-          </a:bodyPr>
-          <a:lstStyle/>
-          <a:p>
-            <a:r>
-              <a:rPr lang="en-US" dirty="0" smtClean="0"/>
-              <a:t>Skype: </a:t>
-            </a:r>
-            <a:r>
-              <a:rPr lang="en-US" dirty="0" err="1" smtClean="0"/>
-              <a:t>home_bdm</a:t>
-            </a:r>
-            <a:endParaRPr lang="ru-RU" dirty="0"/>
           </a:p>
         </p:txBody>
       </p:sp>
@@ -6198,7 +7805,7 @@
 </file>
 
 <file path=ppt/slides/slide4.xml><?xml version="1.0" encoding="utf-8"?>
-<p:sld xmlns:a="http://schemas.openxmlformats.org/drawingml/2006/main" xmlns:r="http://schemas.openxmlformats.org/officeDocument/2006/relationships" xmlns:p="http://schemas.openxmlformats.org/presentationml/2006/main">
+<p:sld xmlns:a="http://schemas.openxmlformats.org/drawingml/2006/main" xmlns:r="http://schemas.openxmlformats.org/officeDocument/2006/relationships" xmlns:p="http://schemas.openxmlformats.org/presentationml/2006/main" show="0">
   <p:cSld>
     <p:spTree>
       <p:nvGrpSpPr>
@@ -7311,6 +8918,14 @@
   <p:clrMapOvr>
     <a:masterClrMapping/>
   </p:clrMapOvr>
+  <mc:AlternateContent xmlns:mc="http://schemas.openxmlformats.org/markup-compatibility/2006">
+    <mc:Choice xmlns:p14="http://schemas.microsoft.com/office/powerpoint/2010/main" Requires="p14">
+      <p:transition spd="slow" p14:dur="2000"/>
+    </mc:Choice>
+    <mc:Fallback>
+      <p:transition spd="slow"/>
+    </mc:Fallback>
+  </mc:AlternateContent>
   <p:timing>
     <p:tnLst>
       <p:par>
@@ -7641,11 +9256,6 @@
               </a:rPr>
               <a:t>Принцип «Одно окно» при подключении</a:t>
             </a:r>
-            <a:endParaRPr lang="ru-RU" b="1" dirty="0">
-              <a:solidFill>
-                <a:srgbClr val="00B050"/>
-              </a:solidFill>
-            </a:endParaRPr>
           </a:p>
         </p:txBody>
       </p:sp>
@@ -9204,11 +10814,7 @@
           <a:p>
             <a:r>
               <a:rPr lang="ru-RU" sz="2400" dirty="0" smtClean="0"/>
-              <a:t>вспомогательного </a:t>
-            </a:r>
-            <a:r>
-              <a:rPr lang="ru-RU" sz="2400" dirty="0" smtClean="0"/>
-              <a:t>ПО</a:t>
+              <a:t>вспомогательного ПО</a:t>
             </a:r>
             <a:endParaRPr lang="ru-RU" sz="2400" dirty="0"/>
           </a:p>
@@ -10081,7 +11687,7 @@
         <p:spPr/>
         <p:txBody>
           <a:bodyPr>
-            <a:normAutofit fontScale="90000"/>
+            <a:normAutofit/>
           </a:bodyPr>
           <a:lstStyle/>
           <a:p>
@@ -10091,7 +11697,7 @@
                   <a:srgbClr val="00B050"/>
                 </a:solidFill>
               </a:rPr>
-              <a:t>Единая система документооборота и отчётности </a:t>
+              <a:t>Команда</a:t>
             </a:r>
             <a:endParaRPr lang="ru-RU" dirty="0">
               <a:solidFill>
@@ -10109,8 +11715,8 @@
         </p:nvSpPr>
         <p:spPr>
           <a:xfrm>
-            <a:off x="611560" y="1938070"/>
-            <a:ext cx="5845959" cy="461665"/>
+            <a:off x="611560" y="1268760"/>
+            <a:ext cx="697627" cy="461665"/>
           </a:xfrm>
           <a:prstGeom prst="rect">
             <a:avLst/>
@@ -10124,8 +11730,8 @@
           <a:lstStyle/>
           <a:p>
             <a:r>
-              <a:rPr lang="ru-RU" sz="2400" dirty="0" smtClean="0"/>
-              <a:t>Обороты по торговым точкам предприятия</a:t>
+              <a:rPr lang="en-US" sz="2400" dirty="0" smtClean="0"/>
+              <a:t>CEO</a:t>
             </a:r>
             <a:endParaRPr lang="ru-RU" sz="2400" dirty="0"/>
           </a:p>
@@ -10139,8 +11745,8 @@
         </p:nvSpPr>
         <p:spPr>
           <a:xfrm>
-            <a:off x="611560" y="2987660"/>
-            <a:ext cx="7182351" cy="461665"/>
+            <a:off x="611560" y="1730425"/>
+            <a:ext cx="8348952" cy="461665"/>
           </a:xfrm>
           <a:prstGeom prst="rect">
             <a:avLst/>
@@ -10154,8 +11760,12 @@
           <a:lstStyle/>
           <a:p>
             <a:r>
+              <a:rPr lang="en-US" sz="2400" dirty="0" smtClean="0"/>
+              <a:t>CTO </a:t>
+            </a:r>
+            <a:r>
               <a:rPr lang="ru-RU" sz="2400" dirty="0" smtClean="0"/>
-              <a:t>Выгрузка проводок в бухгалтерские учётные системы</a:t>
+              <a:t>в области обслуживания банковских карточных продуктов</a:t>
             </a:r>
             <a:endParaRPr lang="ru-RU" sz="2400" dirty="0"/>
           </a:p>
@@ -10169,8 +11779,8 @@
         </p:nvSpPr>
         <p:spPr>
           <a:xfrm>
-            <a:off x="611560" y="3995772"/>
-            <a:ext cx="2737865" cy="461665"/>
+            <a:off x="614662" y="2594521"/>
+            <a:ext cx="2401619" cy="461665"/>
           </a:xfrm>
           <a:prstGeom prst="rect">
             <a:avLst/>
@@ -10185,7 +11795,229 @@
           <a:p>
             <a:r>
               <a:rPr lang="ru-RU" sz="2400" dirty="0" smtClean="0"/>
-              <a:t>Реестры карт-чеков</a:t>
+              <a:t>Бизнес-аналитик</a:t>
+            </a:r>
+            <a:endParaRPr lang="ru-RU" sz="2400" dirty="0"/>
+          </a:p>
+        </p:txBody>
+      </p:sp>
+      <p:sp>
+        <p:nvSpPr>
+          <p:cNvPr id="6" name="TextBox 5"/>
+          <p:cNvSpPr txBox="1"/>
+          <p:nvPr/>
+        </p:nvSpPr>
+        <p:spPr>
+          <a:xfrm>
+            <a:off x="614662" y="2132856"/>
+            <a:ext cx="7764113" cy="461665"/>
+          </a:xfrm>
+          <a:prstGeom prst="rect">
+            <a:avLst/>
+          </a:prstGeom>
+          <a:noFill/>
+        </p:spPr>
+        <p:txBody>
+          <a:bodyPr wrap="none" rtlCol="0">
+            <a:spAutoFit/>
+          </a:bodyPr>
+          <a:lstStyle/>
+          <a:p>
+            <a:r>
+              <a:rPr lang="en-US" sz="2400" dirty="0" smtClean="0"/>
+              <a:t>CTO </a:t>
+            </a:r>
+            <a:r>
+              <a:rPr lang="ru-RU" sz="2400" dirty="0" smtClean="0"/>
+              <a:t>в области программирования карточных терминалов</a:t>
+            </a:r>
+            <a:endParaRPr lang="ru-RU" sz="2400" dirty="0"/>
+          </a:p>
+        </p:txBody>
+      </p:sp>
+      <p:sp>
+        <p:nvSpPr>
+          <p:cNvPr id="7" name="TextBox 6"/>
+          <p:cNvSpPr txBox="1"/>
+          <p:nvPr/>
+        </p:nvSpPr>
+        <p:spPr>
+          <a:xfrm>
+            <a:off x="614662" y="3056186"/>
+            <a:ext cx="6605591" cy="461665"/>
+          </a:xfrm>
+          <a:prstGeom prst="rect">
+            <a:avLst/>
+          </a:prstGeom>
+          <a:noFill/>
+        </p:spPr>
+        <p:txBody>
+          <a:bodyPr wrap="none" rtlCol="0">
+            <a:spAutoFit/>
+          </a:bodyPr>
+          <a:lstStyle/>
+          <a:p>
+            <a:r>
+              <a:rPr lang="ru-RU" sz="2400" dirty="0" smtClean="0"/>
+              <a:t>Специалисты сопровождения кассовых решений</a:t>
+            </a:r>
+            <a:endParaRPr lang="ru-RU" sz="2400" dirty="0"/>
+          </a:p>
+        </p:txBody>
+      </p:sp>
+      <p:sp>
+        <p:nvSpPr>
+          <p:cNvPr id="8" name="TextBox 7"/>
+          <p:cNvSpPr txBox="1"/>
+          <p:nvPr/>
+        </p:nvSpPr>
+        <p:spPr>
+          <a:xfrm>
+            <a:off x="614662" y="3517851"/>
+            <a:ext cx="3686907" cy="461665"/>
+          </a:xfrm>
+          <a:prstGeom prst="rect">
+            <a:avLst/>
+          </a:prstGeom>
+          <a:noFill/>
+        </p:spPr>
+        <p:txBody>
+          <a:bodyPr wrap="none" rtlCol="0">
+            <a:spAutoFit/>
+          </a:bodyPr>
+          <a:lstStyle/>
+          <a:p>
+            <a:r>
+              <a:rPr lang="ru-RU" sz="2400" dirty="0" smtClean="0"/>
+              <a:t>Программисты (6 человек)</a:t>
+            </a:r>
+            <a:endParaRPr lang="ru-RU" sz="2400" dirty="0"/>
+          </a:p>
+        </p:txBody>
+      </p:sp>
+      <p:sp>
+        <p:nvSpPr>
+          <p:cNvPr id="9" name="TextBox 8"/>
+          <p:cNvSpPr txBox="1"/>
+          <p:nvPr/>
+        </p:nvSpPr>
+        <p:spPr>
+          <a:xfrm>
+            <a:off x="1309187" y="4149070"/>
+            <a:ext cx="1924373" cy="461665"/>
+          </a:xfrm>
+          <a:prstGeom prst="rect">
+            <a:avLst/>
+          </a:prstGeom>
+          <a:noFill/>
+        </p:spPr>
+        <p:txBody>
+          <a:bodyPr wrap="none" rtlCol="0">
+            <a:spAutoFit/>
+          </a:bodyPr>
+          <a:lstStyle/>
+          <a:p>
+            <a:r>
+              <a:rPr lang="ru-RU" sz="2400" dirty="0" smtClean="0">
+                <a:solidFill>
+                  <a:srgbClr val="00B050"/>
+                </a:solidFill>
+              </a:rPr>
+              <a:t>Необходимо:</a:t>
+            </a:r>
+            <a:endParaRPr lang="ru-RU" sz="2400" dirty="0">
+              <a:solidFill>
+                <a:srgbClr val="00B050"/>
+              </a:solidFill>
+            </a:endParaRPr>
+          </a:p>
+        </p:txBody>
+      </p:sp>
+      <p:sp>
+        <p:nvSpPr>
+          <p:cNvPr id="11" name="TextBox 10"/>
+          <p:cNvSpPr txBox="1"/>
+          <p:nvPr/>
+        </p:nvSpPr>
+        <p:spPr>
+          <a:xfrm>
+            <a:off x="614662" y="4610735"/>
+            <a:ext cx="1744837" cy="461665"/>
+          </a:xfrm>
+          <a:prstGeom prst="rect">
+            <a:avLst/>
+          </a:prstGeom>
+          <a:noFill/>
+        </p:spPr>
+        <p:txBody>
+          <a:bodyPr wrap="none" rtlCol="0">
+            <a:spAutoFit/>
+          </a:bodyPr>
+          <a:lstStyle/>
+          <a:p>
+            <a:r>
+              <a:rPr lang="ru-RU" sz="2400" dirty="0" smtClean="0"/>
+              <a:t>Маркетолог</a:t>
+            </a:r>
+            <a:endParaRPr lang="ru-RU" sz="2400" dirty="0"/>
+          </a:p>
+        </p:txBody>
+      </p:sp>
+      <p:sp>
+        <p:nvSpPr>
+          <p:cNvPr id="12" name="TextBox 11"/>
+          <p:cNvSpPr txBox="1"/>
+          <p:nvPr/>
+        </p:nvSpPr>
+        <p:spPr>
+          <a:xfrm>
+            <a:off x="624853" y="5072400"/>
+            <a:ext cx="3941272" cy="461665"/>
+          </a:xfrm>
+          <a:prstGeom prst="rect">
+            <a:avLst/>
+          </a:prstGeom>
+          <a:noFill/>
+        </p:spPr>
+        <p:txBody>
+          <a:bodyPr wrap="none" rtlCol="0">
+            <a:spAutoFit/>
+          </a:bodyPr>
+          <a:lstStyle/>
+          <a:p>
+            <a:r>
+              <a:rPr lang="ru-RU" sz="2400" dirty="0" smtClean="0"/>
+              <a:t>Системные администраторы</a:t>
+            </a:r>
+            <a:endParaRPr lang="ru-RU" sz="2400" dirty="0"/>
+          </a:p>
+        </p:txBody>
+      </p:sp>
+      <p:sp>
+        <p:nvSpPr>
+          <p:cNvPr id="14" name="TextBox 13"/>
+          <p:cNvSpPr txBox="1"/>
+          <p:nvPr/>
+        </p:nvSpPr>
+        <p:spPr>
+          <a:xfrm>
+            <a:off x="624853" y="5534065"/>
+            <a:ext cx="4074257" cy="461665"/>
+          </a:xfrm>
+          <a:prstGeom prst="rect">
+            <a:avLst/>
+          </a:prstGeom>
+          <a:noFill/>
+        </p:spPr>
+        <p:txBody>
+          <a:bodyPr wrap="none" rtlCol="0">
+            <a:spAutoFit/>
+          </a:bodyPr>
+          <a:lstStyle/>
+          <a:p>
+            <a:r>
+              <a:rPr lang="ru-RU" sz="2400" dirty="0" smtClean="0"/>
+              <a:t>Административный персонал</a:t>
             </a:r>
             <a:endParaRPr lang="ru-RU" sz="2400" dirty="0"/>
           </a:p>
@@ -10201,6 +12033,14 @@
   <p:clrMapOvr>
     <a:masterClrMapping/>
   </p:clrMapOvr>
+  <mc:AlternateContent xmlns:mc="http://schemas.openxmlformats.org/markup-compatibility/2006">
+    <mc:Choice xmlns:p14="http://schemas.microsoft.com/office/powerpoint/2010/main" Requires="p14">
+      <p:transition spd="slow" p14:dur="2000"/>
+    </mc:Choice>
+    <mc:Fallback>
+      <p:transition spd="slow"/>
+    </mc:Fallback>
+  </mc:AlternateContent>
   <p:timing>
     <p:tnLst>
       <p:par>
@@ -10482,6 +12322,643 @@
                       </p:childTnLst>
                     </p:cTn>
                   </p:par>
+                  <p:par>
+                    <p:cTn id="21" fill="hold">
+                      <p:stCondLst>
+                        <p:cond delay="indefinite"/>
+                      </p:stCondLst>
+                      <p:childTnLst>
+                        <p:par>
+                          <p:cTn id="22" fill="hold">
+                            <p:stCondLst>
+                              <p:cond delay="0"/>
+                            </p:stCondLst>
+                            <p:childTnLst>
+                              <p:par>
+                                <p:cTn id="23" presetID="2" presetClass="entr" presetSubtype="4" fill="hold" grpId="0" nodeType="clickEffect">
+                                  <p:stCondLst>
+                                    <p:cond delay="0"/>
+                                  </p:stCondLst>
+                                  <p:childTnLst>
+                                    <p:set>
+                                      <p:cBhvr>
+                                        <p:cTn id="24" dur="1" fill="hold">
+                                          <p:stCondLst>
+                                            <p:cond delay="0"/>
+                                          </p:stCondLst>
+                                        </p:cTn>
+                                        <p:tgtEl>
+                                          <p:spTgt spid="6"/>
+                                        </p:tgtEl>
+                                        <p:attrNameLst>
+                                          <p:attrName>style.visibility</p:attrName>
+                                        </p:attrNameLst>
+                                      </p:cBhvr>
+                                      <p:to>
+                                        <p:strVal val="visible"/>
+                                      </p:to>
+                                    </p:set>
+                                    <p:anim calcmode="lin" valueType="num">
+                                      <p:cBhvr additive="base">
+                                        <p:cTn id="25" dur="500" fill="hold"/>
+                                        <p:tgtEl>
+                                          <p:spTgt spid="6"/>
+                                        </p:tgtEl>
+                                        <p:attrNameLst>
+                                          <p:attrName>ppt_x</p:attrName>
+                                        </p:attrNameLst>
+                                      </p:cBhvr>
+                                      <p:tavLst>
+                                        <p:tav tm="0">
+                                          <p:val>
+                                            <p:strVal val="#ppt_x"/>
+                                          </p:val>
+                                        </p:tav>
+                                        <p:tav tm="100000">
+                                          <p:val>
+                                            <p:strVal val="#ppt_x"/>
+                                          </p:val>
+                                        </p:tav>
+                                      </p:tavLst>
+                                    </p:anim>
+                                    <p:anim calcmode="lin" valueType="num">
+                                      <p:cBhvr additive="base">
+                                        <p:cTn id="26" dur="500" fill="hold"/>
+                                        <p:tgtEl>
+                                          <p:spTgt spid="6"/>
+                                        </p:tgtEl>
+                                        <p:attrNameLst>
+                                          <p:attrName>ppt_y</p:attrName>
+                                        </p:attrNameLst>
+                                      </p:cBhvr>
+                                      <p:tavLst>
+                                        <p:tav tm="0">
+                                          <p:val>
+                                            <p:strVal val="1+#ppt_h/2"/>
+                                          </p:val>
+                                        </p:tav>
+                                        <p:tav tm="100000">
+                                          <p:val>
+                                            <p:strVal val="#ppt_y"/>
+                                          </p:val>
+                                        </p:tav>
+                                      </p:tavLst>
+                                    </p:anim>
+                                  </p:childTnLst>
+                                </p:cTn>
+                              </p:par>
+                            </p:childTnLst>
+                          </p:cTn>
+                        </p:par>
+                      </p:childTnLst>
+                    </p:cTn>
+                  </p:par>
+                  <p:par>
+                    <p:cTn id="27" fill="hold">
+                      <p:stCondLst>
+                        <p:cond delay="indefinite"/>
+                      </p:stCondLst>
+                      <p:childTnLst>
+                        <p:par>
+                          <p:cTn id="28" fill="hold">
+                            <p:stCondLst>
+                              <p:cond delay="0"/>
+                            </p:stCondLst>
+                            <p:childTnLst>
+                              <p:par>
+                                <p:cTn id="29" presetID="2" presetClass="entr" presetSubtype="4" fill="hold" grpId="0" nodeType="clickEffect">
+                                  <p:stCondLst>
+                                    <p:cond delay="0"/>
+                                  </p:stCondLst>
+                                  <p:childTnLst>
+                                    <p:set>
+                                      <p:cBhvr>
+                                        <p:cTn id="30" dur="1" fill="hold">
+                                          <p:stCondLst>
+                                            <p:cond delay="0"/>
+                                          </p:stCondLst>
+                                        </p:cTn>
+                                        <p:tgtEl>
+                                          <p:spTgt spid="7"/>
+                                        </p:tgtEl>
+                                        <p:attrNameLst>
+                                          <p:attrName>style.visibility</p:attrName>
+                                        </p:attrNameLst>
+                                      </p:cBhvr>
+                                      <p:to>
+                                        <p:strVal val="visible"/>
+                                      </p:to>
+                                    </p:set>
+                                    <p:anim calcmode="lin" valueType="num">
+                                      <p:cBhvr additive="base">
+                                        <p:cTn id="31" dur="500" fill="hold"/>
+                                        <p:tgtEl>
+                                          <p:spTgt spid="7"/>
+                                        </p:tgtEl>
+                                        <p:attrNameLst>
+                                          <p:attrName>ppt_x</p:attrName>
+                                        </p:attrNameLst>
+                                      </p:cBhvr>
+                                      <p:tavLst>
+                                        <p:tav tm="0">
+                                          <p:val>
+                                            <p:strVal val="#ppt_x"/>
+                                          </p:val>
+                                        </p:tav>
+                                        <p:tav tm="100000">
+                                          <p:val>
+                                            <p:strVal val="#ppt_x"/>
+                                          </p:val>
+                                        </p:tav>
+                                      </p:tavLst>
+                                    </p:anim>
+                                    <p:anim calcmode="lin" valueType="num">
+                                      <p:cBhvr additive="base">
+                                        <p:cTn id="32" dur="500" fill="hold"/>
+                                        <p:tgtEl>
+                                          <p:spTgt spid="7"/>
+                                        </p:tgtEl>
+                                        <p:attrNameLst>
+                                          <p:attrName>ppt_y</p:attrName>
+                                        </p:attrNameLst>
+                                      </p:cBhvr>
+                                      <p:tavLst>
+                                        <p:tav tm="0">
+                                          <p:val>
+                                            <p:strVal val="1+#ppt_h/2"/>
+                                          </p:val>
+                                        </p:tav>
+                                        <p:tav tm="100000">
+                                          <p:val>
+                                            <p:strVal val="#ppt_y"/>
+                                          </p:val>
+                                        </p:tav>
+                                      </p:tavLst>
+                                    </p:anim>
+                                  </p:childTnLst>
+                                </p:cTn>
+                              </p:par>
+                            </p:childTnLst>
+                          </p:cTn>
+                        </p:par>
+                      </p:childTnLst>
+                    </p:cTn>
+                  </p:par>
+                  <p:par>
+                    <p:cTn id="33" fill="hold">
+                      <p:stCondLst>
+                        <p:cond delay="indefinite"/>
+                      </p:stCondLst>
+                      <p:childTnLst>
+                        <p:par>
+                          <p:cTn id="34" fill="hold">
+                            <p:stCondLst>
+                              <p:cond delay="0"/>
+                            </p:stCondLst>
+                            <p:childTnLst>
+                              <p:par>
+                                <p:cTn id="35" presetID="2" presetClass="entr" presetSubtype="4" fill="hold" grpId="0" nodeType="clickEffect">
+                                  <p:stCondLst>
+                                    <p:cond delay="0"/>
+                                  </p:stCondLst>
+                                  <p:childTnLst>
+                                    <p:set>
+                                      <p:cBhvr>
+                                        <p:cTn id="36" dur="1" fill="hold">
+                                          <p:stCondLst>
+                                            <p:cond delay="0"/>
+                                          </p:stCondLst>
+                                        </p:cTn>
+                                        <p:tgtEl>
+                                          <p:spTgt spid="8"/>
+                                        </p:tgtEl>
+                                        <p:attrNameLst>
+                                          <p:attrName>style.visibility</p:attrName>
+                                        </p:attrNameLst>
+                                      </p:cBhvr>
+                                      <p:to>
+                                        <p:strVal val="visible"/>
+                                      </p:to>
+                                    </p:set>
+                                    <p:anim calcmode="lin" valueType="num">
+                                      <p:cBhvr additive="base">
+                                        <p:cTn id="37" dur="500" fill="hold"/>
+                                        <p:tgtEl>
+                                          <p:spTgt spid="8"/>
+                                        </p:tgtEl>
+                                        <p:attrNameLst>
+                                          <p:attrName>ppt_x</p:attrName>
+                                        </p:attrNameLst>
+                                      </p:cBhvr>
+                                      <p:tavLst>
+                                        <p:tav tm="0">
+                                          <p:val>
+                                            <p:strVal val="#ppt_x"/>
+                                          </p:val>
+                                        </p:tav>
+                                        <p:tav tm="100000">
+                                          <p:val>
+                                            <p:strVal val="#ppt_x"/>
+                                          </p:val>
+                                        </p:tav>
+                                      </p:tavLst>
+                                    </p:anim>
+                                    <p:anim calcmode="lin" valueType="num">
+                                      <p:cBhvr additive="base">
+                                        <p:cTn id="38" dur="500" fill="hold"/>
+                                        <p:tgtEl>
+                                          <p:spTgt spid="8"/>
+                                        </p:tgtEl>
+                                        <p:attrNameLst>
+                                          <p:attrName>ppt_y</p:attrName>
+                                        </p:attrNameLst>
+                                      </p:cBhvr>
+                                      <p:tavLst>
+                                        <p:tav tm="0">
+                                          <p:val>
+                                            <p:strVal val="1+#ppt_h/2"/>
+                                          </p:val>
+                                        </p:tav>
+                                        <p:tav tm="100000">
+                                          <p:val>
+                                            <p:strVal val="#ppt_y"/>
+                                          </p:val>
+                                        </p:tav>
+                                      </p:tavLst>
+                                    </p:anim>
+                                  </p:childTnLst>
+                                </p:cTn>
+                              </p:par>
+                            </p:childTnLst>
+                          </p:cTn>
+                        </p:par>
+                      </p:childTnLst>
+                    </p:cTn>
+                  </p:par>
+                  <p:par>
+                    <p:cTn id="39" fill="hold">
+                      <p:stCondLst>
+                        <p:cond delay="indefinite"/>
+                      </p:stCondLst>
+                      <p:childTnLst>
+                        <p:par>
+                          <p:cTn id="40" fill="hold">
+                            <p:stCondLst>
+                              <p:cond delay="0"/>
+                            </p:stCondLst>
+                            <p:childTnLst>
+                              <p:par>
+                                <p:cTn id="41" presetID="2" presetClass="entr" presetSubtype="4" fill="hold" grpId="0" nodeType="clickEffect">
+                                  <p:stCondLst>
+                                    <p:cond delay="0"/>
+                                  </p:stCondLst>
+                                  <p:childTnLst>
+                                    <p:set>
+                                      <p:cBhvr>
+                                        <p:cTn id="42" dur="1" fill="hold">
+                                          <p:stCondLst>
+                                            <p:cond delay="0"/>
+                                          </p:stCondLst>
+                                        </p:cTn>
+                                        <p:tgtEl>
+                                          <p:spTgt spid="9"/>
+                                        </p:tgtEl>
+                                        <p:attrNameLst>
+                                          <p:attrName>style.visibility</p:attrName>
+                                        </p:attrNameLst>
+                                      </p:cBhvr>
+                                      <p:to>
+                                        <p:strVal val="visible"/>
+                                      </p:to>
+                                    </p:set>
+                                    <p:anim calcmode="lin" valueType="num">
+                                      <p:cBhvr additive="base">
+                                        <p:cTn id="43" dur="500" fill="hold"/>
+                                        <p:tgtEl>
+                                          <p:spTgt spid="9"/>
+                                        </p:tgtEl>
+                                        <p:attrNameLst>
+                                          <p:attrName>ppt_x</p:attrName>
+                                        </p:attrNameLst>
+                                      </p:cBhvr>
+                                      <p:tavLst>
+                                        <p:tav tm="0">
+                                          <p:val>
+                                            <p:strVal val="#ppt_x"/>
+                                          </p:val>
+                                        </p:tav>
+                                        <p:tav tm="100000">
+                                          <p:val>
+                                            <p:strVal val="#ppt_x"/>
+                                          </p:val>
+                                        </p:tav>
+                                      </p:tavLst>
+                                    </p:anim>
+                                    <p:anim calcmode="lin" valueType="num">
+                                      <p:cBhvr additive="base">
+                                        <p:cTn id="44" dur="500" fill="hold"/>
+                                        <p:tgtEl>
+                                          <p:spTgt spid="9"/>
+                                        </p:tgtEl>
+                                        <p:attrNameLst>
+                                          <p:attrName>ppt_y</p:attrName>
+                                        </p:attrNameLst>
+                                      </p:cBhvr>
+                                      <p:tavLst>
+                                        <p:tav tm="0">
+                                          <p:val>
+                                            <p:strVal val="1+#ppt_h/2"/>
+                                          </p:val>
+                                        </p:tav>
+                                        <p:tav tm="100000">
+                                          <p:val>
+                                            <p:strVal val="#ppt_y"/>
+                                          </p:val>
+                                        </p:tav>
+                                      </p:tavLst>
+                                    </p:anim>
+                                  </p:childTnLst>
+                                </p:cTn>
+                              </p:par>
+                            </p:childTnLst>
+                          </p:cTn>
+                        </p:par>
+                      </p:childTnLst>
+                    </p:cTn>
+                  </p:par>
+                  <p:par>
+                    <p:cTn id="45" fill="hold">
+                      <p:stCondLst>
+                        <p:cond delay="indefinite"/>
+                      </p:stCondLst>
+                      <p:childTnLst>
+                        <p:par>
+                          <p:cTn id="46" fill="hold">
+                            <p:stCondLst>
+                              <p:cond delay="0"/>
+                            </p:stCondLst>
+                            <p:childTnLst>
+                              <p:par>
+                                <p:cTn id="47" presetID="2" presetClass="entr" presetSubtype="4" fill="hold" grpId="0" nodeType="clickEffect">
+                                  <p:stCondLst>
+                                    <p:cond delay="0"/>
+                                  </p:stCondLst>
+                                  <p:childTnLst>
+                                    <p:set>
+                                      <p:cBhvr>
+                                        <p:cTn id="48" dur="1" fill="hold">
+                                          <p:stCondLst>
+                                            <p:cond delay="0"/>
+                                          </p:stCondLst>
+                                        </p:cTn>
+                                        <p:tgtEl>
+                                          <p:spTgt spid="11"/>
+                                        </p:tgtEl>
+                                        <p:attrNameLst>
+                                          <p:attrName>style.visibility</p:attrName>
+                                        </p:attrNameLst>
+                                      </p:cBhvr>
+                                      <p:to>
+                                        <p:strVal val="visible"/>
+                                      </p:to>
+                                    </p:set>
+                                    <p:anim calcmode="lin" valueType="num">
+                                      <p:cBhvr additive="base">
+                                        <p:cTn id="49" dur="500" fill="hold"/>
+                                        <p:tgtEl>
+                                          <p:spTgt spid="11"/>
+                                        </p:tgtEl>
+                                        <p:attrNameLst>
+                                          <p:attrName>ppt_x</p:attrName>
+                                        </p:attrNameLst>
+                                      </p:cBhvr>
+                                      <p:tavLst>
+                                        <p:tav tm="0">
+                                          <p:val>
+                                            <p:strVal val="#ppt_x"/>
+                                          </p:val>
+                                        </p:tav>
+                                        <p:tav tm="100000">
+                                          <p:val>
+                                            <p:strVal val="#ppt_x"/>
+                                          </p:val>
+                                        </p:tav>
+                                      </p:tavLst>
+                                    </p:anim>
+                                    <p:anim calcmode="lin" valueType="num">
+                                      <p:cBhvr additive="base">
+                                        <p:cTn id="50" dur="500" fill="hold"/>
+                                        <p:tgtEl>
+                                          <p:spTgt spid="11"/>
+                                        </p:tgtEl>
+                                        <p:attrNameLst>
+                                          <p:attrName>ppt_y</p:attrName>
+                                        </p:attrNameLst>
+                                      </p:cBhvr>
+                                      <p:tavLst>
+                                        <p:tav tm="0">
+                                          <p:val>
+                                            <p:strVal val="1+#ppt_h/2"/>
+                                          </p:val>
+                                        </p:tav>
+                                        <p:tav tm="100000">
+                                          <p:val>
+                                            <p:strVal val="#ppt_y"/>
+                                          </p:val>
+                                        </p:tav>
+                                      </p:tavLst>
+                                    </p:anim>
+                                  </p:childTnLst>
+                                </p:cTn>
+                              </p:par>
+                            </p:childTnLst>
+                          </p:cTn>
+                        </p:par>
+                      </p:childTnLst>
+                    </p:cTn>
+                  </p:par>
+                  <p:par>
+                    <p:cTn id="51" fill="hold">
+                      <p:stCondLst>
+                        <p:cond delay="indefinite"/>
+                      </p:stCondLst>
+                      <p:childTnLst>
+                        <p:par>
+                          <p:cTn id="52" fill="hold">
+                            <p:stCondLst>
+                              <p:cond delay="0"/>
+                            </p:stCondLst>
+                            <p:childTnLst>
+                              <p:par>
+                                <p:cTn id="53" presetID="2" presetClass="entr" presetSubtype="4" fill="hold" grpId="0" nodeType="clickEffect">
+                                  <p:stCondLst>
+                                    <p:cond delay="0"/>
+                                  </p:stCondLst>
+                                  <p:childTnLst>
+                                    <p:set>
+                                      <p:cBhvr>
+                                        <p:cTn id="54" dur="1" fill="hold">
+                                          <p:stCondLst>
+                                            <p:cond delay="0"/>
+                                          </p:stCondLst>
+                                        </p:cTn>
+                                        <p:tgtEl>
+                                          <p:spTgt spid="12"/>
+                                        </p:tgtEl>
+                                        <p:attrNameLst>
+                                          <p:attrName>style.visibility</p:attrName>
+                                        </p:attrNameLst>
+                                      </p:cBhvr>
+                                      <p:to>
+                                        <p:strVal val="visible"/>
+                                      </p:to>
+                                    </p:set>
+                                    <p:anim calcmode="lin" valueType="num">
+                                      <p:cBhvr additive="base">
+                                        <p:cTn id="55" dur="500" fill="hold"/>
+                                        <p:tgtEl>
+                                          <p:spTgt spid="12"/>
+                                        </p:tgtEl>
+                                        <p:attrNameLst>
+                                          <p:attrName>ppt_x</p:attrName>
+                                        </p:attrNameLst>
+                                      </p:cBhvr>
+                                      <p:tavLst>
+                                        <p:tav tm="0">
+                                          <p:val>
+                                            <p:strVal val="#ppt_x"/>
+                                          </p:val>
+                                        </p:tav>
+                                        <p:tav tm="100000">
+                                          <p:val>
+                                            <p:strVal val="#ppt_x"/>
+                                          </p:val>
+                                        </p:tav>
+                                      </p:tavLst>
+                                    </p:anim>
+                                    <p:anim calcmode="lin" valueType="num">
+                                      <p:cBhvr additive="base">
+                                        <p:cTn id="56" dur="500" fill="hold"/>
+                                        <p:tgtEl>
+                                          <p:spTgt spid="12"/>
+                                        </p:tgtEl>
+                                        <p:attrNameLst>
+                                          <p:attrName>ppt_y</p:attrName>
+                                        </p:attrNameLst>
+                                      </p:cBhvr>
+                                      <p:tavLst>
+                                        <p:tav tm="0">
+                                          <p:val>
+                                            <p:strVal val="1+#ppt_h/2"/>
+                                          </p:val>
+                                        </p:tav>
+                                        <p:tav tm="100000">
+                                          <p:val>
+                                            <p:strVal val="#ppt_y"/>
+                                          </p:val>
+                                        </p:tav>
+                                      </p:tavLst>
+                                    </p:anim>
+                                  </p:childTnLst>
+                                </p:cTn>
+                              </p:par>
+                            </p:childTnLst>
+                          </p:cTn>
+                        </p:par>
+                      </p:childTnLst>
+                    </p:cTn>
+                  </p:par>
+                  <p:par>
+                    <p:cTn id="57" fill="hold">
+                      <p:stCondLst>
+                        <p:cond delay="indefinite"/>
+                      </p:stCondLst>
+                      <p:childTnLst>
+                        <p:par>
+                          <p:cTn id="58" fill="hold">
+                            <p:stCondLst>
+                              <p:cond delay="0"/>
+                            </p:stCondLst>
+                            <p:childTnLst>
+                              <p:par>
+                                <p:cTn id="59" presetID="2" presetClass="entr" presetSubtype="4" fill="hold" grpId="0" nodeType="clickEffect">
+                                  <p:stCondLst>
+                                    <p:cond delay="0"/>
+                                  </p:stCondLst>
+                                  <p:childTnLst>
+                                    <p:set>
+                                      <p:cBhvr>
+                                        <p:cTn id="60" dur="1" fill="hold">
+                                          <p:stCondLst>
+                                            <p:cond delay="0"/>
+                                          </p:stCondLst>
+                                        </p:cTn>
+                                        <p:tgtEl>
+                                          <p:spTgt spid="14"/>
+                                        </p:tgtEl>
+                                        <p:attrNameLst>
+                                          <p:attrName>style.visibility</p:attrName>
+                                        </p:attrNameLst>
+                                      </p:cBhvr>
+                                      <p:to>
+                                        <p:strVal val="visible"/>
+                                      </p:to>
+                                    </p:set>
+                                    <p:anim calcmode="lin" valueType="num">
+                                      <p:cBhvr additive="base">
+                                        <p:cTn id="61" dur="500" fill="hold"/>
+                                        <p:tgtEl>
+                                          <p:spTgt spid="14"/>
+                                        </p:tgtEl>
+                                        <p:attrNameLst>
+                                          <p:attrName>ppt_x</p:attrName>
+                                        </p:attrNameLst>
+                                      </p:cBhvr>
+                                      <p:tavLst>
+                                        <p:tav tm="0">
+                                          <p:val>
+                                            <p:strVal val="#ppt_x"/>
+                                          </p:val>
+                                        </p:tav>
+                                        <p:tav tm="100000">
+                                          <p:val>
+                                            <p:strVal val="#ppt_x"/>
+                                          </p:val>
+                                        </p:tav>
+                                      </p:tavLst>
+                                    </p:anim>
+                                    <p:anim calcmode="lin" valueType="num">
+                                      <p:cBhvr additive="base">
+                                        <p:cTn id="62" dur="500" fill="hold"/>
+                                        <p:tgtEl>
+                                          <p:spTgt spid="14"/>
+                                        </p:tgtEl>
+                                        <p:attrNameLst>
+                                          <p:attrName>ppt_y</p:attrName>
+                                        </p:attrNameLst>
+                                      </p:cBhvr>
+                                      <p:tavLst>
+                                        <p:tav tm="0">
+                                          <p:val>
+                                            <p:strVal val="1+#ppt_h/2"/>
+                                          </p:val>
+                                        </p:tav>
+                                        <p:tav tm="100000">
+                                          <p:val>
+                                            <p:strVal val="#ppt_y"/>
+                                          </p:val>
+                                        </p:tav>
+                                      </p:tavLst>
+                                    </p:anim>
+                                  </p:childTnLst>
+                                </p:cTn>
+                              </p:par>
+                            </p:childTnLst>
+                          </p:cTn>
+                        </p:par>
+                      </p:childTnLst>
+                    </p:cTn>
+                  </p:par>
                 </p:childTnLst>
               </p:cTn>
               <p:prevCondLst>
@@ -10507,6 +12984,13 @@
       <p:bldP spid="3" grpId="0"/>
       <p:bldP spid="4" grpId="0"/>
       <p:bldP spid="5" grpId="0"/>
+      <p:bldP spid="6" grpId="0"/>
+      <p:bldP spid="7" grpId="0"/>
+      <p:bldP spid="8" grpId="0"/>
+      <p:bldP spid="9" grpId="0"/>
+      <p:bldP spid="11" grpId="0"/>
+      <p:bldP spid="12" grpId="0"/>
+      <p:bldP spid="14" grpId="0"/>
     </p:bldLst>
   </p:timing>
 </p:sld>
